--- a/docs/hands-on/avalanche-ai-handson-demo.pptx
+++ b/docs/hands-on/avalanche-ai-handson-demo.pptx
@@ -8,7 +8,6 @@
     <p:sldId id="256" r:id="rId2"/>
     <p:sldId id="257" r:id="rId3"/>
     <p:sldId id="258" r:id="rId4"/>
-    <p:sldId id="259" r:id="rId5"/>
     <p:sldId id="260" r:id="rId6"/>
     <p:sldId id="261" r:id="rId7"/>
     <p:sldId id="262" r:id="rId8"/>
@@ -2588,94 +2587,6 @@
     <p:extLst>
       <p:ext uri="{BB962C8B-B14F-4D97-AF65-F5344CB8AC3E}">
         <p14:creationId xmlns:p14="http://schemas.microsoft.com/office/powerpoint/2010/main" val="1024086992"/>
-      </p:ext>
-    </p:extLst>
-  </p:cSld>
-  <p:clrMapOvr>
-    <a:masterClrMapping/>
-  </p:clrMapOvr>
-</p:notes>
-</file>
-
-<file path=ppt/notesSlides/notesSlide4.xml><?xml version="1.0" encoding="utf-8"?>
-<p:notes xmlns:a="http://schemas.openxmlformats.org/drawingml/2006/main" xmlns:r="http://schemas.openxmlformats.org/officeDocument/2006/relationships" xmlns:p="http://schemas.openxmlformats.org/presentationml/2006/main">
-  <p:cSld>
-    <p:spTree>
-      <p:nvGrpSpPr>
-        <p:cNvPr id="1" name=""/>
-        <p:cNvGrpSpPr/>
-        <p:nvPr/>
-      </p:nvGrpSpPr>
-      <p:grpSpPr>
-        <a:xfrm>
-          <a:off x="0" y="0"/>
-          <a:ext cx="0" cy="0"/>
-          <a:chOff x="0" y="0"/>
-          <a:chExt cx="0" cy="0"/>
-        </a:xfrm>
-      </p:grpSpPr>
-      <p:sp>
-        <p:nvSpPr>
-          <p:cNvPr id="2" name="Slide Image Placeholder 1"/>
-          <p:cNvSpPr>
-            <a:spLocks noGrp="1" noRot="1" noChangeAspect="1"/>
-          </p:cNvSpPr>
-          <p:nvPr>
-            <p:ph type="sldImg"/>
-          </p:nvPr>
-        </p:nvSpPr>
-        <p:spPr/>
-      </p:sp>
-      <p:sp>
-        <p:nvSpPr>
-          <p:cNvPr id="3" name="Notes Placeholder 2"/>
-          <p:cNvSpPr>
-            <a:spLocks noGrp="1"/>
-          </p:cNvSpPr>
-          <p:nvPr>
-            <p:ph type="body" idx="1"/>
-          </p:nvPr>
-        </p:nvSpPr>
-        <p:spPr/>
-        <p:txBody>
-          <a:bodyPr/>
-          <a:lstStyle/>
-          <a:p>
-            <a:r>
-              <a:rPr lang="en-US" dirty="0"/>
-              <a:t/>
-            </a:r>
-            <a:endParaRPr lang="en-US" dirty="0"/>
-          </a:p>
-        </p:txBody>
-      </p:sp>
-      <p:sp>
-        <p:nvSpPr>
-          <p:cNvPr id="4" name="Slide Number Placeholder 3"/>
-          <p:cNvSpPr>
-            <a:spLocks noGrp="1"/>
-          </p:cNvSpPr>
-          <p:nvPr>
-            <p:ph type="sldNum" sz="quarter" idx="10"/>
-          </p:nvPr>
-        </p:nvSpPr>
-        <p:spPr/>
-        <p:txBody>
-          <a:bodyPr/>
-          <a:lstStyle/>
-          <a:p>
-            <a:fld id="{F7021451-1387-4CA6-816F-3879F97B5CBC}" type="slidenum">
-              <a:rPr lang="en-US"/>
-              <a:t>4</a:t>
-            </a:fld>
-            <a:endParaRPr lang="en-US"/>
-          </a:p>
-        </p:txBody>
-      </p:sp>
-    </p:spTree>
-    <p:extLst>
-      <p:ext uri="{BB962C8B-B14F-4D97-AF65-F5344CB8AC3E}">
-        <p14:creationId xmlns:p14="http://schemas.microsoft.com/office/powerpoint/2010/main" val="1024086991"/>
       </p:ext>
     </p:extLst>
   </p:cSld>
@@ -6916,20 +6827,6 @@
             </a:r>
             <a:endParaRPr lang="en-US" sz="1000" dirty="0"/>
           </a:p>
-          <a:p>
-            <a:pPr indent="0" marL="0">
-              <a:buNone/>
-            </a:pPr>
-            <a:r>
-              <a:rPr lang="en-US" sz="1000" dirty="0">
-                <a:solidFill>
-                  <a:srgbClr val="CCCCCC"/>
-                </a:solidFill>
-              </a:rPr>
-              <a:t>• avax-like-frontend-design  →  Avalanche 風デザインの知識</a:t>
-            </a:r>
-            <a:endParaRPr lang="en-US" sz="1000" dirty="0"/>
-          </a:p>
         </p:txBody>
       </p:sp>
     </p:spTree>
@@ -7130,7 +7027,7 @@
                   <a:srgbClr val="F1C40F"/>
                 </a:solidFill>
               </a:rPr>
-              <a:t>💡 Agent Skills オープンスタンダード：Claude Code / Gemini CLI / Cursor 間で互換性あり</a:t>
+              <a:t>💡 スキルは Gemini の Skill-Creator や Claude の /skill-create で相互変換可能</a:t>
             </a:r>
             <a:endParaRPr lang="en-US" sz="1100" dirty="0"/>
           </a:p>
@@ -7166,7 +7063,7 @@
                   <a:srgbClr val="FFFFFF"/>
                 </a:solidFill>
               </a:rPr>
-              <a:t>どのツール向けのスキルでも、他のツールで使用可能！</a:t>
+              <a:t>スキルファイルをダウンロードして変換ツールで利用可能</a:t>
             </a:r>
             <a:endParaRPr lang="en-US" sz="1000" dirty="0"/>
           </a:p>
@@ -8051,46 +7948,6 @@
             </a:r>
             <a:endParaRPr lang="en-US" sz="800" dirty="0"/>
           </a:p>
-          <a:p>
-            <a:pPr indent="0" marL="0">
-              <a:buNone/>
-            </a:pPr>
-            <a:endParaRPr lang="en-US" sz="800" dirty="0"/>
-          </a:p>
-          <a:p>
-            <a:pPr indent="0" marL="0">
-              <a:buNone/>
-            </a:pPr>
-            <a:r>
-              <a:rPr lang="en-US" sz="800" dirty="0">
-                <a:solidFill>
-                  <a:srgbClr val="88FF88"/>
-                </a:solidFill>
-                <a:latin typeface="Courier New" pitchFamily="34" charset="0"/>
-                <a:ea typeface="Courier New" pitchFamily="34" charset="-122"/>
-                <a:cs typeface="Courier New" pitchFamily="34" charset="-120"/>
-              </a:rPr>
-              <a:t># Avalanche デザインスキル</a:t>
-            </a:r>
-            <a:endParaRPr lang="en-US" sz="800" dirty="0"/>
-          </a:p>
-          <a:p>
-            <a:pPr indent="0" marL="0">
-              <a:buNone/>
-            </a:pPr>
-            <a:r>
-              <a:rPr lang="en-US" sz="800" dirty="0">
-                <a:solidFill>
-                  <a:srgbClr val="88FF88"/>
-                </a:solidFill>
-                <a:latin typeface="Courier New" pitchFamily="34" charset="0"/>
-                <a:ea typeface="Courier New" pitchFamily="34" charset="-122"/>
-                <a:cs typeface="Courier New" pitchFamily="34" charset="-120"/>
-              </a:rPr>
-              <a:t>gemini skills install https://github.com/CobaltSato/react-grid-game-rendering-skill/blob/main/avax-like-frontend-design.skill --scope workspace</a:t>
-            </a:r>
-            <a:endParaRPr lang="en-US" sz="800" dirty="0"/>
-          </a:p>
         </p:txBody>
       </p:sp>
       <p:sp>
@@ -14416,150 +14273,6 @@
           </a:p>
         </p:txBody>
       </p:sp>
-      <p:sp>
-        <p:nvSpPr>
-          <p:cNvPr id="19" name="Shape 17"/>
-          <p:cNvSpPr/>
-          <p:nvPr/>
-        </p:nvSpPr>
-        <p:spPr>
-          <a:xfrm>
-            <a:off x="4663440" y="3383280"/>
-            <a:ext cx="4114800" cy="1005840"/>
-          </a:xfrm>
-          <a:prstGeom prst="roundRect">
-            <a:avLst>
-              <a:gd name="adj" fmla="val 9091"/>
-            </a:avLst>
-          </a:prstGeom>
-          <a:solidFill>
-            <a:srgbClr val="DA7756"/>
-          </a:solidFill>
-          <a:ln/>
-        </p:spPr>
-      </p:sp>
-      <p:sp>
-        <p:nvSpPr>
-          <p:cNvPr id="20" name="Text 18"/>
-          <p:cNvSpPr/>
-          <p:nvPr/>
-        </p:nvSpPr>
-        <p:spPr>
-          <a:xfrm>
-            <a:off x="4754880" y="3429000"/>
-            <a:ext cx="3931920" cy="274320"/>
-          </a:xfrm>
-          <a:prstGeom prst="rect">
-            <a:avLst/>
-          </a:prstGeom>
-          <a:noFill/>
-          <a:ln/>
-        </p:spPr>
-        <p:txBody>
-          <a:bodyPr wrap="square" rtlCol="0" anchor="ctr"/>
-          <a:lstStyle/>
-          <a:p>
-            <a:pPr indent="0" marL="0">
-              <a:buNone/>
-            </a:pPr>
-            <a:r>
-              <a:rPr lang="en-US" sz="1000" b="1" dirty="0">
-                <a:solidFill>
-                  <a:srgbClr val="FFFFFF"/>
-                </a:solidFill>
-              </a:rPr>
-              <a:t>🔗 Claude Code を使いたい方へ</a:t>
-            </a:r>
-            <a:endParaRPr lang="en-US" sz="1000" dirty="0"/>
-          </a:p>
-        </p:txBody>
-      </p:sp>
-      <p:sp>
-        <p:nvSpPr>
-          <p:cNvPr id="21" name="Text 19"/>
-          <p:cNvSpPr/>
-          <p:nvPr/>
-        </p:nvSpPr>
-        <p:spPr>
-          <a:xfrm>
-            <a:off x="4754880" y="3657600"/>
-            <a:ext cx="3931920" cy="228600"/>
-          </a:xfrm>
-          <a:prstGeom prst="rect">
-            <a:avLst/>
-          </a:prstGeom>
-          <a:noFill/>
-          <a:ln/>
-        </p:spPr>
-        <p:txBody>
-          <a:bodyPr wrap="square" rtlCol="0" anchor="ctr"/>
-          <a:lstStyle/>
-          <a:p>
-            <a:pPr indent="0" marL="0">
-              <a:buNone/>
-            </a:pPr>
-            <a:r>
-              <a:rPr lang="en-US" sz="900" dirty="0">
-                <a:solidFill>
-                  <a:srgbClr val="FFFFFF"/>
-                </a:solidFill>
-              </a:rPr>
-              <a:t>Claude Code 用の設定が入った PR:</a:t>
-            </a:r>
-            <a:endParaRPr lang="en-US" sz="900" dirty="0"/>
-          </a:p>
-        </p:txBody>
-      </p:sp>
-      <p:sp>
-        <p:nvSpPr>
-          <p:cNvPr id="22" name="Text 20"/>
-          <p:cNvSpPr/>
-          <p:nvPr/>
-        </p:nvSpPr>
-        <p:spPr>
-          <a:xfrm>
-            <a:off x="4754880" y="3886200"/>
-            <a:ext cx="3931920" cy="457200"/>
-          </a:xfrm>
-          <a:prstGeom prst="rect">
-            <a:avLst/>
-          </a:prstGeom>
-          <a:noFill/>
-          <a:ln/>
-        </p:spPr>
-        <p:txBody>
-          <a:bodyPr wrap="square" rtlCol="0" anchor="ctr"/>
-          <a:lstStyle/>
-          <a:p>
-            <a:pPr indent="0" marL="0">
-              <a:buNone/>
-            </a:pPr>
-            <a:r>
-              <a:rPr lang="en-US" sz="800" dirty="0">
-                <a:solidFill>
-                  <a:srgbClr val="FFFFFF"/>
-                </a:solidFill>
-              </a:rPr>
-              <a:t>github.com/CobaltSato/</a:t>
-            </a:r>
-            <a:endParaRPr lang="en-US" sz="800" dirty="0"/>
-          </a:p>
-          <a:p>
-            <a:pPr indent="0" marL="0">
-              <a:buNone/>
-            </a:pPr>
-            <a:r>
-              <a:rPr lang="en-US" sz="800" dirty="0">
-                <a:solidFill>
-                  <a:srgbClr val="FFFFFF"/>
-                </a:solidFill>
-              </a:rPr>
-              <a:t>avalanche-build-games-tool-kit/pull/1</a:t>
-            </a:r>
-            <a:endParaRPr lang="en-US" sz="800" dirty="0"/>
-          </a:p>
-        </p:txBody>
-      </p:sp>
     </p:spTree>
   </p:cSld>
   <p:clrMapOvr>
@@ -14932,7 +14645,7 @@
                   <a:srgbClr val="CCCCCC"/>
                 </a:solidFill>
               </a:rPr>
-              <a:t>Gemini CLI と同じ「AI コーディングアシスタント」カテゴリ。スキルも互換性あり！</a:t>
+              <a:t>Gemini CLI と同じ「AI コーディングアシスタント」カテゴリ</a:t>
             </a:r>
             <a:endParaRPr lang="en-US" sz="1100" dirty="0"/>
           </a:p>
@@ -15364,7 +15077,7 @@
                   <a:srgbClr val="CCCCCC"/>
                 </a:solidFill>
               </a:rPr>
-              <a:t>(Gemini互換)</a:t>
+              <a:t>(変換可能)</a:t>
             </a:r>
             <a:endParaRPr lang="en-US" sz="1000" dirty="0"/>
           </a:p>
@@ -16214,7 +15927,7 @@
                   <a:srgbClr val="CCCCCC"/>
                 </a:solidFill>
               </a:rPr>
-              <a:t>互換性あり ✓</a:t>
+              <a:t>変換可能</a:t>
             </a:r>
             <a:endParaRPr lang="en-US" sz="800" dirty="0"/>
           </a:p>
@@ -17132,7 +16845,7 @@
                   <a:srgbClr val="FFFFFF"/>
                 </a:solidFill>
               </a:rPr>
-              <a:t>💡 スキル（SKILL.md）は Agent Skills オープンスタンダードに準拠、ツール間で共有可能！</a:t>
+              <a:t>💡 スキルは Skill-Creator や /skill-create で相互変換可能</a:t>
             </a:r>
             <a:endParaRPr lang="en-US" sz="1000" dirty="0"/>
           </a:p>
@@ -24743,774 +24456,6 @@
               <a:t>• ボタン: グラスモーフィズム / ネオン効果</a:t>
             </a:r>
             <a:endParaRPr lang="en-US" sz="900" dirty="0"/>
-          </a:p>
-        </p:txBody>
-      </p:sp>
-    </p:spTree>
-  </p:cSld>
-  <p:clrMapOvr>
-    <a:masterClrMapping/>
-  </p:clrMapOvr>
-</p:sld>
-</file>
-
-<file path=ppt/slides/slide4.xml><?xml version="1.0" encoding="utf-8"?>
-<p:sld xmlns:a="http://schemas.openxmlformats.org/drawingml/2006/main" xmlns:r="http://schemas.openxmlformats.org/officeDocument/2006/relationships" xmlns:p="http://schemas.openxmlformats.org/presentationml/2006/main">
-  <p:cSld name="Slide 4">
-    <p:bg>
-      <p:bgPr>
-        <a:solidFill>
-          <a:srgbClr val="1A1A2E"/>
-        </a:solidFill>
-      </p:bgPr>
-    </p:bg>
-    <p:spTree>
-      <p:nvGrpSpPr>
-        <p:cNvPr id="1" name=""/>
-        <p:cNvGrpSpPr/>
-        <p:nvPr/>
-      </p:nvGrpSpPr>
-      <p:grpSpPr>
-        <a:xfrm>
-          <a:off x="0" y="0"/>
-          <a:ext cx="0" cy="0"/>
-          <a:chOff x="0" y="0"/>
-          <a:chExt cx="0" cy="0"/>
-        </a:xfrm>
-      </p:grpSpPr>
-      <p:sp>
-        <p:nvSpPr>
-          <p:cNvPr id="2" name="Shape 0"/>
-          <p:cNvSpPr/>
-          <p:nvPr/>
-        </p:nvSpPr>
-        <p:spPr>
-          <a:xfrm>
-            <a:off x="0" y="0"/>
-            <a:ext cx="9144000" cy="731520"/>
-          </a:xfrm>
-          <a:prstGeom prst="rect">
-            <a:avLst/>
-          </a:prstGeom>
-          <a:solidFill>
-            <a:srgbClr val="E84142"/>
-          </a:solidFill>
-          <a:ln/>
-        </p:spPr>
-      </p:sp>
-      <p:sp>
-        <p:nvSpPr>
-          <p:cNvPr id="3" name="Text 1"/>
-          <p:cNvSpPr/>
-          <p:nvPr/>
-        </p:nvSpPr>
-        <p:spPr>
-          <a:xfrm>
-            <a:off x="457200" y="182880"/>
-            <a:ext cx="8229600" cy="457200"/>
-          </a:xfrm>
-          <a:prstGeom prst="rect">
-            <a:avLst/>
-          </a:prstGeom>
-          <a:noFill/>
-          <a:ln/>
-        </p:spPr>
-        <p:txBody>
-          <a:bodyPr wrap="square" rtlCol="0" anchor="ctr"/>
-          <a:lstStyle/>
-          <a:p>
-            <a:pPr indent="0" marL="0">
-              <a:buNone/>
-            </a:pPr>
-            <a:r>
-              <a:rPr lang="en-US" sz="2800" b="1" dirty="0">
-                <a:solidFill>
-                  <a:srgbClr val="FFFFFF"/>
-                </a:solidFill>
-              </a:rPr>
-              <a:t>Avalanche とは？</a:t>
-            </a:r>
-            <a:endParaRPr lang="en-US" sz="2800" dirty="0"/>
-          </a:p>
-        </p:txBody>
-      </p:sp>
-      <p:sp>
-        <p:nvSpPr>
-          <p:cNvPr id="4" name="Shape 2"/>
-          <p:cNvSpPr/>
-          <p:nvPr/>
-        </p:nvSpPr>
-        <p:spPr>
-          <a:xfrm>
-            <a:off x="365760" y="914400"/>
-            <a:ext cx="8412480" cy="914400"/>
-          </a:xfrm>
-          <a:prstGeom prst="roundRect">
-            <a:avLst>
-              <a:gd name="adj" fmla="val 10000"/>
-            </a:avLst>
-          </a:prstGeom>
-          <a:solidFill>
-            <a:srgbClr val="252540"/>
-          </a:solidFill>
-          <a:ln/>
-        </p:spPr>
-      </p:sp>
-      <p:sp>
-        <p:nvSpPr>
-          <p:cNvPr id="5" name="Text 3"/>
-          <p:cNvSpPr/>
-          <p:nvPr/>
-        </p:nvSpPr>
-        <p:spPr>
-          <a:xfrm>
-            <a:off x="457200" y="1005840"/>
-            <a:ext cx="8229600" cy="365760"/>
-          </a:xfrm>
-          <a:prstGeom prst="rect">
-            <a:avLst/>
-          </a:prstGeom>
-          <a:noFill/>
-          <a:ln/>
-        </p:spPr>
-        <p:txBody>
-          <a:bodyPr wrap="square" rtlCol="0" anchor="ctr"/>
-          <a:lstStyle/>
-          <a:p>
-            <a:pPr algn="ctr" indent="0" marL="0">
-              <a:buNone/>
-            </a:pPr>
-            <a:r>
-              <a:rPr lang="en-US" sz="1800" b="1" dirty="0">
-                <a:solidFill>
-                  <a:srgbClr val="FFFFFF"/>
-                </a:solidFill>
-              </a:rPr>
-              <a:t>高速・低コスト・エコな次世代ブロックチェーン</a:t>
-            </a:r>
-            <a:endParaRPr lang="en-US" sz="1800" dirty="0"/>
-          </a:p>
-        </p:txBody>
-      </p:sp>
-      <p:sp>
-        <p:nvSpPr>
-          <p:cNvPr id="6" name="Text 4"/>
-          <p:cNvSpPr/>
-          <p:nvPr/>
-        </p:nvSpPr>
-        <p:spPr>
-          <a:xfrm>
-            <a:off x="457200" y="1371600"/>
-            <a:ext cx="8229600" cy="320040"/>
-          </a:xfrm>
-          <a:prstGeom prst="rect">
-            <a:avLst/>
-          </a:prstGeom>
-          <a:noFill/>
-          <a:ln/>
-        </p:spPr>
-        <p:txBody>
-          <a:bodyPr wrap="square" rtlCol="0" anchor="ctr"/>
-          <a:lstStyle/>
-          <a:p>
-            <a:pPr algn="ctr" indent="0" marL="0">
-              <a:buNone/>
-            </a:pPr>
-            <a:r>
-              <a:rPr lang="en-US" sz="1200" dirty="0">
-                <a:solidFill>
-                  <a:srgbClr val="CCCCCC"/>
-                </a:solidFill>
-              </a:rPr>
-              <a:t>Ethereum と互換性があり、同じツール（Solidity, ethers.js）が使えます</a:t>
-            </a:r>
-            <a:endParaRPr lang="en-US" sz="1200" dirty="0"/>
-          </a:p>
-        </p:txBody>
-      </p:sp>
-      <p:sp>
-        <p:nvSpPr>
-          <p:cNvPr id="7" name="Text 5"/>
-          <p:cNvSpPr/>
-          <p:nvPr/>
-        </p:nvSpPr>
-        <p:spPr>
-          <a:xfrm>
-            <a:off x="457200" y="2011680"/>
-            <a:ext cx="8229600" cy="365760"/>
-          </a:xfrm>
-          <a:prstGeom prst="rect">
-            <a:avLst/>
-          </a:prstGeom>
-          <a:noFill/>
-          <a:ln/>
-        </p:spPr>
-        <p:txBody>
-          <a:bodyPr wrap="square" rtlCol="0" anchor="ctr"/>
-          <a:lstStyle/>
-          <a:p>
-            <a:pPr indent="0" marL="0">
-              <a:buNone/>
-            </a:pPr>
-            <a:r>
-              <a:rPr lang="en-US" sz="1400" b="1" dirty="0">
-                <a:solidFill>
-                  <a:srgbClr val="16A085"/>
-                </a:solidFill>
-              </a:rPr>
-              <a:t>vs Ethereum</a:t>
-            </a:r>
-            <a:endParaRPr lang="en-US" sz="1400" dirty="0"/>
-          </a:p>
-        </p:txBody>
-      </p:sp>
-      <p:sp>
-        <p:nvSpPr>
-          <p:cNvPr id="8" name="Text 6"/>
-          <p:cNvSpPr/>
-          <p:nvPr/>
-        </p:nvSpPr>
-        <p:spPr>
-          <a:xfrm>
-            <a:off x="457200" y="2468880"/>
-            <a:ext cx="1828800" cy="411480"/>
-          </a:xfrm>
-          <a:prstGeom prst="rect">
-            <a:avLst/>
-          </a:prstGeom>
-          <a:noFill/>
-          <a:ln/>
-        </p:spPr>
-        <p:txBody>
-          <a:bodyPr wrap="square" rtlCol="0" anchor="ctr"/>
-          <a:lstStyle/>
-          <a:p>
-            <a:pPr indent="0" marL="0">
-              <a:buNone/>
-            </a:pPr>
-            <a:r>
-              <a:rPr lang="en-US" sz="1200" dirty="0">
-                <a:solidFill>
-                  <a:srgbClr val="FFFFFF"/>
-                </a:solidFill>
-              </a:rPr>
-              <a:t>処理速度</a:t>
-            </a:r>
-            <a:endParaRPr lang="en-US" sz="1200" dirty="0"/>
-          </a:p>
-        </p:txBody>
-      </p:sp>
-      <p:sp>
-        <p:nvSpPr>
-          <p:cNvPr id="9" name="Shape 7"/>
-          <p:cNvSpPr/>
-          <p:nvPr/>
-        </p:nvSpPr>
-        <p:spPr>
-          <a:xfrm>
-            <a:off x="2377440" y="2468880"/>
-            <a:ext cx="2743200" cy="411480"/>
-          </a:xfrm>
-          <a:prstGeom prst="roundRect">
-            <a:avLst>
-              <a:gd name="adj" fmla="val 11111"/>
-            </a:avLst>
-          </a:prstGeom>
-          <a:solidFill>
-            <a:srgbClr val="333355"/>
-          </a:solidFill>
-          <a:ln/>
-        </p:spPr>
-      </p:sp>
-      <p:sp>
-        <p:nvSpPr>
-          <p:cNvPr id="10" name="Text 8"/>
-          <p:cNvSpPr/>
-          <p:nvPr/>
-        </p:nvSpPr>
-        <p:spPr>
-          <a:xfrm>
-            <a:off x="2377440" y="2468880"/>
-            <a:ext cx="2743200" cy="411480"/>
-          </a:xfrm>
-          <a:prstGeom prst="rect">
-            <a:avLst/>
-          </a:prstGeom>
-          <a:noFill/>
-          <a:ln/>
-        </p:spPr>
-        <p:txBody>
-          <a:bodyPr wrap="square" rtlCol="0" anchor="ctr"/>
-          <a:lstStyle/>
-          <a:p>
-            <a:pPr algn="ctr" indent="0" marL="0">
-              <a:buNone/>
-            </a:pPr>
-            <a:r>
-              <a:rPr lang="en-US" sz="1100" dirty="0">
-                <a:solidFill>
-                  <a:srgbClr val="CCCCCC"/>
-                </a:solidFill>
-              </a:rPr>
-              <a:t>12-15 秒</a:t>
-            </a:r>
-            <a:endParaRPr lang="en-US" sz="1100" dirty="0"/>
-          </a:p>
-        </p:txBody>
-      </p:sp>
-      <p:sp>
-        <p:nvSpPr>
-          <p:cNvPr id="11" name="Shape 9"/>
-          <p:cNvSpPr/>
-          <p:nvPr/>
-        </p:nvSpPr>
-        <p:spPr>
-          <a:xfrm>
-            <a:off x="5303520" y="2468880"/>
-            <a:ext cx="2743200" cy="411480"/>
-          </a:xfrm>
-          <a:prstGeom prst="roundRect">
-            <a:avLst>
-              <a:gd name="adj" fmla="val 11111"/>
-            </a:avLst>
-          </a:prstGeom>
-          <a:solidFill>
-            <a:srgbClr val="E84142"/>
-          </a:solidFill>
-          <a:ln/>
-        </p:spPr>
-      </p:sp>
-      <p:sp>
-        <p:nvSpPr>
-          <p:cNvPr id="12" name="Text 10"/>
-          <p:cNvSpPr/>
-          <p:nvPr/>
-        </p:nvSpPr>
-        <p:spPr>
-          <a:xfrm>
-            <a:off x="5303520" y="2468880"/>
-            <a:ext cx="2743200" cy="411480"/>
-          </a:xfrm>
-          <a:prstGeom prst="rect">
-            <a:avLst/>
-          </a:prstGeom>
-          <a:noFill/>
-          <a:ln/>
-        </p:spPr>
-        <p:txBody>
-          <a:bodyPr wrap="square" rtlCol="0" anchor="ctr"/>
-          <a:lstStyle/>
-          <a:p>
-            <a:pPr algn="ctr" indent="0" marL="0">
-              <a:buNone/>
-            </a:pPr>
-            <a:r>
-              <a:rPr lang="en-US" sz="1100" dirty="0">
-                <a:solidFill>
-                  <a:srgbClr val="FFFFFF"/>
-                </a:solidFill>
-              </a:rPr>
-              <a:t>&lt; 1 秒</a:t>
-            </a:r>
-            <a:endParaRPr lang="en-US" sz="1100" dirty="0"/>
-          </a:p>
-        </p:txBody>
-      </p:sp>
-      <p:sp>
-        <p:nvSpPr>
-          <p:cNvPr id="13" name="Text 11"/>
-          <p:cNvSpPr/>
-          <p:nvPr/>
-        </p:nvSpPr>
-        <p:spPr>
-          <a:xfrm>
-            <a:off x="457200" y="2971800"/>
-            <a:ext cx="1828800" cy="411480"/>
-          </a:xfrm>
-          <a:prstGeom prst="rect">
-            <a:avLst/>
-          </a:prstGeom>
-          <a:noFill/>
-          <a:ln/>
-        </p:spPr>
-        <p:txBody>
-          <a:bodyPr wrap="square" rtlCol="0" anchor="ctr"/>
-          <a:lstStyle/>
-          <a:p>
-            <a:pPr indent="0" marL="0">
-              <a:buNone/>
-            </a:pPr>
-            <a:r>
-              <a:rPr lang="en-US" sz="1200" dirty="0">
-                <a:solidFill>
-                  <a:srgbClr val="FFFFFF"/>
-                </a:solidFill>
-              </a:rPr>
-              <a:t>ガス代</a:t>
-            </a:r>
-            <a:endParaRPr lang="en-US" sz="1200" dirty="0"/>
-          </a:p>
-        </p:txBody>
-      </p:sp>
-      <p:sp>
-        <p:nvSpPr>
-          <p:cNvPr id="14" name="Shape 12"/>
-          <p:cNvSpPr/>
-          <p:nvPr/>
-        </p:nvSpPr>
-        <p:spPr>
-          <a:xfrm>
-            <a:off x="2377440" y="2971800"/>
-            <a:ext cx="2743200" cy="411480"/>
-          </a:xfrm>
-          <a:prstGeom prst="roundRect">
-            <a:avLst>
-              <a:gd name="adj" fmla="val 11111"/>
-            </a:avLst>
-          </a:prstGeom>
-          <a:solidFill>
-            <a:srgbClr val="333355"/>
-          </a:solidFill>
-          <a:ln/>
-        </p:spPr>
-      </p:sp>
-      <p:sp>
-        <p:nvSpPr>
-          <p:cNvPr id="15" name="Text 13"/>
-          <p:cNvSpPr/>
-          <p:nvPr/>
-        </p:nvSpPr>
-        <p:spPr>
-          <a:xfrm>
-            <a:off x="2377440" y="2971800"/>
-            <a:ext cx="2743200" cy="411480"/>
-          </a:xfrm>
-          <a:prstGeom prst="rect">
-            <a:avLst/>
-          </a:prstGeom>
-          <a:noFill/>
-          <a:ln/>
-        </p:spPr>
-        <p:txBody>
-          <a:bodyPr wrap="square" rtlCol="0" anchor="ctr"/>
-          <a:lstStyle/>
-          <a:p>
-            <a:pPr algn="ctr" indent="0" marL="0">
-              <a:buNone/>
-            </a:pPr>
-            <a:r>
-              <a:rPr lang="en-US" sz="1100" dirty="0">
-                <a:solidFill>
-                  <a:srgbClr val="CCCCCC"/>
-                </a:solidFill>
-              </a:rPr>
-              <a:t>高い ($5-50+)</a:t>
-            </a:r>
-            <a:endParaRPr lang="en-US" sz="1100" dirty="0"/>
-          </a:p>
-        </p:txBody>
-      </p:sp>
-      <p:sp>
-        <p:nvSpPr>
-          <p:cNvPr id="16" name="Shape 14"/>
-          <p:cNvSpPr/>
-          <p:nvPr/>
-        </p:nvSpPr>
-        <p:spPr>
-          <a:xfrm>
-            <a:off x="5303520" y="2971800"/>
-            <a:ext cx="2743200" cy="411480"/>
-          </a:xfrm>
-          <a:prstGeom prst="roundRect">
-            <a:avLst>
-              <a:gd name="adj" fmla="val 11111"/>
-            </a:avLst>
-          </a:prstGeom>
-          <a:solidFill>
-            <a:srgbClr val="E84142"/>
-          </a:solidFill>
-          <a:ln/>
-        </p:spPr>
-      </p:sp>
-      <p:sp>
-        <p:nvSpPr>
-          <p:cNvPr id="17" name="Text 15"/>
-          <p:cNvSpPr/>
-          <p:nvPr/>
-        </p:nvSpPr>
-        <p:spPr>
-          <a:xfrm>
-            <a:off x="5303520" y="2971800"/>
-            <a:ext cx="2743200" cy="411480"/>
-          </a:xfrm>
-          <a:prstGeom prst="rect">
-            <a:avLst/>
-          </a:prstGeom>
-          <a:noFill/>
-          <a:ln/>
-        </p:spPr>
-        <p:txBody>
-          <a:bodyPr wrap="square" rtlCol="0" anchor="ctr"/>
-          <a:lstStyle/>
-          <a:p>
-            <a:pPr algn="ctr" indent="0" marL="0">
-              <a:buNone/>
-            </a:pPr>
-            <a:r>
-              <a:rPr lang="en-US" sz="1100" dirty="0">
-                <a:solidFill>
-                  <a:srgbClr val="FFFFFF"/>
-                </a:solidFill>
-              </a:rPr>
-              <a:t>安い ($0.01-0.1)</a:t>
-            </a:r>
-            <a:endParaRPr lang="en-US" sz="1100" dirty="0"/>
-          </a:p>
-        </p:txBody>
-      </p:sp>
-      <p:sp>
-        <p:nvSpPr>
-          <p:cNvPr id="18" name="Text 16"/>
-          <p:cNvSpPr/>
-          <p:nvPr/>
-        </p:nvSpPr>
-        <p:spPr>
-          <a:xfrm>
-            <a:off x="457200" y="3474720"/>
-            <a:ext cx="1828800" cy="411480"/>
-          </a:xfrm>
-          <a:prstGeom prst="rect">
-            <a:avLst/>
-          </a:prstGeom>
-          <a:noFill/>
-          <a:ln/>
-        </p:spPr>
-        <p:txBody>
-          <a:bodyPr wrap="square" rtlCol="0" anchor="ctr"/>
-          <a:lstStyle/>
-          <a:p>
-            <a:pPr indent="0" marL="0">
-              <a:buNone/>
-            </a:pPr>
-            <a:r>
-              <a:rPr lang="en-US" sz="1200" dirty="0">
-                <a:solidFill>
-                  <a:srgbClr val="FFFFFF"/>
-                </a:solidFill>
-              </a:rPr>
-              <a:t>開発ツール</a:t>
-            </a:r>
-            <a:endParaRPr lang="en-US" sz="1200" dirty="0"/>
-          </a:p>
-        </p:txBody>
-      </p:sp>
-      <p:sp>
-        <p:nvSpPr>
-          <p:cNvPr id="19" name="Shape 17"/>
-          <p:cNvSpPr/>
-          <p:nvPr/>
-        </p:nvSpPr>
-        <p:spPr>
-          <a:xfrm>
-            <a:off x="2377440" y="3474720"/>
-            <a:ext cx="2743200" cy="411480"/>
-          </a:xfrm>
-          <a:prstGeom prst="roundRect">
-            <a:avLst>
-              <a:gd name="adj" fmla="val 11111"/>
-            </a:avLst>
-          </a:prstGeom>
-          <a:solidFill>
-            <a:srgbClr val="333355"/>
-          </a:solidFill>
-          <a:ln/>
-        </p:spPr>
-      </p:sp>
-      <p:sp>
-        <p:nvSpPr>
-          <p:cNvPr id="20" name="Text 18"/>
-          <p:cNvSpPr/>
-          <p:nvPr/>
-        </p:nvSpPr>
-        <p:spPr>
-          <a:xfrm>
-            <a:off x="2377440" y="3474720"/>
-            <a:ext cx="2743200" cy="411480"/>
-          </a:xfrm>
-          <a:prstGeom prst="rect">
-            <a:avLst/>
-          </a:prstGeom>
-          <a:noFill/>
-          <a:ln/>
-        </p:spPr>
-        <p:txBody>
-          <a:bodyPr wrap="square" rtlCol="0" anchor="ctr"/>
-          <a:lstStyle/>
-          <a:p>
-            <a:pPr algn="ctr" indent="0" marL="0">
-              <a:buNone/>
-            </a:pPr>
-            <a:r>
-              <a:rPr lang="en-US" sz="1100" dirty="0">
-                <a:solidFill>
-                  <a:srgbClr val="CCCCCC"/>
-                </a:solidFill>
-              </a:rPr>
-              <a:t>Solidity, ethers.js</a:t>
-            </a:r>
-            <a:endParaRPr lang="en-US" sz="1100" dirty="0"/>
-          </a:p>
-        </p:txBody>
-      </p:sp>
-      <p:sp>
-        <p:nvSpPr>
-          <p:cNvPr id="21" name="Shape 19"/>
-          <p:cNvSpPr/>
-          <p:nvPr/>
-        </p:nvSpPr>
-        <p:spPr>
-          <a:xfrm>
-            <a:off x="5303520" y="3474720"/>
-            <a:ext cx="2743200" cy="411480"/>
-          </a:xfrm>
-          <a:prstGeom prst="roundRect">
-            <a:avLst>
-              <a:gd name="adj" fmla="val 11111"/>
-            </a:avLst>
-          </a:prstGeom>
-          <a:solidFill>
-            <a:srgbClr val="E84142"/>
-          </a:solidFill>
-          <a:ln/>
-        </p:spPr>
-      </p:sp>
-      <p:sp>
-        <p:nvSpPr>
-          <p:cNvPr id="22" name="Text 20"/>
-          <p:cNvSpPr/>
-          <p:nvPr/>
-        </p:nvSpPr>
-        <p:spPr>
-          <a:xfrm>
-            <a:off x="5303520" y="3474720"/>
-            <a:ext cx="2743200" cy="411480"/>
-          </a:xfrm>
-          <a:prstGeom prst="rect">
-            <a:avLst/>
-          </a:prstGeom>
-          <a:noFill/>
-          <a:ln/>
-        </p:spPr>
-        <p:txBody>
-          <a:bodyPr wrap="square" rtlCol="0" anchor="ctr"/>
-          <a:lstStyle/>
-          <a:p>
-            <a:pPr algn="ctr" indent="0" marL="0">
-              <a:buNone/>
-            </a:pPr>
-            <a:r>
-              <a:rPr lang="en-US" sz="1100" dirty="0">
-                <a:solidFill>
-                  <a:srgbClr val="FFFFFF"/>
-                </a:solidFill>
-              </a:rPr>
-              <a:t>同じ！</a:t>
-            </a:r>
-            <a:endParaRPr lang="en-US" sz="1100" dirty="0"/>
-          </a:p>
-        </p:txBody>
-      </p:sp>
-      <p:sp>
-        <p:nvSpPr>
-          <p:cNvPr id="23" name="Shape 21"/>
-          <p:cNvSpPr/>
-          <p:nvPr/>
-        </p:nvSpPr>
-        <p:spPr>
-          <a:xfrm>
-            <a:off x="365760" y="4023360"/>
-            <a:ext cx="8412480" cy="731520"/>
-          </a:xfrm>
-          <a:prstGeom prst="roundRect">
-            <a:avLst>
-              <a:gd name="adj" fmla="val 10000"/>
-            </a:avLst>
-          </a:prstGeom>
-          <a:solidFill>
-            <a:srgbClr val="2D4A3E"/>
-          </a:solidFill>
-          <a:ln/>
-        </p:spPr>
-      </p:sp>
-      <p:sp>
-        <p:nvSpPr>
-          <p:cNvPr id="24" name="Text 22"/>
-          <p:cNvSpPr/>
-          <p:nvPr/>
-        </p:nvSpPr>
-        <p:spPr>
-          <a:xfrm>
-            <a:off x="457200" y="4114800"/>
-            <a:ext cx="8229600" cy="320040"/>
-          </a:xfrm>
-          <a:prstGeom prst="rect">
-            <a:avLst/>
-          </a:prstGeom>
-          <a:noFill/>
-          <a:ln/>
-        </p:spPr>
-        <p:txBody>
-          <a:bodyPr wrap="square" rtlCol="0" anchor="ctr"/>
-          <a:lstStyle/>
-          <a:p>
-            <a:pPr algn="ctr" indent="0" marL="0">
-              <a:buNone/>
-            </a:pPr>
-            <a:r>
-              <a:rPr lang="en-US" sz="1300" b="1" dirty="0">
-                <a:solidFill>
-                  <a:srgbClr val="F1C40F"/>
-                </a:solidFill>
-              </a:rPr>
-              <a:t>💡 Fuji テストネット = 無料の練習環境</a:t>
-            </a:r>
-            <a:endParaRPr lang="en-US" sz="1300" dirty="0"/>
-          </a:p>
-        </p:txBody>
-      </p:sp>
-      <p:sp>
-        <p:nvSpPr>
-          <p:cNvPr id="25" name="Text 23"/>
-          <p:cNvSpPr/>
-          <p:nvPr/>
-        </p:nvSpPr>
-        <p:spPr>
-          <a:xfrm>
-            <a:off x="457200" y="4434840"/>
-            <a:ext cx="8229600" cy="274320"/>
-          </a:xfrm>
-          <a:prstGeom prst="rect">
-            <a:avLst/>
-          </a:prstGeom>
-          <a:noFill/>
-          <a:ln/>
-        </p:spPr>
-        <p:txBody>
-          <a:bodyPr wrap="square" rtlCol="0" anchor="ctr"/>
-          <a:lstStyle/>
-          <a:p>
-            <a:pPr algn="ctr" indent="0" marL="0">
-              <a:buNone/>
-            </a:pPr>
-            <a:r>
-              <a:rPr lang="en-US" sz="1100" dirty="0">
-                <a:solidFill>
-                  <a:srgbClr val="CCCCCC"/>
-                </a:solidFill>
-              </a:rPr>
-              <a:t>本番と同じ仕組みで、テスト用 AVAX（無料）を使って開発できます</a:t>
-            </a:r>
-            <a:endParaRPr lang="en-US" sz="1100" dirty="0"/>
           </a:p>
         </p:txBody>
       </p:sp>

--- a/docs/hands-on/avalanche-ai-handson-demo.pptx
+++ b/docs/hands-on/avalanche-ai-handson-demo.pptx
@@ -7079,31 +7079,31 @@
         </p:nvSpPr>
         <p:spPr>
           <a:xfrm>
-            <a:off x="365760" y="1691640"/>
-            <a:ext cx="8229600" cy="320040"/>
-          </a:xfrm>
-          <a:prstGeom prst="rect">
-            <a:avLst/>
-          </a:prstGeom>
-          <a:noFill/>
-          <a:ln/>
-        </p:spPr>
-        <p:txBody>
-          <a:bodyPr wrap="square" rtlCol="0" anchor="ctr"/>
-          <a:lstStyle/>
-          <a:p>
-            <a:pPr indent="0" marL="0">
-              <a:buNone/>
-            </a:pPr>
-            <a:r>
-              <a:rPr lang="en-US" sz="1400" b="1" dirty="0">
+            <a:off x="365760" y="1645920"/>
+            <a:ext cx="4114800" cy="274320"/>
+          </a:xfrm>
+          <a:prstGeom prst="rect">
+            <a:avLst/>
+          </a:prstGeom>
+          <a:noFill/>
+          <a:ln/>
+        </p:spPr>
+        <p:txBody>
+          <a:bodyPr wrap="square" rtlCol="0" anchor="ctr"/>
+          <a:lstStyle/>
+          <a:p>
+            <a:pPr indent="0" marL="0">
+              <a:buNone/>
+            </a:pPr>
+            <a:r>
+              <a:rPr lang="en-US" sz="1200" b="1" dirty="0">
                 <a:solidFill>
                   <a:srgbClr val="16A085"/>
                 </a:solidFill>
               </a:rPr>
               <a:t>コミュニティリポジトリ</a:t>
             </a:r>
-            <a:endParaRPr lang="en-US" sz="1400" dirty="0"/>
+            <a:endParaRPr lang="en-US" sz="1200" dirty="0"/>
           </a:p>
         </p:txBody>
       </p:sp>
@@ -7115,8 +7115,8 @@
         </p:nvSpPr>
         <p:spPr>
           <a:xfrm>
-            <a:off x="365760" y="2103120"/>
-            <a:ext cx="8412480" cy="548640"/>
+            <a:off x="365760" y="1920240"/>
+            <a:ext cx="4114800" cy="457200"/>
           </a:xfrm>
           <a:prstGeom prst="roundRect">
             <a:avLst>
@@ -7137,24 +7137,24 @@
         </p:nvSpPr>
         <p:spPr>
           <a:xfrm>
-            <a:off x="457200" y="2103120"/>
-            <a:ext cx="4572000" cy="274320"/>
-          </a:xfrm>
-          <a:prstGeom prst="rect">
-            <a:avLst/>
-          </a:prstGeom>
-          <a:noFill/>
-          <a:ln/>
-        </p:spPr>
-        <p:txBody>
-          <a:bodyPr wrap="square" rtlCol="0" anchor="ctr"/>
-          <a:lstStyle/>
-          <a:p>
-            <a:pPr indent="0" marL="0">
-              <a:buNone/>
-            </a:pPr>
-            <a:r>
-              <a:rPr lang="en-US" sz="1100" b="1" dirty="0">
+            <a:off x="457200" y="1965960"/>
+            <a:ext cx="3200400" cy="182880"/>
+          </a:xfrm>
+          <a:prstGeom prst="rect">
+            <a:avLst/>
+          </a:prstGeom>
+          <a:noFill/>
+          <a:ln/>
+        </p:spPr>
+        <p:txBody>
+          <a:bodyPr wrap="square" rtlCol="0" anchor="ctr"/>
+          <a:lstStyle/>
+          <a:p>
+            <a:pPr indent="0" marL="0">
+              <a:buNone/>
+            </a:pPr>
+            <a:r>
+              <a:rPr lang="en-US" sz="900" b="1" dirty="0">
                 <a:solidFill>
                   <a:srgbClr val="16A085"/>
                 </a:solidFill>
@@ -7164,7 +7164,7 @@
               </a:rPr>
               <a:t>VoltAgent/awesome-agent-skills</a:t>
             </a:r>
-            <a:endParaRPr lang="en-US" sz="1100" dirty="0"/>
+            <a:endParaRPr lang="en-US" sz="900" dirty="0"/>
           </a:p>
         </p:txBody>
       </p:sp>
@@ -7176,8 +7176,8 @@
         </p:nvSpPr>
         <p:spPr>
           <a:xfrm>
-            <a:off x="5120640" y="2148840"/>
-            <a:ext cx="731520" cy="228600"/>
+            <a:off x="3657600" y="1965960"/>
+            <a:ext cx="640080" cy="182880"/>
           </a:xfrm>
           <a:prstGeom prst="roundRect">
             <a:avLst>
@@ -7198,8 +7198,8 @@
         </p:nvSpPr>
         <p:spPr>
           <a:xfrm>
-            <a:off x="5120640" y="2148840"/>
-            <a:ext cx="731520" cy="228600"/>
+            <a:off x="3657600" y="1965960"/>
+            <a:ext cx="640080" cy="182880"/>
           </a:xfrm>
           <a:prstGeom prst="rect">
             <a:avLst/>
@@ -7215,14 +7215,14 @@
               <a:buNone/>
             </a:pPr>
             <a:r>
-              <a:rPr lang="en-US" sz="900" b="1" dirty="0">
+              <a:rPr lang="en-US" sz="800" b="1" dirty="0">
                 <a:solidFill>
                   <a:srgbClr val="FFFFFF"/>
                 </a:solidFill>
               </a:rPr>
               <a:t>200+</a:t>
             </a:r>
-            <a:endParaRPr lang="en-US" sz="900" dirty="0"/>
+            <a:endParaRPr lang="en-US" sz="800" dirty="0"/>
           </a:p>
         </p:txBody>
       </p:sp>
@@ -7234,31 +7234,31 @@
         </p:nvSpPr>
         <p:spPr>
           <a:xfrm>
-            <a:off x="457200" y="2377440"/>
-            <a:ext cx="8229600" cy="228600"/>
-          </a:xfrm>
-          <a:prstGeom prst="rect">
-            <a:avLst/>
-          </a:prstGeom>
-          <a:noFill/>
-          <a:ln/>
-        </p:spPr>
-        <p:txBody>
-          <a:bodyPr wrap="square" rtlCol="0" anchor="ctr"/>
-          <a:lstStyle/>
-          <a:p>
-            <a:pPr indent="0" marL="0">
-              <a:buNone/>
-            </a:pPr>
-            <a:r>
-              <a:rPr lang="en-US" sz="900" dirty="0">
+            <a:off x="457200" y="2148840"/>
+            <a:ext cx="3931920" cy="182880"/>
+          </a:xfrm>
+          <a:prstGeom prst="rect">
+            <a:avLst/>
+          </a:prstGeom>
+          <a:noFill/>
+          <a:ln/>
+        </p:spPr>
+        <p:txBody>
+          <a:bodyPr wrap="square" rtlCol="0" anchor="ctr"/>
+          <a:lstStyle/>
+          <a:p>
+            <a:pPr indent="0" marL="0">
+              <a:buNone/>
+            </a:pPr>
+            <a:r>
+              <a:rPr lang="en-US" sz="800" dirty="0">
                 <a:solidFill>
                   <a:srgbClr val="CCCCCC"/>
                 </a:solidFill>
               </a:rPr>
               <a:t>AI コーディングアシスタント向け公式キュレーション</a:t>
             </a:r>
-            <a:endParaRPr lang="en-US" sz="900" dirty="0"/>
+            <a:endParaRPr lang="en-US" sz="800" dirty="0"/>
           </a:p>
         </p:txBody>
       </p:sp>
@@ -7270,8 +7270,8 @@
         </p:nvSpPr>
         <p:spPr>
           <a:xfrm>
-            <a:off x="365760" y="2743200"/>
-            <a:ext cx="8412480" cy="548640"/>
+            <a:off x="365760" y="2468880"/>
+            <a:ext cx="4114800" cy="457200"/>
           </a:xfrm>
           <a:prstGeom prst="roundRect">
             <a:avLst>
@@ -7292,24 +7292,24 @@
         </p:nvSpPr>
         <p:spPr>
           <a:xfrm>
-            <a:off x="457200" y="2743200"/>
-            <a:ext cx="4572000" cy="274320"/>
-          </a:xfrm>
-          <a:prstGeom prst="rect">
-            <a:avLst/>
-          </a:prstGeom>
-          <a:noFill/>
-          <a:ln/>
-        </p:spPr>
-        <p:txBody>
-          <a:bodyPr wrap="square" rtlCol="0" anchor="ctr"/>
-          <a:lstStyle/>
-          <a:p>
-            <a:pPr indent="0" marL="0">
-              <a:buNone/>
-            </a:pPr>
-            <a:r>
-              <a:rPr lang="en-US" sz="1100" b="1" dirty="0">
+            <a:off x="457200" y="2514600"/>
+            <a:ext cx="3200400" cy="182880"/>
+          </a:xfrm>
+          <a:prstGeom prst="rect">
+            <a:avLst/>
+          </a:prstGeom>
+          <a:noFill/>
+          <a:ln/>
+        </p:spPr>
+        <p:txBody>
+          <a:bodyPr wrap="square" rtlCol="0" anchor="ctr"/>
+          <a:lstStyle/>
+          <a:p>
+            <a:pPr indent="0" marL="0">
+              <a:buNone/>
+            </a:pPr>
+            <a:r>
+              <a:rPr lang="en-US" sz="900" b="1" dirty="0">
                 <a:solidFill>
                   <a:srgbClr val="16A085"/>
                 </a:solidFill>
@@ -7319,7 +7319,7 @@
               </a:rPr>
               <a:t>sickn33/antigravity-awesome-skills</a:t>
             </a:r>
-            <a:endParaRPr lang="en-US" sz="1100" dirty="0"/>
+            <a:endParaRPr lang="en-US" sz="900" dirty="0"/>
           </a:p>
         </p:txBody>
       </p:sp>
@@ -7331,8 +7331,8 @@
         </p:nvSpPr>
         <p:spPr>
           <a:xfrm>
-            <a:off x="5120640" y="2788920"/>
-            <a:ext cx="731520" cy="228600"/>
+            <a:off x="3657600" y="2514600"/>
+            <a:ext cx="640080" cy="182880"/>
           </a:xfrm>
           <a:prstGeom prst="roundRect">
             <a:avLst>
@@ -7353,8 +7353,8 @@
         </p:nvSpPr>
         <p:spPr>
           <a:xfrm>
-            <a:off x="5120640" y="2788920"/>
-            <a:ext cx="731520" cy="228600"/>
+            <a:off x="3657600" y="2514600"/>
+            <a:ext cx="640080" cy="182880"/>
           </a:xfrm>
           <a:prstGeom prst="rect">
             <a:avLst/>
@@ -7370,14 +7370,14 @@
               <a:buNone/>
             </a:pPr>
             <a:r>
-              <a:rPr lang="en-US" sz="900" b="1" dirty="0">
+              <a:rPr lang="en-US" sz="800" b="1" dirty="0">
                 <a:solidFill>
                   <a:srgbClr val="FFFFFF"/>
                 </a:solidFill>
               </a:rPr>
               <a:t>626+</a:t>
             </a:r>
-            <a:endParaRPr lang="en-US" sz="900" dirty="0"/>
+            <a:endParaRPr lang="en-US" sz="800" dirty="0"/>
           </a:p>
         </p:txBody>
       </p:sp>
@@ -7389,44 +7389,340 @@
         </p:nvSpPr>
         <p:spPr>
           <a:xfrm>
-            <a:off x="457200" y="3017520"/>
-            <a:ext cx="8229600" cy="228600"/>
-          </a:xfrm>
-          <a:prstGeom prst="rect">
-            <a:avLst/>
-          </a:prstGeom>
-          <a:noFill/>
-          <a:ln/>
-        </p:spPr>
-        <p:txBody>
-          <a:bodyPr wrap="square" rtlCol="0" anchor="ctr"/>
-          <a:lstStyle/>
-          <a:p>
-            <a:pPr indent="0" marL="0">
-              <a:buNone/>
-            </a:pPr>
-            <a:r>
-              <a:rPr lang="en-US" sz="900" dirty="0">
+            <a:off x="457200" y="2697480"/>
+            <a:ext cx="3931920" cy="182880"/>
+          </a:xfrm>
+          <a:prstGeom prst="rect">
+            <a:avLst/>
+          </a:prstGeom>
+          <a:noFill/>
+          <a:ln/>
+        </p:spPr>
+        <p:txBody>
+          <a:bodyPr wrap="square" rtlCol="0" anchor="ctr"/>
+          <a:lstStyle/>
+          <a:p>
+            <a:pPr indent="0" marL="0">
+              <a:buNone/>
+            </a:pPr>
+            <a:r>
+              <a:rPr lang="en-US" sz="800" dirty="0">
                 <a:solidFill>
                   <a:srgbClr val="CCCCCC"/>
                 </a:solidFill>
               </a:rPr>
               <a:t>最大のコミュニティコレクション</a:t>
             </a:r>
-            <a:endParaRPr lang="en-US" sz="900" dirty="0"/>
-          </a:p>
-        </p:txBody>
-      </p:sp>
-      <p:sp>
-        <p:nvSpPr>
-          <p:cNvPr id="20" name="Shape 18"/>
-          <p:cNvSpPr/>
-          <p:nvPr/>
-        </p:nvSpPr>
-        <p:spPr>
-          <a:xfrm>
-            <a:off x="365760" y="3383280"/>
-            <a:ext cx="8412480" cy="548640"/>
+            <a:endParaRPr lang="en-US" sz="800" dirty="0"/>
+          </a:p>
+        </p:txBody>
+      </p:sp>
+      <p:sp>
+        <p:nvSpPr>
+          <p:cNvPr id="20" name="Text 18"/>
+          <p:cNvSpPr/>
+          <p:nvPr/>
+        </p:nvSpPr>
+        <p:spPr>
+          <a:xfrm>
+            <a:off x="4663440" y="1645920"/>
+            <a:ext cx="4114800" cy="274320"/>
+          </a:xfrm>
+          <a:prstGeom prst="rect">
+            <a:avLst/>
+          </a:prstGeom>
+          <a:noFill/>
+          <a:ln/>
+        </p:spPr>
+        <p:txBody>
+          <a:bodyPr wrap="square" rtlCol="0" anchor="ctr"/>
+          <a:lstStyle/>
+          <a:p>
+            <a:pPr indent="0" marL="0">
+              <a:buNone/>
+            </a:pPr>
+            <a:r>
+              <a:rPr lang="en-US" sz="1200" b="1" dirty="0">
+                <a:solidFill>
+                  <a:srgbClr val="DA7756"/>
+                </a:solidFill>
+              </a:rPr>
+              <a:t>🔌 Gemini CLI Extensions</a:t>
+            </a:r>
+            <a:endParaRPr lang="en-US" sz="1200" dirty="0"/>
+          </a:p>
+        </p:txBody>
+      </p:sp>
+      <p:sp>
+        <p:nvSpPr>
+          <p:cNvPr id="21" name="Shape 19"/>
+          <p:cNvSpPr/>
+          <p:nvPr/>
+        </p:nvSpPr>
+        <p:spPr>
+          <a:xfrm>
+            <a:off x="4663440" y="1920240"/>
+            <a:ext cx="4114800" cy="1005840"/>
+          </a:xfrm>
+          <a:prstGeom prst="roundRect">
+            <a:avLst>
+              <a:gd name="adj" fmla="val 9091"/>
+            </a:avLst>
+          </a:prstGeom>
+          <a:solidFill>
+            <a:srgbClr val="252540"/>
+          </a:solidFill>
+          <a:ln/>
+        </p:spPr>
+      </p:sp>
+      <p:sp>
+        <p:nvSpPr>
+          <p:cNvPr id="22" name="Text 20"/>
+          <p:cNvSpPr/>
+          <p:nvPr/>
+        </p:nvSpPr>
+        <p:spPr>
+          <a:xfrm>
+            <a:off x="4754880" y="1965960"/>
+            <a:ext cx="3200400" cy="182880"/>
+          </a:xfrm>
+          <a:prstGeom prst="rect">
+            <a:avLst/>
+          </a:prstGeom>
+          <a:noFill/>
+          <a:ln/>
+        </p:spPr>
+        <p:txBody>
+          <a:bodyPr wrap="square" rtlCol="0" anchor="ctr"/>
+          <a:lstStyle/>
+          <a:p>
+            <a:pPr indent="0" marL="0">
+              <a:buNone/>
+            </a:pPr>
+            <a:r>
+              <a:rPr lang="en-US" sz="1000" b="1" dirty="0">
+                <a:solidFill>
+                  <a:srgbClr val="DA7756"/>
+                </a:solidFill>
+              </a:rPr>
+              <a:t>geminicli.com/extensions/</a:t>
+            </a:r>
+            <a:endParaRPr lang="en-US" sz="1000" dirty="0"/>
+          </a:p>
+        </p:txBody>
+      </p:sp>
+      <p:sp>
+        <p:nvSpPr>
+          <p:cNvPr id="23" name="Shape 21"/>
+          <p:cNvSpPr/>
+          <p:nvPr/>
+        </p:nvSpPr>
+        <p:spPr>
+          <a:xfrm>
+            <a:off x="7955280" y="1965960"/>
+            <a:ext cx="640080" cy="182880"/>
+          </a:xfrm>
+          <a:prstGeom prst="roundRect">
+            <a:avLst>
+              <a:gd name="adj" fmla="val 48000"/>
+            </a:avLst>
+          </a:prstGeom>
+          <a:solidFill>
+            <a:srgbClr val="E84142"/>
+          </a:solidFill>
+          <a:ln/>
+        </p:spPr>
+      </p:sp>
+      <p:sp>
+        <p:nvSpPr>
+          <p:cNvPr id="24" name="Text 22"/>
+          <p:cNvSpPr/>
+          <p:nvPr/>
+        </p:nvSpPr>
+        <p:spPr>
+          <a:xfrm>
+            <a:off x="7955280" y="1965960"/>
+            <a:ext cx="640080" cy="182880"/>
+          </a:xfrm>
+          <a:prstGeom prst="rect">
+            <a:avLst/>
+          </a:prstGeom>
+          <a:noFill/>
+          <a:ln/>
+        </p:spPr>
+        <p:txBody>
+          <a:bodyPr wrap="square" rtlCol="0" anchor="ctr"/>
+          <a:lstStyle/>
+          <a:p>
+            <a:pPr algn="ctr" indent="0" marL="0">
+              <a:buNone/>
+            </a:pPr>
+            <a:r>
+              <a:rPr lang="en-US" sz="800" b="1" dirty="0">
+                <a:solidFill>
+                  <a:srgbClr val="FFFFFF"/>
+                </a:solidFill>
+              </a:rPr>
+              <a:t>342+</a:t>
+            </a:r>
+            <a:endParaRPr lang="en-US" sz="800" dirty="0"/>
+          </a:p>
+        </p:txBody>
+      </p:sp>
+      <p:sp>
+        <p:nvSpPr>
+          <p:cNvPr id="25" name="Text 23"/>
+          <p:cNvSpPr/>
+          <p:nvPr/>
+        </p:nvSpPr>
+        <p:spPr>
+          <a:xfrm>
+            <a:off x="4754880" y="2148840"/>
+            <a:ext cx="3931920" cy="182880"/>
+          </a:xfrm>
+          <a:prstGeom prst="rect">
+            <a:avLst/>
+          </a:prstGeom>
+          <a:noFill/>
+          <a:ln/>
+        </p:spPr>
+        <p:txBody>
+          <a:bodyPr wrap="square" rtlCol="0" anchor="ctr"/>
+          <a:lstStyle/>
+          <a:p>
+            <a:pPr indent="0" marL="0">
+              <a:buNone/>
+            </a:pPr>
+            <a:r>
+              <a:rPr lang="en-US" sz="800" dirty="0">
+                <a:solidFill>
+                  <a:srgbClr val="CCCCCC"/>
+                </a:solidFill>
+              </a:rPr>
+              <a:t>MCP, Skills, Hooks, Context Tools など</a:t>
+            </a:r>
+            <a:endParaRPr lang="en-US" sz="800" dirty="0"/>
+          </a:p>
+        </p:txBody>
+      </p:sp>
+      <p:sp>
+        <p:nvSpPr>
+          <p:cNvPr id="26" name="Text 24"/>
+          <p:cNvSpPr/>
+          <p:nvPr/>
+        </p:nvSpPr>
+        <p:spPr>
+          <a:xfrm>
+            <a:off x="4754880" y="2331720"/>
+            <a:ext cx="3931920" cy="182880"/>
+          </a:xfrm>
+          <a:prstGeom prst="rect">
+            <a:avLst/>
+          </a:prstGeom>
+          <a:noFill/>
+          <a:ln/>
+        </p:spPr>
+        <p:txBody>
+          <a:bodyPr wrap="square" rtlCol="0" anchor="ctr"/>
+          <a:lstStyle/>
+          <a:p>
+            <a:pPr indent="0" marL="0">
+              <a:buNone/>
+            </a:pPr>
+            <a:r>
+              <a:rPr lang="en-US" sz="800" dirty="0">
+                <a:solidFill>
+                  <a:srgbClr val="CCCCCC"/>
+                </a:solidFill>
+              </a:rPr>
+              <a:t>DB, Cloud, AI/ML, 生産性ツールなど多数</a:t>
+            </a:r>
+            <a:endParaRPr lang="en-US" sz="800" dirty="0"/>
+          </a:p>
+        </p:txBody>
+      </p:sp>
+      <p:sp>
+        <p:nvSpPr>
+          <p:cNvPr id="27" name="Text 25"/>
+          <p:cNvSpPr/>
+          <p:nvPr/>
+        </p:nvSpPr>
+        <p:spPr>
+          <a:xfrm>
+            <a:off x="4754880" y="2514600"/>
+            <a:ext cx="3931920" cy="365760"/>
+          </a:xfrm>
+          <a:prstGeom prst="rect">
+            <a:avLst/>
+          </a:prstGeom>
+          <a:noFill/>
+          <a:ln/>
+        </p:spPr>
+        <p:txBody>
+          <a:bodyPr wrap="square" rtlCol="0" anchor="ctr"/>
+          <a:lstStyle/>
+          <a:p>
+            <a:pPr indent="0" marL="0">
+              <a:buNone/>
+            </a:pPr>
+            <a:r>
+              <a:rPr lang="en-US" sz="700" dirty="0">
+                <a:solidFill>
+                  <a:srgbClr val="AAAAAA"/>
+                </a:solidFill>
+              </a:rPr>
+              <a:t>※サードパーティ製。セキュリティ要確認</a:t>
+            </a:r>
+            <a:endParaRPr lang="en-US" sz="700" dirty="0"/>
+          </a:p>
+        </p:txBody>
+      </p:sp>
+      <p:sp>
+        <p:nvSpPr>
+          <p:cNvPr id="28" name="Text 26"/>
+          <p:cNvSpPr/>
+          <p:nvPr/>
+        </p:nvSpPr>
+        <p:spPr>
+          <a:xfrm>
+            <a:off x="365760" y="3063240"/>
+            <a:ext cx="4114800" cy="274320"/>
+          </a:xfrm>
+          <a:prstGeom prst="rect">
+            <a:avLst/>
+          </a:prstGeom>
+          <a:noFill/>
+          <a:ln/>
+        </p:spPr>
+        <p:txBody>
+          <a:bodyPr wrap="square" rtlCol="0" anchor="ctr"/>
+          <a:lstStyle/>
+          <a:p>
+            <a:pPr indent="0" marL="0">
+              <a:buNone/>
+            </a:pPr>
+            <a:r>
+              <a:rPr lang="en-US" sz="1200" b="1" dirty="0">
+                <a:solidFill>
+                  <a:srgbClr val="9B59B6"/>
+                </a:solidFill>
+              </a:rPr>
+              <a:t>公式プラグイン</a:t>
+            </a:r>
+            <a:endParaRPr lang="en-US" sz="1200" dirty="0"/>
+          </a:p>
+        </p:txBody>
+      </p:sp>
+      <p:sp>
+        <p:nvSpPr>
+          <p:cNvPr id="29" name="Shape 27"/>
+          <p:cNvSpPr/>
+          <p:nvPr/>
+        </p:nvSpPr>
+        <p:spPr>
+          <a:xfrm>
+            <a:off x="365760" y="3337560"/>
+            <a:ext cx="4114800" cy="457200"/>
           </a:xfrm>
           <a:prstGeom prst="roundRect">
             <a:avLst>
@@ -7441,32 +7737,32 @@
       </p:sp>
       <p:sp>
         <p:nvSpPr>
-          <p:cNvPr id="21" name="Text 19"/>
+          <p:cNvPr id="30" name="Text 28"/>
           <p:cNvSpPr/>
           <p:nvPr/>
         </p:nvSpPr>
         <p:spPr>
           <a:xfrm>
             <a:off x="457200" y="3383280"/>
-            <a:ext cx="4572000" cy="274320"/>
-          </a:xfrm>
-          <a:prstGeom prst="rect">
-            <a:avLst/>
-          </a:prstGeom>
-          <a:noFill/>
-          <a:ln/>
-        </p:spPr>
-        <p:txBody>
-          <a:bodyPr wrap="square" rtlCol="0" anchor="ctr"/>
-          <a:lstStyle/>
-          <a:p>
-            <a:pPr indent="0" marL="0">
-              <a:buNone/>
-            </a:pPr>
-            <a:r>
-              <a:rPr lang="en-US" sz="1100" b="1" dirty="0">
-                <a:solidFill>
-                  <a:srgbClr val="16A085"/>
+            <a:ext cx="3931920" cy="182880"/>
+          </a:xfrm>
+          <a:prstGeom prst="rect">
+            <a:avLst/>
+          </a:prstGeom>
+          <a:noFill/>
+          <a:ln/>
+        </p:spPr>
+        <p:txBody>
+          <a:bodyPr wrap="square" rtlCol="0" anchor="ctr"/>
+          <a:lstStyle/>
+          <a:p>
+            <a:pPr indent="0" marL="0">
+              <a:buNone/>
+            </a:pPr>
+            <a:r>
+              <a:rPr lang="en-US" sz="900" b="1" dirty="0">
+                <a:solidFill>
+                  <a:srgbClr val="9B59B6"/>
                 </a:solidFill>
                 <a:latin typeface="Courier New" pitchFamily="34" charset="0"/>
                 <a:ea typeface="Courier New" pitchFamily="34" charset="-122"/>
@@ -7474,56 +7770,56 @@
               </a:rPr>
               <a:t>anthropic-agent-skills</a:t>
             </a:r>
-            <a:endParaRPr lang="en-US" sz="1100" dirty="0"/>
-          </a:p>
-        </p:txBody>
-      </p:sp>
-      <p:sp>
-        <p:nvSpPr>
-          <p:cNvPr id="22" name="Text 20"/>
-          <p:cNvSpPr/>
-          <p:nvPr/>
-        </p:nvSpPr>
-        <p:spPr>
-          <a:xfrm>
-            <a:off x="457200" y="3657600"/>
-            <a:ext cx="8229600" cy="228600"/>
-          </a:xfrm>
-          <a:prstGeom prst="rect">
-            <a:avLst/>
-          </a:prstGeom>
-          <a:noFill/>
-          <a:ln/>
-        </p:spPr>
-        <p:txBody>
-          <a:bodyPr wrap="square" rtlCol="0" anchor="ctr"/>
-          <a:lstStyle/>
-          <a:p>
-            <a:pPr indent="0" marL="0">
-              <a:buNone/>
-            </a:pPr>
-            <a:r>
-              <a:rPr lang="en-US" sz="900" dirty="0">
+            <a:endParaRPr lang="en-US" sz="900" dirty="0"/>
+          </a:p>
+        </p:txBody>
+      </p:sp>
+      <p:sp>
+        <p:nvSpPr>
+          <p:cNvPr id="31" name="Text 29"/>
+          <p:cNvSpPr/>
+          <p:nvPr/>
+        </p:nvSpPr>
+        <p:spPr>
+          <a:xfrm>
+            <a:off x="457200" y="3566160"/>
+            <a:ext cx="3931920" cy="182880"/>
+          </a:xfrm>
+          <a:prstGeom prst="rect">
+            <a:avLst/>
+          </a:prstGeom>
+          <a:noFill/>
+          <a:ln/>
+        </p:spPr>
+        <p:txBody>
+          <a:bodyPr wrap="square" rtlCol="0" anchor="ctr"/>
+          <a:lstStyle/>
+          <a:p>
+            <a:pPr indent="0" marL="0">
+              <a:buNone/>
+            </a:pPr>
+            <a:r>
+              <a:rPr lang="en-US" sz="800" dirty="0">
                 <a:solidFill>
                   <a:srgbClr val="CCCCCC"/>
                 </a:solidFill>
               </a:rPr>
               <a:t>Anthropic 公式（Claude Code プラグイン内蔵）</a:t>
             </a:r>
-            <a:endParaRPr lang="en-US" sz="900" dirty="0"/>
-          </a:p>
-        </p:txBody>
-      </p:sp>
-      <p:sp>
-        <p:nvSpPr>
-          <p:cNvPr id="23" name="Shape 21"/>
-          <p:cNvSpPr/>
-          <p:nvPr/>
-        </p:nvSpPr>
-        <p:spPr>
-          <a:xfrm>
-            <a:off x="365760" y="4023360"/>
-            <a:ext cx="8412480" cy="548640"/>
+            <a:endParaRPr lang="en-US" sz="800" dirty="0"/>
+          </a:p>
+        </p:txBody>
+      </p:sp>
+      <p:sp>
+        <p:nvSpPr>
+          <p:cNvPr id="32" name="Shape 30"/>
+          <p:cNvSpPr/>
+          <p:nvPr/>
+        </p:nvSpPr>
+        <p:spPr>
+          <a:xfrm>
+            <a:off x="4663440" y="3337560"/>
+            <a:ext cx="4114800" cy="457200"/>
           </a:xfrm>
           <a:prstGeom prst="roundRect">
             <a:avLst>
@@ -7538,32 +7834,32 @@
       </p:sp>
       <p:sp>
         <p:nvSpPr>
-          <p:cNvPr id="24" name="Text 22"/>
-          <p:cNvSpPr/>
-          <p:nvPr/>
-        </p:nvSpPr>
-        <p:spPr>
-          <a:xfrm>
-            <a:off x="457200" y="4023360"/>
-            <a:ext cx="4572000" cy="274320"/>
-          </a:xfrm>
-          <a:prstGeom prst="rect">
-            <a:avLst/>
-          </a:prstGeom>
-          <a:noFill/>
-          <a:ln/>
-        </p:spPr>
-        <p:txBody>
-          <a:bodyPr wrap="square" rtlCol="0" anchor="ctr"/>
-          <a:lstStyle/>
-          <a:p>
-            <a:pPr indent="0" marL="0">
-              <a:buNone/>
-            </a:pPr>
-            <a:r>
-              <a:rPr lang="en-US" sz="1100" b="1" dirty="0">
-                <a:solidFill>
-                  <a:srgbClr val="16A085"/>
+          <p:cNvPr id="33" name="Text 31"/>
+          <p:cNvSpPr/>
+          <p:nvPr/>
+        </p:nvSpPr>
+        <p:spPr>
+          <a:xfrm>
+            <a:off x="4754880" y="3383280"/>
+            <a:ext cx="3931920" cy="182880"/>
+          </a:xfrm>
+          <a:prstGeom prst="rect">
+            <a:avLst/>
+          </a:prstGeom>
+          <a:noFill/>
+          <a:ln/>
+        </p:spPr>
+        <p:txBody>
+          <a:bodyPr wrap="square" rtlCol="0" anchor="ctr"/>
+          <a:lstStyle/>
+          <a:p>
+            <a:pPr indent="0" marL="0">
+              <a:buNone/>
+            </a:pPr>
+            <a:r>
+              <a:rPr lang="en-US" sz="900" b="1" dirty="0">
+                <a:solidFill>
+                  <a:srgbClr val="9B59B6"/>
                 </a:solidFill>
                 <a:latin typeface="Courier New" pitchFamily="34" charset="0"/>
                 <a:ea typeface="Courier New" pitchFamily="34" charset="-122"/>
@@ -7571,78 +7867,78 @@
               </a:rPr>
               <a:t>buildatscale-tv/gemini-skills</a:t>
             </a:r>
-            <a:endParaRPr lang="en-US" sz="1100" dirty="0"/>
-          </a:p>
-        </p:txBody>
-      </p:sp>
-      <p:sp>
-        <p:nvSpPr>
-          <p:cNvPr id="25" name="Text 23"/>
-          <p:cNvSpPr/>
-          <p:nvPr/>
-        </p:nvSpPr>
-        <p:spPr>
-          <a:xfrm>
-            <a:off x="457200" y="4297680"/>
-            <a:ext cx="8229600" cy="228600"/>
-          </a:xfrm>
-          <a:prstGeom prst="rect">
-            <a:avLst/>
-          </a:prstGeom>
-          <a:noFill/>
-          <a:ln/>
-        </p:spPr>
-        <p:txBody>
-          <a:bodyPr wrap="square" rtlCol="0" anchor="ctr"/>
-          <a:lstStyle/>
-          <a:p>
-            <a:pPr indent="0" marL="0">
-              <a:buNone/>
-            </a:pPr>
-            <a:r>
-              <a:rPr lang="en-US" sz="900" dirty="0">
+            <a:endParaRPr lang="en-US" sz="900" dirty="0"/>
+          </a:p>
+        </p:txBody>
+      </p:sp>
+      <p:sp>
+        <p:nvSpPr>
+          <p:cNvPr id="34" name="Text 32"/>
+          <p:cNvSpPr/>
+          <p:nvPr/>
+        </p:nvSpPr>
+        <p:spPr>
+          <a:xfrm>
+            <a:off x="4754880" y="3566160"/>
+            <a:ext cx="3931920" cy="182880"/>
+          </a:xfrm>
+          <a:prstGeom prst="rect">
+            <a:avLst/>
+          </a:prstGeom>
+          <a:noFill/>
+          <a:ln/>
+        </p:spPr>
+        <p:txBody>
+          <a:bodyPr wrap="square" rtlCol="0" anchor="ctr"/>
+          <a:lstStyle/>
+          <a:p>
+            <a:pPr indent="0" marL="0">
+              <a:buNone/>
+            </a:pPr>
+            <a:r>
+              <a:rPr lang="en-US" sz="800" dirty="0">
                 <a:solidFill>
                   <a:srgbClr val="CCCCCC"/>
                 </a:solidFill>
               </a:rPr>
               <a:t>Gemini CLI 向けスキルテンプレート</a:t>
             </a:r>
-            <a:endParaRPr lang="en-US" sz="900" dirty="0"/>
-          </a:p>
-        </p:txBody>
-      </p:sp>
-      <p:sp>
-        <p:nvSpPr>
-          <p:cNvPr id="26" name="Shape 24"/>
-          <p:cNvSpPr/>
-          <p:nvPr/>
-        </p:nvSpPr>
-        <p:spPr>
-          <a:xfrm>
-            <a:off x="365760" y="4709160"/>
-            <a:ext cx="8412480" cy="228600"/>
+            <a:endParaRPr lang="en-US" sz="800" dirty="0"/>
+          </a:p>
+        </p:txBody>
+      </p:sp>
+      <p:sp>
+        <p:nvSpPr>
+          <p:cNvPr id="35" name="Shape 33"/>
+          <p:cNvSpPr/>
+          <p:nvPr/>
+        </p:nvSpPr>
+        <p:spPr>
+          <a:xfrm>
+            <a:off x="365760" y="3977640"/>
+            <a:ext cx="8412480" cy="822960"/>
           </a:xfrm>
           <a:prstGeom prst="roundRect">
             <a:avLst>
-              <a:gd name="adj" fmla="val 32000"/>
+              <a:gd name="adj" fmla="val 9091"/>
             </a:avLst>
           </a:prstGeom>
           <a:solidFill>
-            <a:srgbClr val="333355"/>
+            <a:srgbClr val="1E3A5F"/>
           </a:solidFill>
           <a:ln/>
         </p:spPr>
       </p:sp>
       <p:sp>
         <p:nvSpPr>
-          <p:cNvPr id="27" name="Text 25"/>
-          <p:cNvSpPr/>
-          <p:nvPr/>
-        </p:nvSpPr>
-        <p:spPr>
-          <a:xfrm>
-            <a:off x="457200" y="4709160"/>
-            <a:ext cx="8229600" cy="228600"/>
+          <p:cNvPr id="36" name="Text 34"/>
+          <p:cNvSpPr/>
+          <p:nvPr/>
+        </p:nvSpPr>
+        <p:spPr>
+          <a:xfrm>
+            <a:off x="457200" y="4114800"/>
+            <a:ext cx="8229600" cy="274320"/>
           </a:xfrm>
           <a:prstGeom prst="rect">
             <a:avLst/>
@@ -7658,12 +7954,51 @@
               <a:buNone/>
             </a:pPr>
             <a:r>
+              <a:rPr lang="en-US" sz="1100" b="1" dirty="0">
+                <a:solidFill>
+                  <a:srgbClr val="3498DB"/>
+                </a:solidFill>
+              </a:rPr>
+              <a:t>📦 インストール例</a:t>
+            </a:r>
+            <a:endParaRPr lang="en-US" sz="1100" dirty="0"/>
+          </a:p>
+        </p:txBody>
+      </p:sp>
+      <p:sp>
+        <p:nvSpPr>
+          <p:cNvPr id="37" name="Text 35"/>
+          <p:cNvSpPr/>
+          <p:nvPr/>
+        </p:nvSpPr>
+        <p:spPr>
+          <a:xfrm>
+            <a:off x="457200" y="4389120"/>
+            <a:ext cx="8229600" cy="365760"/>
+          </a:xfrm>
+          <a:prstGeom prst="rect">
+            <a:avLst/>
+          </a:prstGeom>
+          <a:noFill/>
+          <a:ln/>
+        </p:spPr>
+        <p:txBody>
+          <a:bodyPr wrap="square" rtlCol="0" anchor="ctr"/>
+          <a:lstStyle/>
+          <a:p>
+            <a:pPr algn="ctr" indent="0" marL="0">
+              <a:buNone/>
+            </a:pPr>
+            <a:r>
               <a:rPr lang="en-US" sz="900" dirty="0">
                 <a:solidFill>
-                  <a:srgbClr val="CCCCCC"/>
-                </a:solidFill>
-              </a:rPr>
-              <a:t>🔍 GitHub で "agent skills" または "gemini skills" で検索</a:t>
+                  <a:srgbClr val="FFFFFF"/>
+                </a:solidFill>
+                <a:latin typeface="Courier New" pitchFamily="34" charset="0"/>
+                <a:ea typeface="Courier New" pitchFamily="34" charset="-122"/>
+                <a:cs typeface="Courier New" pitchFamily="34" charset="-120"/>
+              </a:rPr>
+              <a:t>gemini extensions install https://github.com/ankitchiplunkar/frontend-design</a:t>
             </a:r>
             <a:endParaRPr lang="en-US" sz="900" dirty="0"/>
           </a:p>
@@ -14640,11 +14975,11 @@
         <p:spPr>
           <a:xfrm>
             <a:off x="365760" y="914400"/>
-            <a:ext cx="8412480" cy="822960"/>
+            <a:ext cx="8412480" cy="731520"/>
           </a:xfrm>
           <a:prstGeom prst="roundRect">
             <a:avLst>
-              <a:gd name="adj" fmla="val 11111"/>
+              <a:gd name="adj" fmla="val 12500"/>
             </a:avLst>
           </a:prstGeom>
           <a:solidFill>
@@ -14662,7 +14997,7 @@
         <p:spPr>
           <a:xfrm>
             <a:off x="457200" y="1005840"/>
-            <a:ext cx="8229600" cy="320040"/>
+            <a:ext cx="8229600" cy="274320"/>
           </a:xfrm>
           <a:prstGeom prst="rect">
             <a:avLst/>
@@ -14683,7 +15018,7 @@
                   <a:srgbClr val="FFFFFF"/>
                 </a:solidFill>
               </a:rPr>
-              <a:t>Anthropic の Claude AI をターミナルから操作できる CLI ツール</a:t>
+              <a:t>Anthropic 公式の AI コーディングアシスタント CLI ツール</a:t>
             </a:r>
             <a:endParaRPr lang="en-US" sz="1400" dirty="0"/>
           </a:p>
@@ -14697,7 +15032,7 @@
         </p:nvSpPr>
         <p:spPr>
           <a:xfrm>
-            <a:off x="457200" y="1371600"/>
+            <a:off x="457200" y="1280160"/>
             <a:ext cx="8229600" cy="274320"/>
           </a:xfrm>
           <a:prstGeom prst="rect">
@@ -14714,14 +15049,14 @@
               <a:buNone/>
             </a:pPr>
             <a:r>
-              <a:rPr lang="en-US" sz="1100" dirty="0">
+              <a:rPr lang="en-US" sz="1000" dirty="0">
                 <a:solidFill>
                   <a:srgbClr val="CCCCCC"/>
                 </a:solidFill>
               </a:rPr>
-              <a:t>Gemini CLI と同じ「AI コーディングアシスタント」カテゴリ</a:t>
-            </a:r>
-            <a:endParaRPr lang="en-US" sz="1100" dirty="0"/>
+              <a:t>ファイル編集、コード生成、テスト実行、Git 操作などをターミナルから Claude と対話しながら実行</a:t>
+            </a:r>
+            <a:endParaRPr lang="en-US" sz="1000" dirty="0"/>
           </a:p>
         </p:txBody>
       </p:sp>
@@ -14733,8 +15068,8 @@
         </p:nvSpPr>
         <p:spPr>
           <a:xfrm>
-            <a:off x="365760" y="1920240"/>
-            <a:ext cx="2011680" cy="1645920"/>
+            <a:off x="365760" y="1828800"/>
+            <a:ext cx="2651760" cy="1371600"/>
           </a:xfrm>
           <a:prstGeom prst="roundRect">
             <a:avLst>
@@ -14755,8 +15090,8 @@
         </p:nvSpPr>
         <p:spPr>
           <a:xfrm>
-            <a:off x="365760" y="2011680"/>
-            <a:ext cx="2011680" cy="411480"/>
+            <a:off x="365760" y="1874520"/>
+            <a:ext cx="2651760" cy="320040"/>
           </a:xfrm>
           <a:prstGeom prst="rect">
             <a:avLst/>
@@ -14772,14 +15107,22 @@
               <a:buNone/>
             </a:pPr>
             <a:r>
-              <a:rPr lang="en-US" sz="2600" dirty="0">
+              <a:rPr lang="en-US" sz="2000" dirty="0">
                 <a:solidFill>
                   <a:srgbClr val="000000"/>
                 </a:solidFill>
               </a:rPr>
               <a:t>📝</a:t>
             </a:r>
-            <a:endParaRPr lang="en-US" sz="2600" dirty="0"/>
+            <a:r>
+              <a:rPr lang="en-US" sz="1100" b="1" dirty="0">
+                <a:solidFill>
+                  <a:srgbClr val="DA7756"/>
+                </a:solidFill>
+              </a:rPr>
+              <a:t> CLAUDE.md</a:t>
+            </a:r>
+            <a:endParaRPr lang="en-US" sz="1100" dirty="0"/>
           </a:p>
         </p:txBody>
       </p:sp>
@@ -14791,8 +15134,44 @@
         </p:nvSpPr>
         <p:spPr>
           <a:xfrm>
+            <a:off x="365760" y="2194560"/>
+            <a:ext cx="2651760" cy="228600"/>
+          </a:xfrm>
+          <a:prstGeom prst="rect">
+            <a:avLst/>
+          </a:prstGeom>
+          <a:noFill/>
+          <a:ln/>
+        </p:spPr>
+        <p:txBody>
+          <a:bodyPr wrap="square" rtlCol="0" anchor="ctr"/>
+          <a:lstStyle/>
+          <a:p>
+            <a:pPr algn="ctr" indent="0" marL="0">
+              <a:buNone/>
+            </a:pPr>
+            <a:r>
+              <a:rPr lang="en-US" sz="900" dirty="0">
+                <a:solidFill>
+                  <a:srgbClr val="FFFFFF"/>
+                </a:solidFill>
+              </a:rPr>
+              <a:t>プロジェクトのルール・指示を定義</a:t>
+            </a:r>
+            <a:endParaRPr lang="en-US" sz="900" dirty="0"/>
+          </a:p>
+        </p:txBody>
+      </p:sp>
+      <p:sp>
+        <p:nvSpPr>
+          <p:cNvPr id="10" name="Text 8"/>
+          <p:cNvSpPr/>
+          <p:nvPr/>
+        </p:nvSpPr>
+        <p:spPr>
+          <a:xfrm>
             <a:off x="365760" y="2423160"/>
-            <a:ext cx="2011680" cy="274320"/>
+            <a:ext cx="2651760" cy="182880"/>
           </a:xfrm>
           <a:prstGeom prst="rect">
             <a:avLst/>
@@ -14808,27 +15187,27 @@
               <a:buNone/>
             </a:pPr>
             <a:r>
-              <a:rPr lang="en-US" sz="1200" b="1" dirty="0">
-                <a:solidFill>
-                  <a:srgbClr val="DA7756"/>
-                </a:solidFill>
-              </a:rPr>
-              <a:t>CLAUDE.md</a:t>
-            </a:r>
-            <a:endParaRPr lang="en-US" sz="1200" dirty="0"/>
-          </a:p>
-        </p:txBody>
-      </p:sp>
-      <p:sp>
-        <p:nvSpPr>
-          <p:cNvPr id="10" name="Text 8"/>
-          <p:cNvSpPr/>
-          <p:nvPr/>
-        </p:nvSpPr>
-        <p:spPr>
-          <a:xfrm>
-            <a:off x="365760" y="2743200"/>
-            <a:ext cx="2011680" cy="640080"/>
+              <a:rPr lang="en-US" sz="800" b="1" dirty="0">
+                <a:solidFill>
+                  <a:srgbClr val="16A085"/>
+                </a:solidFill>
+              </a:rPr>
+              <a:t>使い方:</a:t>
+            </a:r>
+            <a:endParaRPr lang="en-US" sz="800" dirty="0"/>
+          </a:p>
+        </p:txBody>
+      </p:sp>
+      <p:sp>
+        <p:nvSpPr>
+          <p:cNvPr id="11" name="Text 9"/>
+          <p:cNvSpPr/>
+          <p:nvPr/>
+        </p:nvSpPr>
+        <p:spPr>
+          <a:xfrm>
+            <a:off x="365760" y="2606040"/>
+            <a:ext cx="2651760" cy="548640"/>
           </a:xfrm>
           <a:prstGeom prst="rect">
             <a:avLst/>
@@ -14844,41 +15223,57 @@
               <a:buNone/>
             </a:pPr>
             <a:r>
-              <a:rPr lang="en-US" sz="1000" dirty="0">
+              <a:rPr lang="en-US" sz="700" dirty="0">
                 <a:solidFill>
                   <a:srgbClr val="CCCCCC"/>
                 </a:solidFill>
               </a:rPr>
-              <a:t>プロジェクト指示</a:t>
-            </a:r>
-            <a:endParaRPr lang="en-US" sz="1000" dirty="0"/>
+              <a:t>プロジェクトルートに配置で自動読込</a:t>
+            </a:r>
+            <a:endParaRPr lang="en-US" sz="700" dirty="0"/>
           </a:p>
           <a:p>
             <a:pPr algn="ctr" indent="0" marL="0">
               <a:buNone/>
             </a:pPr>
             <a:r>
-              <a:rPr lang="en-US" sz="1000" dirty="0">
+              <a:rPr lang="en-US" sz="700" dirty="0">
                 <a:solidFill>
                   <a:srgbClr val="CCCCCC"/>
                 </a:solidFill>
-              </a:rPr>
-              <a:t>コンテキストファイル</a:t>
-            </a:r>
-            <a:endParaRPr lang="en-US" sz="1000" dirty="0"/>
-          </a:p>
-        </p:txBody>
-      </p:sp>
-      <p:sp>
-        <p:nvSpPr>
-          <p:cNvPr id="11" name="Shape 9"/>
-          <p:cNvSpPr/>
-          <p:nvPr/>
-        </p:nvSpPr>
-        <p:spPr>
-          <a:xfrm>
-            <a:off x="2560320" y="1920240"/>
-            <a:ext cx="2011680" cy="1645920"/>
+                <a:latin typeface="Courier New" pitchFamily="34" charset="0"/>
+              </a:rPr>
+              <a:t>./CLAUDE.md</a:t>
+            </a:r>
+            <a:endParaRPr lang="en-US" sz="700" dirty="0"/>
+          </a:p>
+          <a:p>
+            <a:pPr algn="ctr" indent="0" marL="0">
+              <a:buNone/>
+            </a:pPr>
+            <a:r>
+              <a:rPr lang="en-US" sz="700" dirty="0">
+                <a:solidFill>
+                  <a:srgbClr val="CCCCCC"/>
+                </a:solidFill>
+                <a:latin typeface="Courier New" pitchFamily="34" charset="0"/>
+              </a:rPr>
+              <a:t>.claude/rules/*.md</a:t>
+            </a:r>
+            <a:endParaRPr lang="en-US" sz="700" dirty="0"/>
+          </a:p>
+        </p:txBody>
+      </p:sp>
+      <p:sp>
+        <p:nvSpPr>
+          <p:cNvPr id="12" name="Shape 10"/>
+          <p:cNvSpPr/>
+          <p:nvPr/>
+        </p:nvSpPr>
+        <p:spPr>
+          <a:xfrm>
+            <a:off x="3200400" y="1828800"/>
+            <a:ext cx="2651760" cy="1371600"/>
           </a:xfrm>
           <a:prstGeom prst="roundRect">
             <a:avLst>
@@ -14893,14 +15288,14 @@
       </p:sp>
       <p:sp>
         <p:nvSpPr>
-          <p:cNvPr id="12" name="Text 10"/>
-          <p:cNvSpPr/>
-          <p:nvPr/>
-        </p:nvSpPr>
-        <p:spPr>
-          <a:xfrm>
-            <a:off x="2560320" y="2011680"/>
-            <a:ext cx="2011680" cy="411480"/>
+          <p:cNvPr id="13" name="Text 11"/>
+          <p:cNvSpPr/>
+          <p:nvPr/>
+        </p:nvSpPr>
+        <p:spPr>
+          <a:xfrm>
+            <a:off x="3200400" y="1874520"/>
+            <a:ext cx="2651760" cy="320040"/>
           </a:xfrm>
           <a:prstGeom prst="rect">
             <a:avLst/>
@@ -14916,27 +15311,35 @@
               <a:buNone/>
             </a:pPr>
             <a:r>
-              <a:rPr lang="en-US" sz="2600" dirty="0">
+              <a:rPr lang="en-US" sz="2000" dirty="0">
                 <a:solidFill>
                   <a:srgbClr val="000000"/>
                 </a:solidFill>
               </a:rPr>
-              <a:t>🎣</a:t>
-            </a:r>
-            <a:endParaRPr lang="en-US" sz="2600" dirty="0"/>
-          </a:p>
-        </p:txBody>
-      </p:sp>
-      <p:sp>
-        <p:nvSpPr>
-          <p:cNvPr id="13" name="Text 11"/>
-          <p:cNvSpPr/>
-          <p:nvPr/>
-        </p:nvSpPr>
-        <p:spPr>
-          <a:xfrm>
-            <a:off x="2560320" y="2423160"/>
-            <a:ext cx="2011680" cy="274320"/>
+              <a:t>⚡</a:t>
+            </a:r>
+            <a:r>
+              <a:rPr lang="en-US" sz="1100" b="1" dirty="0">
+                <a:solidFill>
+                  <a:srgbClr val="DA7756"/>
+                </a:solidFill>
+              </a:rPr>
+              <a:t> Commands</a:t>
+            </a:r>
+            <a:endParaRPr lang="en-US" sz="1100" dirty="0"/>
+          </a:p>
+        </p:txBody>
+      </p:sp>
+      <p:sp>
+        <p:nvSpPr>
+          <p:cNvPr id="14" name="Text 12"/>
+          <p:cNvSpPr/>
+          <p:nvPr/>
+        </p:nvSpPr>
+        <p:spPr>
+          <a:xfrm>
+            <a:off x="3200400" y="2194560"/>
+            <a:ext cx="2651760" cy="228600"/>
           </a:xfrm>
           <a:prstGeom prst="rect">
             <a:avLst/>
@@ -14952,27 +15355,27 @@
               <a:buNone/>
             </a:pPr>
             <a:r>
-              <a:rPr lang="en-US" sz="1200" b="1" dirty="0">
-                <a:solidFill>
-                  <a:srgbClr val="DA7756"/>
-                </a:solidFill>
-              </a:rPr>
-              <a:t>Hooks</a:t>
-            </a:r>
-            <a:endParaRPr lang="en-US" sz="1200" dirty="0"/>
-          </a:p>
-        </p:txBody>
-      </p:sp>
-      <p:sp>
-        <p:nvSpPr>
-          <p:cNvPr id="14" name="Text 12"/>
-          <p:cNvSpPr/>
-          <p:nvPr/>
-        </p:nvSpPr>
-        <p:spPr>
-          <a:xfrm>
-            <a:off x="2560320" y="2743200"/>
-            <a:ext cx="2011680" cy="640080"/>
+              <a:rPr lang="en-US" sz="900" dirty="0">
+                <a:solidFill>
+                  <a:srgbClr val="FFFFFF"/>
+                </a:solidFill>
+              </a:rPr>
+              <a:t>/plan /tdd などカスタムコマンド</a:t>
+            </a:r>
+            <a:endParaRPr lang="en-US" sz="900" dirty="0"/>
+          </a:p>
+        </p:txBody>
+      </p:sp>
+      <p:sp>
+        <p:nvSpPr>
+          <p:cNvPr id="15" name="Text 13"/>
+          <p:cNvSpPr/>
+          <p:nvPr/>
+        </p:nvSpPr>
+        <p:spPr>
+          <a:xfrm>
+            <a:off x="3200400" y="2423160"/>
+            <a:ext cx="2651760" cy="182880"/>
           </a:xfrm>
           <a:prstGeom prst="rect">
             <a:avLst/>
@@ -14988,41 +15391,92 @@
               <a:buNone/>
             </a:pPr>
             <a:r>
-              <a:rPr lang="en-US" sz="1000" dirty="0">
+              <a:rPr lang="en-US" sz="800" b="1" dirty="0">
+                <a:solidFill>
+                  <a:srgbClr val="16A085"/>
+                </a:solidFill>
+              </a:rPr>
+              <a:t>使い方:</a:t>
+            </a:r>
+            <a:endParaRPr lang="en-US" sz="800" dirty="0"/>
+          </a:p>
+        </p:txBody>
+      </p:sp>
+      <p:sp>
+        <p:nvSpPr>
+          <p:cNvPr id="16" name="Text 14"/>
+          <p:cNvSpPr/>
+          <p:nvPr/>
+        </p:nvSpPr>
+        <p:spPr>
+          <a:xfrm>
+            <a:off x="3200400" y="2606040"/>
+            <a:ext cx="2651760" cy="548640"/>
+          </a:xfrm>
+          <a:prstGeom prst="rect">
+            <a:avLst/>
+          </a:prstGeom>
+          <a:noFill/>
+          <a:ln/>
+        </p:spPr>
+        <p:txBody>
+          <a:bodyPr wrap="square" rtlCol="0" anchor="ctr"/>
+          <a:lstStyle/>
+          <a:p>
+            <a:pPr algn="ctr" indent="0" marL="0">
+              <a:buNone/>
+            </a:pPr>
+            <a:r>
+              <a:rPr lang="en-US" sz="700" dirty="0">
                 <a:solidFill>
                   <a:srgbClr val="CCCCCC"/>
                 </a:solidFill>
               </a:rPr>
-              <a:t>PreToolUse</a:t>
-            </a:r>
-            <a:endParaRPr lang="en-US" sz="1000" dirty="0"/>
+              <a:t>.md を置くとコマンド化</a:t>
+            </a:r>
+            <a:endParaRPr lang="en-US" sz="700" dirty="0"/>
           </a:p>
           <a:p>
             <a:pPr algn="ctr" indent="0" marL="0">
               <a:buNone/>
             </a:pPr>
             <a:r>
-              <a:rPr lang="en-US" sz="1000" dirty="0">
+              <a:rPr lang="en-US" sz="700" dirty="0">
                 <a:solidFill>
                   <a:srgbClr val="CCCCCC"/>
                 </a:solidFill>
-              </a:rPr>
-              <a:t>PostToolUse</a:t>
-            </a:r>
-            <a:endParaRPr lang="en-US" sz="1000" dirty="0"/>
-          </a:p>
-        </p:txBody>
-      </p:sp>
-      <p:sp>
-        <p:nvSpPr>
-          <p:cNvPr id="15" name="Shape 13"/>
-          <p:cNvSpPr/>
-          <p:nvPr/>
-        </p:nvSpPr>
-        <p:spPr>
-          <a:xfrm>
-            <a:off x="4754880" y="1920240"/>
-            <a:ext cx="2011680" cy="1645920"/>
+                <a:latin typeface="Courier New" pitchFamily="34" charset="0"/>
+              </a:rPr>
+              <a:t>.claude/commands/plan.md</a:t>
+            </a:r>
+            <a:endParaRPr lang="en-US" sz="700" dirty="0"/>
+          </a:p>
+          <a:p>
+            <a:pPr algn="ctr" indent="0" marL="0">
+              <a:buNone/>
+            </a:pPr>
+            <a:r>
+              <a:rPr lang="en-US" sz="700" dirty="0">
+                <a:solidFill>
+                  <a:srgbClr val="CCCCCC"/>
+                </a:solidFill>
+              </a:rPr>
+              <a:t>→ /plan で実行可能に</a:t>
+            </a:r>
+            <a:endParaRPr lang="en-US" sz="700" dirty="0"/>
+          </a:p>
+        </p:txBody>
+      </p:sp>
+      <p:sp>
+        <p:nvSpPr>
+          <p:cNvPr id="17" name="Shape 15"/>
+          <p:cNvSpPr/>
+          <p:nvPr/>
+        </p:nvSpPr>
+        <p:spPr>
+          <a:xfrm>
+            <a:off x="6035040" y="1828800"/>
+            <a:ext cx="2651760" cy="1371600"/>
           </a:xfrm>
           <a:prstGeom prst="roundRect">
             <a:avLst>
@@ -15037,14 +15491,14 @@
       </p:sp>
       <p:sp>
         <p:nvSpPr>
-          <p:cNvPr id="16" name="Text 14"/>
-          <p:cNvSpPr/>
-          <p:nvPr/>
-        </p:nvSpPr>
-        <p:spPr>
-          <a:xfrm>
-            <a:off x="4754880" y="2011680"/>
-            <a:ext cx="2011680" cy="411480"/>
+          <p:cNvPr id="18" name="Text 16"/>
+          <p:cNvSpPr/>
+          <p:nvPr/>
+        </p:nvSpPr>
+        <p:spPr>
+          <a:xfrm>
+            <a:off x="6035040" y="1874520"/>
+            <a:ext cx="2651760" cy="320040"/>
           </a:xfrm>
           <a:prstGeom prst="rect">
             <a:avLst/>
@@ -15060,27 +15514,35 @@
               <a:buNone/>
             </a:pPr>
             <a:r>
-              <a:rPr lang="en-US" sz="2600" dirty="0">
+              <a:rPr lang="en-US" sz="2000" dirty="0">
                 <a:solidFill>
                   <a:srgbClr val="000000"/>
                 </a:solidFill>
               </a:rPr>
-              <a:t>🎯</a:t>
-            </a:r>
-            <a:endParaRPr lang="en-US" sz="2600" dirty="0"/>
-          </a:p>
-        </p:txBody>
-      </p:sp>
-      <p:sp>
-        <p:nvSpPr>
-          <p:cNvPr id="17" name="Text 15"/>
-          <p:cNvSpPr/>
-          <p:nvPr/>
-        </p:nvSpPr>
-        <p:spPr>
-          <a:xfrm>
-            <a:off x="4754880" y="2423160"/>
-            <a:ext cx="2011680" cy="274320"/>
+              <a:t>🤖</a:t>
+            </a:r>
+            <a:r>
+              <a:rPr lang="en-US" sz="1100" b="1" dirty="0">
+                <a:solidFill>
+                  <a:srgbClr val="DA7756"/>
+                </a:solidFill>
+              </a:rPr>
+              <a:t> Agents</a:t>
+            </a:r>
+            <a:endParaRPr lang="en-US" sz="1100" dirty="0"/>
+          </a:p>
+        </p:txBody>
+      </p:sp>
+      <p:sp>
+        <p:nvSpPr>
+          <p:cNvPr id="19" name="Text 17"/>
+          <p:cNvSpPr/>
+          <p:nvPr/>
+        </p:nvSpPr>
+        <p:spPr>
+          <a:xfrm>
+            <a:off x="6035040" y="2194560"/>
+            <a:ext cx="2651760" cy="228600"/>
           </a:xfrm>
           <a:prstGeom prst="rect">
             <a:avLst/>
@@ -15096,27 +15558,27 @@
               <a:buNone/>
             </a:pPr>
             <a:r>
-              <a:rPr lang="en-US" sz="1200" b="1" dirty="0">
-                <a:solidFill>
-                  <a:srgbClr val="DA7756"/>
-                </a:solidFill>
-              </a:rPr>
-              <a:t>Skills</a:t>
-            </a:r>
-            <a:endParaRPr lang="en-US" sz="1200" dirty="0"/>
-          </a:p>
-        </p:txBody>
-      </p:sp>
-      <p:sp>
-        <p:nvSpPr>
-          <p:cNvPr id="18" name="Text 16"/>
-          <p:cNvSpPr/>
-          <p:nvPr/>
-        </p:nvSpPr>
-        <p:spPr>
-          <a:xfrm>
-            <a:off x="4754880" y="2743200"/>
-            <a:ext cx="2011680" cy="640080"/>
+              <a:rPr lang="en-US" sz="900" dirty="0">
+                <a:solidFill>
+                  <a:srgbClr val="FFFFFF"/>
+                </a:solidFill>
+              </a:rPr>
+              <a:t>専門特化サブエージェント</a:t>
+            </a:r>
+            <a:endParaRPr lang="en-US" sz="900" dirty="0"/>
+          </a:p>
+        </p:txBody>
+      </p:sp>
+      <p:sp>
+        <p:nvSpPr>
+          <p:cNvPr id="20" name="Text 18"/>
+          <p:cNvSpPr/>
+          <p:nvPr/>
+        </p:nvSpPr>
+        <p:spPr>
+          <a:xfrm>
+            <a:off x="6035040" y="2423160"/>
+            <a:ext cx="2651760" cy="182880"/>
           </a:xfrm>
           <a:prstGeom prst="rect">
             <a:avLst/>
@@ -15132,41 +15594,92 @@
               <a:buNone/>
             </a:pPr>
             <a:r>
-              <a:rPr lang="en-US" sz="1000" dirty="0">
+              <a:rPr lang="en-US" sz="800" b="1" dirty="0">
+                <a:solidFill>
+                  <a:srgbClr val="16A085"/>
+                </a:solidFill>
+              </a:rPr>
+              <a:t>使い方:</a:t>
+            </a:r>
+            <a:endParaRPr lang="en-US" sz="800" dirty="0"/>
+          </a:p>
+        </p:txBody>
+      </p:sp>
+      <p:sp>
+        <p:nvSpPr>
+          <p:cNvPr id="21" name="Text 19"/>
+          <p:cNvSpPr/>
+          <p:nvPr/>
+        </p:nvSpPr>
+        <p:spPr>
+          <a:xfrm>
+            <a:off x="6035040" y="2606040"/>
+            <a:ext cx="2651760" cy="548640"/>
+          </a:xfrm>
+          <a:prstGeom prst="rect">
+            <a:avLst/>
+          </a:prstGeom>
+          <a:noFill/>
+          <a:ln/>
+        </p:spPr>
+        <p:txBody>
+          <a:bodyPr wrap="square" rtlCol="0" anchor="ctr"/>
+          <a:lstStyle/>
+          <a:p>
+            <a:pPr algn="ctr" indent="0" marL="0">
+              <a:buNone/>
+            </a:pPr>
+            <a:r>
+              <a:rPr lang="en-US" sz="700" dirty="0">
                 <a:solidFill>
                   <a:srgbClr val="CCCCCC"/>
                 </a:solidFill>
               </a:rPr>
-              <a:t>SKILL.md</a:t>
-            </a:r>
-            <a:endParaRPr lang="en-US" sz="1000" dirty="0"/>
+              <a:t>.md を置くと Task で呼出可能</a:t>
+            </a:r>
+            <a:endParaRPr lang="en-US" sz="700" dirty="0"/>
           </a:p>
           <a:p>
             <a:pPr algn="ctr" indent="0" marL="0">
               <a:buNone/>
             </a:pPr>
             <a:r>
-              <a:rPr lang="en-US" sz="1000" dirty="0">
+              <a:rPr lang="en-US" sz="700" dirty="0">
                 <a:solidFill>
                   <a:srgbClr val="CCCCCC"/>
                 </a:solidFill>
-              </a:rPr>
-              <a:t>(変換可能)</a:t>
-            </a:r>
-            <a:endParaRPr lang="en-US" sz="1000" dirty="0"/>
-          </a:p>
-        </p:txBody>
-      </p:sp>
-      <p:sp>
-        <p:nvSpPr>
-          <p:cNvPr id="19" name="Shape 17"/>
-          <p:cNvSpPr/>
-          <p:nvPr/>
-        </p:nvSpPr>
-        <p:spPr>
-          <a:xfrm>
-            <a:off x="6949440" y="1920240"/>
-            <a:ext cx="2011680" cy="1645920"/>
+                <a:latin typeface="Courier New" pitchFamily="34" charset="0"/>
+              </a:rPr>
+              <a:t>.claude/agents/planner.md</a:t>
+            </a:r>
+            <a:endParaRPr lang="en-US" sz="700" dirty="0"/>
+          </a:p>
+          <a:p>
+            <a:pPr algn="ctr" indent="0" marL="0">
+              <a:buNone/>
+            </a:pPr>
+            <a:r>
+              <a:rPr lang="en-US" sz="700" dirty="0">
+                <a:solidFill>
+                  <a:srgbClr val="CCCCCC"/>
+                </a:solidFill>
+              </a:rPr>
+              <a:t>→ 並列実行・専門タスク委任</a:t>
+            </a:r>
+            <a:endParaRPr lang="en-US" sz="700" dirty="0"/>
+          </a:p>
+        </p:txBody>
+      </p:sp>
+      <p:sp>
+        <p:nvSpPr>
+          <p:cNvPr id="22" name="Shape 20"/>
+          <p:cNvSpPr/>
+          <p:nvPr/>
+        </p:nvSpPr>
+        <p:spPr>
+          <a:xfrm>
+            <a:off x="365760" y="3383280"/>
+            <a:ext cx="2651760" cy="1371600"/>
           </a:xfrm>
           <a:prstGeom prst="roundRect">
             <a:avLst>
@@ -15181,14 +15694,14 @@
       </p:sp>
       <p:sp>
         <p:nvSpPr>
-          <p:cNvPr id="20" name="Text 18"/>
-          <p:cNvSpPr/>
-          <p:nvPr/>
-        </p:nvSpPr>
-        <p:spPr>
-          <a:xfrm>
-            <a:off x="6949440" y="2011680"/>
-            <a:ext cx="2011680" cy="411480"/>
+          <p:cNvPr id="23" name="Text 21"/>
+          <p:cNvSpPr/>
+          <p:nvPr/>
+        </p:nvSpPr>
+        <p:spPr>
+          <a:xfrm>
+            <a:off x="365760" y="3429000"/>
+            <a:ext cx="2651760" cy="320040"/>
           </a:xfrm>
           <a:prstGeom prst="rect">
             <a:avLst/>
@@ -15204,27 +15717,35 @@
               <a:buNone/>
             </a:pPr>
             <a:r>
-              <a:rPr lang="en-US" sz="2600" dirty="0">
+              <a:rPr lang="en-US" sz="2000" dirty="0">
                 <a:solidFill>
                   <a:srgbClr val="000000"/>
                 </a:solidFill>
               </a:rPr>
-              <a:t>🔌</a:t>
-            </a:r>
-            <a:endParaRPr lang="en-US" sz="2600" dirty="0"/>
-          </a:p>
-        </p:txBody>
-      </p:sp>
-      <p:sp>
-        <p:nvSpPr>
-          <p:cNvPr id="21" name="Text 19"/>
-          <p:cNvSpPr/>
-          <p:nvPr/>
-        </p:nvSpPr>
-        <p:spPr>
-          <a:xfrm>
-            <a:off x="6949440" y="2423160"/>
-            <a:ext cx="2011680" cy="274320"/>
+              <a:t>🎣</a:t>
+            </a:r>
+            <a:r>
+              <a:rPr lang="en-US" sz="1100" b="1" dirty="0">
+                <a:solidFill>
+                  <a:srgbClr val="DA7756"/>
+                </a:solidFill>
+              </a:rPr>
+              <a:t> Hooks</a:t>
+            </a:r>
+            <a:endParaRPr lang="en-US" sz="1100" dirty="0"/>
+          </a:p>
+        </p:txBody>
+      </p:sp>
+      <p:sp>
+        <p:nvSpPr>
+          <p:cNvPr id="24" name="Text 22"/>
+          <p:cNvSpPr/>
+          <p:nvPr/>
+        </p:nvSpPr>
+        <p:spPr>
+          <a:xfrm>
+            <a:off x="365760" y="3749040"/>
+            <a:ext cx="2651760" cy="228600"/>
           </a:xfrm>
           <a:prstGeom prst="rect">
             <a:avLst/>
@@ -15240,27 +15761,27 @@
               <a:buNone/>
             </a:pPr>
             <a:r>
-              <a:rPr lang="en-US" sz="1200" b="1" dirty="0">
-                <a:solidFill>
-                  <a:srgbClr val="DA7756"/>
-                </a:solidFill>
-              </a:rPr>
-              <a:t>MCP</a:t>
-            </a:r>
-            <a:endParaRPr lang="en-US" sz="1200" dirty="0"/>
-          </a:p>
-        </p:txBody>
-      </p:sp>
-      <p:sp>
-        <p:nvSpPr>
-          <p:cNvPr id="22" name="Text 20"/>
-          <p:cNvSpPr/>
-          <p:nvPr/>
-        </p:nvSpPr>
-        <p:spPr>
-          <a:xfrm>
-            <a:off x="6949440" y="2743200"/>
-            <a:ext cx="2011680" cy="640080"/>
+              <a:rPr lang="en-US" sz="900" dirty="0">
+                <a:solidFill>
+                  <a:srgbClr val="FFFFFF"/>
+                </a:solidFill>
+              </a:rPr>
+              <a:t>ツール実行前後の自動処理</a:t>
+            </a:r>
+            <a:endParaRPr lang="en-US" sz="900" dirty="0"/>
+          </a:p>
+        </p:txBody>
+      </p:sp>
+      <p:sp>
+        <p:nvSpPr>
+          <p:cNvPr id="25" name="Text 23"/>
+          <p:cNvSpPr/>
+          <p:nvPr/>
+        </p:nvSpPr>
+        <p:spPr>
+          <a:xfrm>
+            <a:off x="365760" y="3977640"/>
+            <a:ext cx="2651760" cy="182880"/>
           </a:xfrm>
           <a:prstGeom prst="rect">
             <a:avLst/>
@@ -15276,63 +15797,114 @@
               <a:buNone/>
             </a:pPr>
             <a:r>
-              <a:rPr lang="en-US" sz="1000" dirty="0">
+              <a:rPr lang="en-US" sz="800" b="1" dirty="0">
+                <a:solidFill>
+                  <a:srgbClr val="16A085"/>
+                </a:solidFill>
+              </a:rPr>
+              <a:t>使い方:</a:t>
+            </a:r>
+            <a:endParaRPr lang="en-US" sz="800" dirty="0"/>
+          </a:p>
+        </p:txBody>
+      </p:sp>
+      <p:sp>
+        <p:nvSpPr>
+          <p:cNvPr id="26" name="Text 24"/>
+          <p:cNvSpPr/>
+          <p:nvPr/>
+        </p:nvSpPr>
+        <p:spPr>
+          <a:xfrm>
+            <a:off x="365760" y="4160520"/>
+            <a:ext cx="2651760" cy="548640"/>
+          </a:xfrm>
+          <a:prstGeom prst="rect">
+            <a:avLst/>
+          </a:prstGeom>
+          <a:noFill/>
+          <a:ln/>
+        </p:spPr>
+        <p:txBody>
+          <a:bodyPr wrap="square" rtlCol="0" anchor="ctr"/>
+          <a:lstStyle/>
+          <a:p>
+            <a:pPr algn="ctr" indent="0" marL="0">
+              <a:buNone/>
+            </a:pPr>
+            <a:r>
+              <a:rPr lang="en-US" sz="700" dirty="0">
                 <a:solidFill>
                   <a:srgbClr val="CCCCCC"/>
                 </a:solidFill>
               </a:rPr>
-              <a:t>Playwright</a:t>
-            </a:r>
-            <a:endParaRPr lang="en-US" sz="1000" dirty="0"/>
+              <a:t>settings.json に定義</a:t>
+            </a:r>
+            <a:endParaRPr lang="en-US" sz="700" dirty="0"/>
           </a:p>
           <a:p>
             <a:pPr algn="ctr" indent="0" marL="0">
               <a:buNone/>
             </a:pPr>
             <a:r>
-              <a:rPr lang="en-US" sz="1000" dirty="0">
+              <a:rPr lang="en-US" sz="700" dirty="0">
                 <a:solidFill>
                   <a:srgbClr val="CCCCCC"/>
                 </a:solidFill>
-              </a:rPr>
-              <a:t>Context7 等</a:t>
-            </a:r>
-            <a:endParaRPr lang="en-US" sz="1000" dirty="0"/>
-          </a:p>
-        </p:txBody>
-      </p:sp>
-      <p:sp>
-        <p:nvSpPr>
-          <p:cNvPr id="23" name="Shape 21"/>
-          <p:cNvSpPr/>
-          <p:nvPr/>
-        </p:nvSpPr>
-        <p:spPr>
-          <a:xfrm>
-            <a:off x="365760" y="3749040"/>
-            <a:ext cx="8412480" cy="1005840"/>
+                <a:latin typeface="Courier New" pitchFamily="34" charset="0"/>
+              </a:rPr>
+              <a:t>.claude/settings.json</a:t>
+            </a:r>
+            <a:endParaRPr lang="en-US" sz="700" dirty="0"/>
+          </a:p>
+          <a:p>
+            <a:pPr algn="ctr" indent="0" marL="0">
+              <a:buNone/>
+            </a:pPr>
+            <a:r>
+              <a:rPr lang="en-US" sz="700" dirty="0">
+                <a:solidFill>
+                  <a:srgbClr val="CCCCCC"/>
+                </a:solidFill>
+              </a:rPr>
+              <a:t>→ 自動フォーマット、型チェック等</a:t>
+            </a:r>
+            <a:endParaRPr lang="en-US" sz="700" dirty="0"/>
+          </a:p>
+        </p:txBody>
+      </p:sp>
+      <p:sp>
+        <p:nvSpPr>
+          <p:cNvPr id="27" name="Shape 25"/>
+          <p:cNvSpPr/>
+          <p:nvPr/>
+        </p:nvSpPr>
+        <p:spPr>
+          <a:xfrm>
+            <a:off x="3200400" y="3383280"/>
+            <a:ext cx="2651760" cy="1371600"/>
           </a:xfrm>
           <a:prstGeom prst="roundRect">
             <a:avLst>
-              <a:gd name="adj" fmla="val 9091"/>
+              <a:gd name="adj" fmla="val 6667"/>
             </a:avLst>
           </a:prstGeom>
           <a:solidFill>
-            <a:srgbClr val="2D4A3E"/>
+            <a:srgbClr val="252540"/>
           </a:solidFill>
           <a:ln/>
         </p:spPr>
       </p:sp>
       <p:sp>
         <p:nvSpPr>
-          <p:cNvPr id="24" name="Text 22"/>
-          <p:cNvSpPr/>
-          <p:nvPr/>
-        </p:nvSpPr>
-        <p:spPr>
-          <a:xfrm>
-            <a:off x="457200" y="3840480"/>
-            <a:ext cx="8229600" cy="274320"/>
+          <p:cNvPr id="28" name="Text 26"/>
+          <p:cNvSpPr/>
+          <p:nvPr/>
+        </p:nvSpPr>
+        <p:spPr>
+          <a:xfrm>
+            <a:off x="3200400" y="3429000"/>
+            <a:ext cx="2651760" cy="320040"/>
           </a:xfrm>
           <a:prstGeom prst="rect">
             <a:avLst/>
@@ -15348,27 +15920,35 @@
               <a:buNone/>
             </a:pPr>
             <a:r>
-              <a:rPr lang="en-US" sz="1200" b="1" dirty="0">
-                <a:solidFill>
-                  <a:srgbClr val="F1C40F"/>
-                </a:solidFill>
-              </a:rPr>
-              <a:t>💡 everything-claude-code</a:t>
-            </a:r>
-            <a:endParaRPr lang="en-US" sz="1200" dirty="0"/>
-          </a:p>
-        </p:txBody>
-      </p:sp>
-      <p:sp>
-        <p:nvSpPr>
-          <p:cNvPr id="25" name="Text 23"/>
-          <p:cNvSpPr/>
-          <p:nvPr/>
-        </p:nvSpPr>
-        <p:spPr>
-          <a:xfrm>
-            <a:off x="457200" y="4160520"/>
-            <a:ext cx="8229600" cy="502920"/>
+              <a:rPr lang="en-US" sz="2000" dirty="0">
+                <a:solidFill>
+                  <a:srgbClr val="000000"/>
+                </a:solidFill>
+              </a:rPr>
+              <a:t>🎯</a:t>
+            </a:r>
+            <a:r>
+              <a:rPr lang="en-US" sz="1100" b="1" dirty="0">
+                <a:solidFill>
+                  <a:srgbClr val="DA7756"/>
+                </a:solidFill>
+              </a:rPr>
+              <a:t> Skills</a:t>
+            </a:r>
+            <a:endParaRPr lang="en-US" sz="1100" dirty="0"/>
+          </a:p>
+        </p:txBody>
+      </p:sp>
+      <p:sp>
+        <p:nvSpPr>
+          <p:cNvPr id="29" name="Text 27"/>
+          <p:cNvSpPr/>
+          <p:nvPr/>
+        </p:nvSpPr>
+        <p:spPr>
+          <a:xfrm>
+            <a:off x="3200400" y="3749040"/>
+            <a:ext cx="2651760" cy="228600"/>
           </a:xfrm>
           <a:prstGeom prst="rect">
             <a:avLst/>
@@ -15384,28 +15964,318 @@
               <a:buNone/>
             </a:pPr>
             <a:r>
-              <a:rPr lang="en-US" sz="1000" dirty="0">
+              <a:rPr lang="en-US" sz="900" dirty="0">
                 <a:solidFill>
                   <a:srgbClr val="FFFFFF"/>
                 </a:solidFill>
               </a:rPr>
-              <a:t>Anthropic x Forum Ventures ハッカソン優勝者の設定集</a:t>
-            </a:r>
-            <a:endParaRPr lang="en-US" sz="1000" dirty="0"/>
-          </a:p>
+              <a:t>再利用可能なワークフロー</a:t>
+            </a:r>
+            <a:endParaRPr lang="en-US" sz="900" dirty="0"/>
+          </a:p>
+        </p:txBody>
+      </p:sp>
+      <p:sp>
+        <p:nvSpPr>
+          <p:cNvPr id="30" name="Text 28"/>
+          <p:cNvSpPr/>
+          <p:nvPr/>
+        </p:nvSpPr>
+        <p:spPr>
+          <a:xfrm>
+            <a:off x="3200400" y="3977640"/>
+            <a:ext cx="2651760" cy="182880"/>
+          </a:xfrm>
+          <a:prstGeom prst="rect">
+            <a:avLst/>
+          </a:prstGeom>
+          <a:noFill/>
+          <a:ln/>
+        </p:spPr>
+        <p:txBody>
+          <a:bodyPr wrap="square" rtlCol="0" anchor="ctr"/>
+          <a:lstStyle/>
           <a:p>
             <a:pPr algn="ctr" indent="0" marL="0">
               <a:buNone/>
             </a:pPr>
             <a:r>
-              <a:rPr lang="en-US" sz="1000" dirty="0">
+              <a:rPr lang="en-US" sz="800" b="1" dirty="0">
+                <a:solidFill>
+                  <a:srgbClr val="16A085"/>
+                </a:solidFill>
+              </a:rPr>
+              <a:t>使い方:</a:t>
+            </a:r>
+            <a:endParaRPr lang="en-US" sz="800" dirty="0"/>
+          </a:p>
+        </p:txBody>
+      </p:sp>
+      <p:sp>
+        <p:nvSpPr>
+          <p:cNvPr id="31" name="Text 29"/>
+          <p:cNvSpPr/>
+          <p:nvPr/>
+        </p:nvSpPr>
+        <p:spPr>
+          <a:xfrm>
+            <a:off x="3200400" y="4160520"/>
+            <a:ext cx="2651760" cy="548640"/>
+          </a:xfrm>
+          <a:prstGeom prst="rect">
+            <a:avLst/>
+          </a:prstGeom>
+          <a:noFill/>
+          <a:ln/>
+        </p:spPr>
+        <p:txBody>
+          <a:bodyPr wrap="square" rtlCol="0" anchor="ctr"/>
+          <a:lstStyle/>
+          <a:p>
+            <a:pPr algn="ctr" indent="0" marL="0">
+              <a:buNone/>
+            </a:pPr>
+            <a:r>
+              <a:rPr lang="en-US" sz="700" dirty="0">
+                <a:solidFill>
+                  <a:srgbClr val="CCCCCC"/>
+                </a:solidFill>
+              </a:rPr>
+              <a:t>.skill を置くと自動有効化</a:t>
+            </a:r>
+            <a:endParaRPr lang="en-US" sz="700" dirty="0"/>
+          </a:p>
+          <a:p>
+            <a:pPr algn="ctr" indent="0" marL="0">
+              <a:buNone/>
+            </a:pPr>
+            <a:r>
+              <a:rPr lang="en-US" sz="700" dirty="0">
+                <a:solidFill>
+                  <a:srgbClr val="CCCCCC"/>
+                </a:solidFill>
+                <a:latin typeface="Courier New" pitchFamily="34" charset="0"/>
+              </a:rPr>
+              <a:t>.claude/skills/*.skill</a:t>
+            </a:r>
+            <a:endParaRPr lang="en-US" sz="700" dirty="0"/>
+          </a:p>
+          <a:p>
+            <a:pPr algn="ctr" indent="0" marL="0">
+              <a:buNone/>
+            </a:pPr>
+            <a:r>
+              <a:rPr lang="en-US" sz="700" dirty="0">
+                <a:solidFill>
+                  <a:srgbClr val="CCCCCC"/>
+                </a:solidFill>
+              </a:rPr>
+              <a:t>→ Gemini と相互変換可能</a:t>
+            </a:r>
+            <a:endParaRPr lang="en-US" sz="700" dirty="0"/>
+          </a:p>
+        </p:txBody>
+      </p:sp>
+      <p:sp>
+        <p:nvSpPr>
+          <p:cNvPr id="32" name="Shape 30"/>
+          <p:cNvSpPr/>
+          <p:nvPr/>
+        </p:nvSpPr>
+        <p:spPr>
+          <a:xfrm>
+            <a:off x="6035040" y="3383280"/>
+            <a:ext cx="2651760" cy="1371600"/>
+          </a:xfrm>
+          <a:prstGeom prst="roundRect">
+            <a:avLst>
+              <a:gd name="adj" fmla="val 6667"/>
+            </a:avLst>
+          </a:prstGeom>
+          <a:solidFill>
+            <a:srgbClr val="252540"/>
+          </a:solidFill>
+          <a:ln/>
+        </p:spPr>
+      </p:sp>
+      <p:sp>
+        <p:nvSpPr>
+          <p:cNvPr id="33" name="Text 31"/>
+          <p:cNvSpPr/>
+          <p:nvPr/>
+        </p:nvSpPr>
+        <p:spPr>
+          <a:xfrm>
+            <a:off x="6035040" y="3429000"/>
+            <a:ext cx="2651760" cy="320040"/>
+          </a:xfrm>
+          <a:prstGeom prst="rect">
+            <a:avLst/>
+          </a:prstGeom>
+          <a:noFill/>
+          <a:ln/>
+        </p:spPr>
+        <p:txBody>
+          <a:bodyPr wrap="square" rtlCol="0" anchor="ctr"/>
+          <a:lstStyle/>
+          <a:p>
+            <a:pPr algn="ctr" indent="0" marL="0">
+              <a:buNone/>
+            </a:pPr>
+            <a:r>
+              <a:rPr lang="en-US" sz="2000" dirty="0">
+                <a:solidFill>
+                  <a:srgbClr val="000000"/>
+                </a:solidFill>
+              </a:rPr>
+              <a:t>🔌</a:t>
+            </a:r>
+            <a:r>
+              <a:rPr lang="en-US" sz="1100" b="1" dirty="0">
+                <a:solidFill>
+                  <a:srgbClr val="DA7756"/>
+                </a:solidFill>
+              </a:rPr>
+              <a:t> MCP</a:t>
+            </a:r>
+            <a:endParaRPr lang="en-US" sz="1100" dirty="0"/>
+          </a:p>
+        </p:txBody>
+      </p:sp>
+      <p:sp>
+        <p:nvSpPr>
+          <p:cNvPr id="34" name="Text 32"/>
+          <p:cNvSpPr/>
+          <p:nvPr/>
+        </p:nvSpPr>
+        <p:spPr>
+          <a:xfrm>
+            <a:off x="6035040" y="3749040"/>
+            <a:ext cx="2651760" cy="228600"/>
+          </a:xfrm>
+          <a:prstGeom prst="rect">
+            <a:avLst/>
+          </a:prstGeom>
+          <a:noFill/>
+          <a:ln/>
+        </p:spPr>
+        <p:txBody>
+          <a:bodyPr wrap="square" rtlCol="0" anchor="ctr"/>
+          <a:lstStyle/>
+          <a:p>
+            <a:pPr algn="ctr" indent="0" marL="0">
+              <a:buNone/>
+            </a:pPr>
+            <a:r>
+              <a:rPr lang="en-US" sz="900" dirty="0">
                 <a:solidFill>
                   <a:srgbClr val="FFFFFF"/>
                 </a:solidFill>
               </a:rPr>
-              <a:t>実戦的な agents, skills, rules, hooks の構成例を提供</a:t>
-            </a:r>
-            <a:endParaRPr lang="en-US" sz="1000" dirty="0"/>
+              <a:t>外部サービス連携</a:t>
+            </a:r>
+            <a:endParaRPr lang="en-US" sz="900" dirty="0"/>
+          </a:p>
+        </p:txBody>
+      </p:sp>
+      <p:sp>
+        <p:nvSpPr>
+          <p:cNvPr id="35" name="Text 33"/>
+          <p:cNvSpPr/>
+          <p:nvPr/>
+        </p:nvSpPr>
+        <p:spPr>
+          <a:xfrm>
+            <a:off x="6035040" y="3977640"/>
+            <a:ext cx="2651760" cy="182880"/>
+          </a:xfrm>
+          <a:prstGeom prst="rect">
+            <a:avLst/>
+          </a:prstGeom>
+          <a:noFill/>
+          <a:ln/>
+        </p:spPr>
+        <p:txBody>
+          <a:bodyPr wrap="square" rtlCol="0" anchor="ctr"/>
+          <a:lstStyle/>
+          <a:p>
+            <a:pPr algn="ctr" indent="0" marL="0">
+              <a:buNone/>
+            </a:pPr>
+            <a:r>
+              <a:rPr lang="en-US" sz="800" b="1" dirty="0">
+                <a:solidFill>
+                  <a:srgbClr val="16A085"/>
+                </a:solidFill>
+              </a:rPr>
+              <a:t>使い方:</a:t>
+            </a:r>
+            <a:endParaRPr lang="en-US" sz="800" dirty="0"/>
+          </a:p>
+        </p:txBody>
+      </p:sp>
+      <p:sp>
+        <p:nvSpPr>
+          <p:cNvPr id="36" name="Text 34"/>
+          <p:cNvSpPr/>
+          <p:nvPr/>
+        </p:nvSpPr>
+        <p:spPr>
+          <a:xfrm>
+            <a:off x="6035040" y="4160520"/>
+            <a:ext cx="2651760" cy="548640"/>
+          </a:xfrm>
+          <a:prstGeom prst="rect">
+            <a:avLst/>
+          </a:prstGeom>
+          <a:noFill/>
+          <a:ln/>
+        </p:spPr>
+        <p:txBody>
+          <a:bodyPr wrap="square" rtlCol="0" anchor="ctr"/>
+          <a:lstStyle/>
+          <a:p>
+            <a:pPr algn="ctr" indent="0" marL="0">
+              <a:buNone/>
+            </a:pPr>
+            <a:r>
+              <a:rPr lang="en-US" sz="700" dirty="0">
+                <a:solidFill>
+                  <a:srgbClr val="CCCCCC"/>
+                </a:solidFill>
+              </a:rPr>
+              <a:t>JSON に設定で接続</a:t>
+            </a:r>
+            <a:endParaRPr lang="en-US" sz="700" dirty="0"/>
+          </a:p>
+          <a:p>
+            <a:pPr algn="ctr" indent="0" marL="0">
+              <a:buNone/>
+            </a:pPr>
+            <a:r>
+              <a:rPr lang="en-US" sz="700" dirty="0">
+                <a:solidFill>
+                  <a:srgbClr val="CCCCCC"/>
+                </a:solidFill>
+                <a:latin typeface="Courier New" pitchFamily="34" charset="0"/>
+              </a:rPr>
+              <a:t>~/.claude.json (mcpServers)</a:t>
+            </a:r>
+            <a:endParaRPr lang="en-US" sz="700" dirty="0"/>
+          </a:p>
+          <a:p>
+            <a:pPr algn="ctr" indent="0" marL="0">
+              <a:buNone/>
+            </a:pPr>
+            <a:r>
+              <a:rPr lang="en-US" sz="700" dirty="0">
+                <a:solidFill>
+                  <a:srgbClr val="CCCCCC"/>
+                </a:solidFill>
+              </a:rPr>
+              <a:t>→ Playwright, Context7 等</a:t>
+            </a:r>
+            <a:endParaRPr lang="en-US" sz="700" dirty="0"/>
           </a:p>
         </p:txBody>
       </p:sp>
@@ -21992,31 +22862,31 @@
         </p:nvSpPr>
         <p:spPr>
           <a:xfrm>
-            <a:off x="365760" y="914400"/>
-            <a:ext cx="8229600" cy="320040"/>
-          </a:xfrm>
-          <a:prstGeom prst="rect">
-            <a:avLst/>
-          </a:prstGeom>
-          <a:noFill/>
-          <a:ln/>
-        </p:spPr>
-        <p:txBody>
-          <a:bodyPr wrap="square" rtlCol="0" anchor="ctr"/>
-          <a:lstStyle/>
-          <a:p>
-            <a:pPr indent="0" marL="0">
-              <a:buNone/>
-            </a:pPr>
-            <a:r>
-              <a:rPr lang="en-US" sz="1400" b="1" dirty="0">
+            <a:off x="365760" y="822960"/>
+            <a:ext cx="4114800" cy="274320"/>
+          </a:xfrm>
+          <a:prstGeom prst="rect">
+            <a:avLst/>
+          </a:prstGeom>
+          <a:noFill/>
+          <a:ln/>
+        </p:spPr>
+        <p:txBody>
+          <a:bodyPr wrap="square" rtlCol="0" anchor="ctr"/>
+          <a:lstStyle/>
+          <a:p>
+            <a:pPr indent="0" marL="0">
+              <a:buNone/>
+            </a:pPr>
+            <a:r>
+              <a:rPr lang="en-US" sz="1200" b="1" dirty="0">
                 <a:solidFill>
                   <a:srgbClr val="16A085"/>
                 </a:solidFill>
               </a:rPr>
-              <a:t>🎮 Phaser 2D GameDev (Oak Woods Platformer) + Agent Skills</a:t>
-            </a:r>
-            <a:endParaRPr lang="en-US" sz="1400" dirty="0"/>
+              <a:t>🔌 Gemini CLI Extensions</a:t>
+            </a:r>
+            <a:endParaRPr lang="en-US" sz="1200" dirty="0"/>
           </a:p>
         </p:txBody>
       </p:sp>
@@ -22028,8 +22898,8 @@
         </p:nvSpPr>
         <p:spPr>
           <a:xfrm>
-            <a:off x="365760" y="1280160"/>
-            <a:ext cx="8412480" cy="1005840"/>
+            <a:off x="365760" y="1097280"/>
+            <a:ext cx="4114800" cy="822960"/>
           </a:xfrm>
           <a:prstGeom prst="roundRect">
             <a:avLst>
@@ -22050,65 +22920,101 @@
         </p:nvSpPr>
         <p:spPr>
           <a:xfrm>
-            <a:off x="457200" y="1371600"/>
-            <a:ext cx="4023360" cy="228600"/>
-          </a:xfrm>
-          <a:prstGeom prst="rect">
-            <a:avLst/>
-          </a:prstGeom>
-          <a:noFill/>
-          <a:ln/>
-        </p:spPr>
-        <p:txBody>
-          <a:bodyPr wrap="square" rtlCol="0" anchor="ctr"/>
-          <a:lstStyle/>
-          <a:p>
-            <a:pPr indent="0" marL="0">
-              <a:buNone/>
-            </a:pPr>
-            <a:r>
-              <a:rPr lang="en-US" sz="1000" b="1" dirty="0">
+            <a:off x="457200" y="1143000"/>
+            <a:ext cx="3931920" cy="182880"/>
+          </a:xfrm>
+          <a:prstGeom prst="rect">
+            <a:avLst/>
+          </a:prstGeom>
+          <a:noFill/>
+          <a:ln/>
+        </p:spPr>
+        <p:txBody>
+          <a:bodyPr wrap="square" rtlCol="0" anchor="ctr"/>
+          <a:lstStyle/>
+          <a:p>
+            <a:pPr indent="0" marL="0">
+              <a:buNone/>
+            </a:pPr>
+            <a:r>
+              <a:rPr lang="en-US" sz="900" dirty="0">
+                <a:solidFill>
+                  <a:srgbClr val="FFFFFF"/>
+                </a:solidFill>
+              </a:rPr>
+              <a:t>342+ のコミュニティ製 Extension</a:t>
+            </a:r>
+            <a:endParaRPr lang="en-US" sz="900" dirty="0"/>
+          </a:p>
+        </p:txBody>
+      </p:sp>
+      <p:sp>
+        <p:nvSpPr>
+          <p:cNvPr id="7" name="Text 5"/>
+          <p:cNvSpPr/>
+          <p:nvPr/>
+        </p:nvSpPr>
+        <p:spPr>
+          <a:xfrm>
+            <a:off x="457200" y="1325880"/>
+            <a:ext cx="3931920" cy="182880"/>
+          </a:xfrm>
+          <a:prstGeom prst="rect">
+            <a:avLst/>
+          </a:prstGeom>
+          <a:noFill/>
+          <a:ln/>
+        </p:spPr>
+        <p:txBody>
+          <a:bodyPr wrap="square" rtlCol="0" anchor="ctr"/>
+          <a:lstStyle/>
+          <a:p>
+            <a:pPr indent="0" marL="0">
+              <a:buNone/>
+            </a:pPr>
+            <a:r>
+              <a:rPr lang="en-US" sz="800" dirty="0">
+                <a:solidFill>
+                  <a:srgbClr val="CCCCCC"/>
+                </a:solidFill>
+              </a:rPr>
+              <a:t>MCP, Skills, Hooks, Context Tools など</a:t>
+            </a:r>
+            <a:endParaRPr lang="en-US" sz="800" dirty="0"/>
+          </a:p>
+        </p:txBody>
+      </p:sp>
+      <p:sp>
+        <p:nvSpPr>
+          <p:cNvPr id="8" name="Text 6"/>
+          <p:cNvSpPr/>
+          <p:nvPr/>
+        </p:nvSpPr>
+        <p:spPr>
+          <a:xfrm>
+            <a:off x="457200" y="1508760"/>
+            <a:ext cx="3931920" cy="182880"/>
+          </a:xfrm>
+          <a:prstGeom prst="rect">
+            <a:avLst/>
+          </a:prstGeom>
+          <a:noFill/>
+          <a:ln/>
+        </p:spPr>
+        <p:txBody>
+          <a:bodyPr wrap="square" rtlCol="0" anchor="ctr"/>
+          <a:lstStyle/>
+          <a:p>
+            <a:pPr indent="0" marL="0">
+              <a:buNone/>
+            </a:pPr>
+            <a:r>
+              <a:rPr lang="en-US" sz="900" b="1" dirty="0">
                 <a:solidFill>
                   <a:srgbClr val="E84142"/>
                 </a:solidFill>
               </a:rPr>
-              <a:t>📺 YouTube チュートリアル</a:t>
-            </a:r>
-            <a:endParaRPr lang="en-US" sz="1000" dirty="0"/>
-          </a:p>
-        </p:txBody>
-      </p:sp>
-      <p:sp>
-        <p:nvSpPr>
-          <p:cNvPr id="7" name="Text 5"/>
-          <p:cNvSpPr/>
-          <p:nvPr/>
-        </p:nvSpPr>
-        <p:spPr>
-          <a:xfrm>
-            <a:off x="457200" y="1600200"/>
-            <a:ext cx="4023360" cy="228600"/>
-          </a:xfrm>
-          <a:prstGeom prst="rect">
-            <a:avLst/>
-          </a:prstGeom>
-          <a:noFill/>
-          <a:ln/>
-        </p:spPr>
-        <p:txBody>
-          <a:bodyPr wrap="square" rtlCol="0" anchor="ctr"/>
-          <a:lstStyle/>
-          <a:p>
-            <a:pPr indent="0" marL="0">
-              <a:buNone/>
-            </a:pPr>
-            <a:r>
-              <a:rPr lang="en-US" sz="900" dirty="0">
-                <a:solidFill>
-                  <a:srgbClr val="CCCCCC"/>
-                </a:solidFill>
-              </a:rPr>
-              <a:t>youtube.com/watch?v=QPZCMd5REP8</a:t>
+              <a:t>📎 geminicli.com/extensions/</a:t>
             </a:r>
             <a:endParaRPr lang="en-US" sz="900" dirty="0"/>
           </a:p>
@@ -22116,73 +23022,37 @@
       </p:sp>
       <p:sp>
         <p:nvSpPr>
-          <p:cNvPr id="8" name="Text 6"/>
-          <p:cNvSpPr/>
-          <p:nvPr/>
-        </p:nvSpPr>
-        <p:spPr>
-          <a:xfrm>
-            <a:off x="4572000" y="1371600"/>
-            <a:ext cx="4114800" cy="228600"/>
-          </a:xfrm>
-          <a:prstGeom prst="rect">
-            <a:avLst/>
-          </a:prstGeom>
-          <a:noFill/>
-          <a:ln/>
-        </p:spPr>
-        <p:txBody>
-          <a:bodyPr wrap="square" rtlCol="0" anchor="ctr"/>
-          <a:lstStyle/>
-          <a:p>
-            <a:pPr indent="0" marL="0">
-              <a:buNone/>
-            </a:pPr>
-            <a:r>
-              <a:rPr lang="en-US" sz="1000" b="1" dirty="0">
-                <a:solidFill>
-                  <a:srgbClr val="E84142"/>
-                </a:solidFill>
-              </a:rPr>
-              <a:t>📁 Oakwoods サンプルゲーム</a:t>
-            </a:r>
-            <a:endParaRPr lang="en-US" sz="1000" dirty="0"/>
-          </a:p>
-        </p:txBody>
-      </p:sp>
-      <p:sp>
-        <p:nvSpPr>
           <p:cNvPr id="9" name="Text 7"/>
           <p:cNvSpPr/>
           <p:nvPr/>
         </p:nvSpPr>
         <p:spPr>
           <a:xfrm>
-            <a:off x="4572000" y="1600200"/>
-            <a:ext cx="4114800" cy="228600"/>
-          </a:xfrm>
-          <a:prstGeom prst="rect">
-            <a:avLst/>
-          </a:prstGeom>
-          <a:noFill/>
-          <a:ln/>
-        </p:spPr>
-        <p:txBody>
-          <a:bodyPr wrap="square" rtlCol="0" anchor="ctr"/>
-          <a:lstStyle/>
-          <a:p>
-            <a:pPr indent="0" marL="0">
-              <a:buNone/>
-            </a:pPr>
-            <a:r>
-              <a:rPr lang="en-US" sz="900" dirty="0">
-                <a:solidFill>
-                  <a:srgbClr val="CCCCCC"/>
-                </a:solidFill>
-              </a:rPr>
-              <a:t>github.com/chongdashu/phaserjs-oakwoods</a:t>
-            </a:r>
-            <a:endParaRPr lang="en-US" sz="900" dirty="0"/>
+            <a:off x="457200" y="1691640"/>
+            <a:ext cx="3931920" cy="182880"/>
+          </a:xfrm>
+          <a:prstGeom prst="rect">
+            <a:avLst/>
+          </a:prstGeom>
+          <a:noFill/>
+          <a:ln/>
+        </p:spPr>
+        <p:txBody>
+          <a:bodyPr wrap="square" rtlCol="0" anchor="ctr"/>
+          <a:lstStyle/>
+          <a:p>
+            <a:pPr indent="0" marL="0">
+              <a:buNone/>
+            </a:pPr>
+            <a:r>
+              <a:rPr lang="en-US" sz="700" dirty="0">
+                <a:solidFill>
+                  <a:srgbClr val="AAAAAA"/>
+                </a:solidFill>
+              </a:rPr>
+              <a:t>※サードパーティ製。セキュリティ要確認</a:t>
+            </a:r>
+            <a:endParaRPr lang="en-US" sz="700" dirty="0"/>
           </a:p>
         </p:txBody>
       </p:sp>
@@ -22194,84 +23064,48 @@
         </p:nvSpPr>
         <p:spPr>
           <a:xfrm>
-            <a:off x="457200" y="1920240"/>
-            <a:ext cx="8229600" cy="274320"/>
-          </a:xfrm>
-          <a:prstGeom prst="rect">
-            <a:avLst/>
-          </a:prstGeom>
-          <a:noFill/>
-          <a:ln/>
-        </p:spPr>
-        <p:txBody>
-          <a:bodyPr wrap="square" rtlCol="0" anchor="ctr"/>
-          <a:lstStyle/>
-          <a:p>
-            <a:pPr algn="ctr" indent="0" marL="0">
-              <a:buNone/>
-            </a:pPr>
-            <a:r>
-              <a:rPr lang="en-US" sz="1000" dirty="0">
-                <a:solidFill>
-                  <a:srgbClr val="FFFFFF"/>
-                </a:solidFill>
-              </a:rPr>
-              <a:t>Phaser.js = HTML5 ゲームフレームワーク。2D ゲーム開発に最適</a:t>
-            </a:r>
-            <a:endParaRPr lang="en-US" sz="1000" dirty="0"/>
-          </a:p>
-        </p:txBody>
-      </p:sp>
-      <p:sp>
-        <p:nvSpPr>
-          <p:cNvPr id="11" name="Text 9"/>
-          <p:cNvSpPr/>
-          <p:nvPr/>
-        </p:nvSpPr>
-        <p:spPr>
-          <a:xfrm>
-            <a:off x="365760" y="2468880"/>
-            <a:ext cx="8229600" cy="320040"/>
-          </a:xfrm>
-          <a:prstGeom prst="rect">
-            <a:avLst/>
-          </a:prstGeom>
-          <a:noFill/>
-          <a:ln/>
-        </p:spPr>
-        <p:txBody>
-          <a:bodyPr wrap="square" rtlCol="0" anchor="ctr"/>
-          <a:lstStyle/>
-          <a:p>
-            <a:pPr indent="0" marL="0">
-              <a:buNone/>
-            </a:pPr>
-            <a:r>
-              <a:rPr lang="en-US" sz="1400" b="1" dirty="0">
-                <a:solidFill>
-                  <a:srgbClr val="16A085"/>
-                </a:solidFill>
-              </a:rPr>
-              <a:t>🖼️ PixiJS ゲーム実装例</a:t>
-            </a:r>
-            <a:endParaRPr lang="en-US" sz="1400" dirty="0"/>
-          </a:p>
-        </p:txBody>
-      </p:sp>
-      <p:sp>
-        <p:nvSpPr>
-          <p:cNvPr id="12" name="Shape 10"/>
-          <p:cNvSpPr/>
-          <p:nvPr/>
-        </p:nvSpPr>
-        <p:spPr>
-          <a:xfrm>
-            <a:off x="365760" y="2834640"/>
-            <a:ext cx="8412480" cy="731520"/>
+            <a:off x="4663440" y="822960"/>
+            <a:ext cx="4114800" cy="274320"/>
+          </a:xfrm>
+          <a:prstGeom prst="rect">
+            <a:avLst/>
+          </a:prstGeom>
+          <a:noFill/>
+          <a:ln/>
+        </p:spPr>
+        <p:txBody>
+          <a:bodyPr wrap="square" rtlCol="0" anchor="ctr"/>
+          <a:lstStyle/>
+          <a:p>
+            <a:pPr indent="0" marL="0">
+              <a:buNone/>
+            </a:pPr>
+            <a:r>
+              <a:rPr lang="en-US" sz="1200" b="1" dirty="0">
+                <a:solidFill>
+                  <a:srgbClr val="DA7756"/>
+                </a:solidFill>
+              </a:rPr>
+              <a:t>🏆 Claude Code 設定集（ハッカソン優勝）</a:t>
+            </a:r>
+            <a:endParaRPr lang="en-US" sz="1200" dirty="0"/>
+          </a:p>
+        </p:txBody>
+      </p:sp>
+      <p:sp>
+        <p:nvSpPr>
+          <p:cNvPr id="11" name="Shape 9"/>
+          <p:cNvSpPr/>
+          <p:nvPr/>
+        </p:nvSpPr>
+        <p:spPr>
+          <a:xfrm>
+            <a:off x="4663440" y="1097280"/>
+            <a:ext cx="4114800" cy="822960"/>
           </a:xfrm>
           <a:prstGeom prst="roundRect">
             <a:avLst>
-              <a:gd name="adj" fmla="val 12500"/>
+              <a:gd name="adj" fmla="val 9091"/>
             </a:avLst>
           </a:prstGeom>
           <a:solidFill>
@@ -22282,37 +23116,73 @@
       </p:sp>
       <p:sp>
         <p:nvSpPr>
+          <p:cNvPr id="12" name="Text 10"/>
+          <p:cNvSpPr/>
+          <p:nvPr/>
+        </p:nvSpPr>
+        <p:spPr>
+          <a:xfrm>
+            <a:off x="4754880" y="1143000"/>
+            <a:ext cx="3931920" cy="182880"/>
+          </a:xfrm>
+          <a:prstGeom prst="rect">
+            <a:avLst/>
+          </a:prstGeom>
+          <a:noFill/>
+          <a:ln/>
+        </p:spPr>
+        <p:txBody>
+          <a:bodyPr wrap="square" rtlCol="0" anchor="ctr"/>
+          <a:lstStyle/>
+          <a:p>
+            <a:pPr indent="0" marL="0">
+              <a:buNone/>
+            </a:pPr>
+            <a:r>
+              <a:rPr lang="en-US" sz="900" dirty="0">
+                <a:solidFill>
+                  <a:srgbClr val="FFFFFF"/>
+                </a:solidFill>
+              </a:rPr>
+              <a:t>Anthropic x Forum Ventures 優勝者の設定</a:t>
+            </a:r>
+            <a:endParaRPr lang="en-US" sz="900" dirty="0"/>
+          </a:p>
+        </p:txBody>
+      </p:sp>
+      <p:sp>
+        <p:nvSpPr>
           <p:cNvPr id="13" name="Text 11"/>
           <p:cNvSpPr/>
           <p:nvPr/>
         </p:nvSpPr>
         <p:spPr>
           <a:xfrm>
-            <a:off x="457200" y="2926080"/>
-            <a:ext cx="8229600" cy="228600"/>
-          </a:xfrm>
-          <a:prstGeom prst="rect">
-            <a:avLst/>
-          </a:prstGeom>
-          <a:noFill/>
-          <a:ln/>
-        </p:spPr>
-        <p:txBody>
-          <a:bodyPr wrap="square" rtlCol="0" anchor="ctr"/>
-          <a:lstStyle/>
-          <a:p>
-            <a:pPr indent="0" marL="0">
-              <a:buNone/>
-            </a:pPr>
-            <a:r>
-              <a:rPr lang="en-US" sz="1000" b="1" dirty="0">
+            <a:off x="4754880" y="1325880"/>
+            <a:ext cx="3931920" cy="182880"/>
+          </a:xfrm>
+          <a:prstGeom prst="rect">
+            <a:avLst/>
+          </a:prstGeom>
+          <a:noFill/>
+          <a:ln/>
+        </p:spPr>
+        <p:txBody>
+          <a:bodyPr wrap="square" rtlCol="0" anchor="ctr"/>
+          <a:lstStyle/>
+          <a:p>
+            <a:pPr indent="0" marL="0">
+              <a:buNone/>
+            </a:pPr>
+            <a:r>
+              <a:rPr lang="en-US" sz="900" b="1" dirty="0">
                 <a:solidFill>
                   <a:srgbClr val="E84142"/>
                 </a:solidFill>
               </a:rPr>
-              <a:t>📁 Avalanche + PixiJS ウォークスルー</a:t>
-            </a:r>
-            <a:endParaRPr lang="en-US" sz="1000" dirty="0"/>
+              <a:t>📁 github.com/affaan-m/everything-claude-code</a:t>
+            </a:r>
+            <a:endParaRPr lang="en-US" sz="900" dirty="0"/>
           </a:p>
         </p:txBody>
       </p:sp>
@@ -22324,29 +23194,29 @@
         </p:nvSpPr>
         <p:spPr>
           <a:xfrm>
-            <a:off x="457200" y="3154680"/>
-            <a:ext cx="8229600" cy="228600"/>
-          </a:xfrm>
-          <a:prstGeom prst="rect">
-            <a:avLst/>
-          </a:prstGeom>
-          <a:noFill/>
-          <a:ln/>
-        </p:spPr>
-        <p:txBody>
-          <a:bodyPr wrap="square" rtlCol="0" anchor="ctr"/>
-          <a:lstStyle/>
-          <a:p>
-            <a:pPr indent="0" marL="0">
-              <a:buNone/>
-            </a:pPr>
-            <a:r>
-              <a:rPr lang="en-US" sz="900" dirty="0">
-                <a:solidFill>
-                  <a:srgbClr val="CCCCCC"/>
-                </a:solidFill>
-              </a:rPr>
-              <a:t>github.com/CobaltSato/avalanche-build-games-tool-kit/tree/walkthrough-pixi</a:t>
+            <a:off x="4754880" y="1508760"/>
+            <a:ext cx="3931920" cy="182880"/>
+          </a:xfrm>
+          <a:prstGeom prst="rect">
+            <a:avLst/>
+          </a:prstGeom>
+          <a:noFill/>
+          <a:ln/>
+        </p:spPr>
+        <p:txBody>
+          <a:bodyPr wrap="square" rtlCol="0" anchor="ctr"/>
+          <a:lstStyle/>
+          <a:p>
+            <a:pPr indent="0" marL="0">
+              <a:buNone/>
+            </a:pPr>
+            <a:r>
+              <a:rPr lang="en-US" sz="900" b="1" dirty="0">
+                <a:solidFill>
+                  <a:srgbClr val="3498DB"/>
+                </a:solidFill>
+              </a:rPr>
+              <a:t>📝 zenn.dev/ttks/articles/a54c7520f827be</a:t>
             </a:r>
             <a:endParaRPr lang="en-US" sz="900" dirty="0"/>
           </a:p>
@@ -22360,31 +23230,31 @@
         </p:nvSpPr>
         <p:spPr>
           <a:xfrm>
-            <a:off x="457200" y="3383280"/>
-            <a:ext cx="8229600" cy="182880"/>
-          </a:xfrm>
-          <a:prstGeom prst="rect">
-            <a:avLst/>
-          </a:prstGeom>
-          <a:noFill/>
-          <a:ln/>
-        </p:spPr>
-        <p:txBody>
-          <a:bodyPr wrap="square" rtlCol="0" anchor="ctr"/>
-          <a:lstStyle/>
-          <a:p>
-            <a:pPr algn="ctr" indent="0" marL="0">
-              <a:buNone/>
-            </a:pPr>
-            <a:r>
-              <a:rPr lang="en-US" sz="900" dirty="0">
-                <a:solidFill>
-                  <a:srgbClr val="FFFFFF"/>
-                </a:solidFill>
-              </a:rPr>
-              <a:t>PixiJS = 高速 2D WebGL レンダリングエンジン</a:t>
-            </a:r>
-            <a:endParaRPr lang="en-US" sz="900" dirty="0"/>
+            <a:off x="4754880" y="1691640"/>
+            <a:ext cx="3931920" cy="182880"/>
+          </a:xfrm>
+          <a:prstGeom prst="rect">
+            <a:avLst/>
+          </a:prstGeom>
+          <a:noFill/>
+          <a:ln/>
+        </p:spPr>
+        <p:txBody>
+          <a:bodyPr wrap="square" rtlCol="0" anchor="ctr"/>
+          <a:lstStyle/>
+          <a:p>
+            <a:pPr indent="0" marL="0">
+              <a:buNone/>
+            </a:pPr>
+            <a:r>
+              <a:rPr lang="en-US" sz="700" dirty="0">
+                <a:solidFill>
+                  <a:srgbClr val="AAAAAA"/>
+                </a:solidFill>
+              </a:rPr>
+              <a:t>↑ 日本語解説記事（Zenn）</a:t>
+            </a:r>
+            <a:endParaRPr lang="en-US" sz="700" dirty="0"/>
           </a:p>
         </p:txBody>
       </p:sp>
@@ -22396,31 +23266,31 @@
         </p:nvSpPr>
         <p:spPr>
           <a:xfrm>
-            <a:off x="365760" y="3749040"/>
-            <a:ext cx="8229600" cy="320040"/>
-          </a:xfrm>
-          <a:prstGeom prst="rect">
-            <a:avLst/>
-          </a:prstGeom>
-          <a:noFill/>
-          <a:ln/>
-        </p:spPr>
-        <p:txBody>
-          <a:bodyPr wrap="square" rtlCol="0" anchor="ctr"/>
-          <a:lstStyle/>
-          <a:p>
-            <a:pPr indent="0" marL="0">
-              <a:buNone/>
-            </a:pPr>
-            <a:r>
-              <a:rPr lang="en-US" sz="1400" b="1" dirty="0">
-                <a:solidFill>
-                  <a:srgbClr val="DA7756"/>
-                </a:solidFill>
-              </a:rPr>
-              <a:t>🏆 Claude Code ハッカソン優勝者の設定集</a:t>
-            </a:r>
-            <a:endParaRPr lang="en-US" sz="1400" dirty="0"/>
+            <a:off x="365760" y="2103120"/>
+            <a:ext cx="4114800" cy="274320"/>
+          </a:xfrm>
+          <a:prstGeom prst="rect">
+            <a:avLst/>
+          </a:prstGeom>
+          <a:noFill/>
+          <a:ln/>
+        </p:spPr>
+        <p:txBody>
+          <a:bodyPr wrap="square" rtlCol="0" anchor="ctr"/>
+          <a:lstStyle/>
+          <a:p>
+            <a:pPr indent="0" marL="0">
+              <a:buNone/>
+            </a:pPr>
+            <a:r>
+              <a:rPr lang="en-US" sz="1200" b="1" dirty="0">
+                <a:solidFill>
+                  <a:srgbClr val="16A085"/>
+                </a:solidFill>
+              </a:rPr>
+              <a:t>🎮 Phaser 2D GameDev + Agent Skills</a:t>
+            </a:r>
+            <a:endParaRPr lang="en-US" sz="1200" dirty="0"/>
           </a:p>
         </p:txBody>
       </p:sp>
@@ -22432,12 +23302,12 @@
         </p:nvSpPr>
         <p:spPr>
           <a:xfrm>
-            <a:off x="365760" y="4114800"/>
-            <a:ext cx="8412480" cy="822960"/>
+            <a:off x="365760" y="2377440"/>
+            <a:ext cx="4114800" cy="731520"/>
           </a:xfrm>
           <a:prstGeom prst="roundRect">
             <a:avLst>
-              <a:gd name="adj" fmla="val 11111"/>
+              <a:gd name="adj" fmla="val 9091"/>
             </a:avLst>
           </a:prstGeom>
           <a:solidFill>
@@ -22454,103 +23324,551 @@
         </p:nvSpPr>
         <p:spPr>
           <a:xfrm>
-            <a:off x="457200" y="4206240"/>
-            <a:ext cx="8229600" cy="228600"/>
-          </a:xfrm>
-          <a:prstGeom prst="rect">
-            <a:avLst/>
-          </a:prstGeom>
-          <a:noFill/>
-          <a:ln/>
-        </p:spPr>
-        <p:txBody>
-          <a:bodyPr wrap="square" rtlCol="0" anchor="ctr"/>
-          <a:lstStyle/>
-          <a:p>
-            <a:pPr indent="0" marL="0">
-              <a:buNone/>
-            </a:pPr>
-            <a:r>
-              <a:rPr lang="en-US" sz="1000" b="1" dirty="0">
-                <a:solidFill>
-                  <a:srgbClr val="DA7756"/>
-                </a:solidFill>
-              </a:rPr>
-              <a:t>📁 everything-claude-code</a:t>
+            <a:off x="457200" y="2423160"/>
+            <a:ext cx="3931920" cy="182880"/>
+          </a:xfrm>
+          <a:prstGeom prst="rect">
+            <a:avLst/>
+          </a:prstGeom>
+          <a:noFill/>
+          <a:ln/>
+        </p:spPr>
+        <p:txBody>
+          <a:bodyPr wrap="square" rtlCol="0" anchor="ctr"/>
+          <a:lstStyle/>
+          <a:p>
+            <a:pPr indent="0" marL="0">
+              <a:buNone/>
+            </a:pPr>
+            <a:r>
+              <a:rPr lang="en-US" sz="900" b="1" dirty="0">
+                <a:solidFill>
+                  <a:srgbClr val="E84142"/>
+                </a:solidFill>
+              </a:rPr>
+              <a:t>📺 youtube.com/watch?v=QPZCMd5REP8</a:t>
+            </a:r>
+            <a:endParaRPr lang="en-US" sz="900" dirty="0"/>
+          </a:p>
+        </p:txBody>
+      </p:sp>
+      <p:sp>
+        <p:nvSpPr>
+          <p:cNvPr id="19" name="Text 17"/>
+          <p:cNvSpPr/>
+          <p:nvPr/>
+        </p:nvSpPr>
+        <p:spPr>
+          <a:xfrm>
+            <a:off x="457200" y="2606040"/>
+            <a:ext cx="3931920" cy="182880"/>
+          </a:xfrm>
+          <a:prstGeom prst="rect">
+            <a:avLst/>
+          </a:prstGeom>
+          <a:noFill/>
+          <a:ln/>
+        </p:spPr>
+        <p:txBody>
+          <a:bodyPr wrap="square" rtlCol="0" anchor="ctr"/>
+          <a:lstStyle/>
+          <a:p>
+            <a:pPr indent="0" marL="0">
+              <a:buNone/>
+            </a:pPr>
+            <a:r>
+              <a:rPr lang="en-US" sz="900" b="1" dirty="0">
+                <a:solidFill>
+                  <a:srgbClr val="E84142"/>
+                </a:solidFill>
+              </a:rPr>
+              <a:t>📁 github.com/chongdashu/phaserjs-oakwoods</a:t>
+            </a:r>
+            <a:endParaRPr lang="en-US" sz="900" dirty="0"/>
+          </a:p>
+        </p:txBody>
+      </p:sp>
+      <p:sp>
+        <p:nvSpPr>
+          <p:cNvPr id="20" name="Text 18"/>
+          <p:cNvSpPr/>
+          <p:nvPr/>
+        </p:nvSpPr>
+        <p:spPr>
+          <a:xfrm>
+            <a:off x="457200" y="2788920"/>
+            <a:ext cx="3931920" cy="274320"/>
+          </a:xfrm>
+          <a:prstGeom prst="rect">
+            <a:avLst/>
+          </a:prstGeom>
+          <a:noFill/>
+          <a:ln/>
+        </p:spPr>
+        <p:txBody>
+          <a:bodyPr wrap="square" rtlCol="0" anchor="ctr"/>
+          <a:lstStyle/>
+          <a:p>
+            <a:pPr indent="0" marL="0">
+              <a:buNone/>
+            </a:pPr>
+            <a:r>
+              <a:rPr lang="en-US" sz="800" dirty="0">
+                <a:solidFill>
+                  <a:srgbClr val="CCCCCC"/>
+                </a:solidFill>
+              </a:rPr>
+              <a:t>Oak Woods Platformer サンプル（Phaser.js）</a:t>
+            </a:r>
+            <a:endParaRPr lang="en-US" sz="800" dirty="0"/>
+          </a:p>
+        </p:txBody>
+      </p:sp>
+      <p:sp>
+        <p:nvSpPr>
+          <p:cNvPr id="21" name="Text 19"/>
+          <p:cNvSpPr/>
+          <p:nvPr/>
+        </p:nvSpPr>
+        <p:spPr>
+          <a:xfrm>
+            <a:off x="4663440" y="2103120"/>
+            <a:ext cx="4114800" cy="274320"/>
+          </a:xfrm>
+          <a:prstGeom prst="rect">
+            <a:avLst/>
+          </a:prstGeom>
+          <a:noFill/>
+          <a:ln/>
+        </p:spPr>
+        <p:txBody>
+          <a:bodyPr wrap="square" rtlCol="0" anchor="ctr"/>
+          <a:lstStyle/>
+          <a:p>
+            <a:pPr indent="0" marL="0">
+              <a:buNone/>
+            </a:pPr>
+            <a:r>
+              <a:rPr lang="en-US" sz="1200" b="1" dirty="0">
+                <a:solidFill>
+                  <a:srgbClr val="16A085"/>
+                </a:solidFill>
+              </a:rPr>
+              <a:t>🖼️ PixiJS + Avalanche 実装例</a:t>
+            </a:r>
+            <a:endParaRPr lang="en-US" sz="1200" dirty="0"/>
+          </a:p>
+        </p:txBody>
+      </p:sp>
+      <p:sp>
+        <p:nvSpPr>
+          <p:cNvPr id="22" name="Shape 20"/>
+          <p:cNvSpPr/>
+          <p:nvPr/>
+        </p:nvSpPr>
+        <p:spPr>
+          <a:xfrm>
+            <a:off x="4663440" y="2377440"/>
+            <a:ext cx="4114800" cy="731520"/>
+          </a:xfrm>
+          <a:prstGeom prst="roundRect">
+            <a:avLst>
+              <a:gd name="adj" fmla="val 9091"/>
+            </a:avLst>
+          </a:prstGeom>
+          <a:solidFill>
+            <a:srgbClr val="252540"/>
+          </a:solidFill>
+          <a:ln/>
+        </p:spPr>
+      </p:sp>
+      <p:sp>
+        <p:nvSpPr>
+          <p:cNvPr id="23" name="Text 21"/>
+          <p:cNvSpPr/>
+          <p:nvPr/>
+        </p:nvSpPr>
+        <p:spPr>
+          <a:xfrm>
+            <a:off x="4754880" y="2423160"/>
+            <a:ext cx="3931920" cy="182880"/>
+          </a:xfrm>
+          <a:prstGeom prst="rect">
+            <a:avLst/>
+          </a:prstGeom>
+          <a:noFill/>
+          <a:ln/>
+        </p:spPr>
+        <p:txBody>
+          <a:bodyPr wrap="square" rtlCol="0" anchor="ctr"/>
+          <a:lstStyle/>
+          <a:p>
+            <a:pPr indent="0" marL="0">
+              <a:buNone/>
+            </a:pPr>
+            <a:r>
+              <a:rPr lang="en-US" sz="900" b="1" dirty="0">
+                <a:solidFill>
+                  <a:srgbClr val="E84142"/>
+                </a:solidFill>
+              </a:rPr>
+              <a:t>📁 avalanche-build-games-tool-kit</a:t>
+            </a:r>
+            <a:endParaRPr lang="en-US" sz="900" dirty="0"/>
+          </a:p>
+        </p:txBody>
+      </p:sp>
+      <p:sp>
+        <p:nvSpPr>
+          <p:cNvPr id="24" name="Text 22"/>
+          <p:cNvSpPr/>
+          <p:nvPr/>
+        </p:nvSpPr>
+        <p:spPr>
+          <a:xfrm>
+            <a:off x="4754880" y="2606040"/>
+            <a:ext cx="3931920" cy="182880"/>
+          </a:xfrm>
+          <a:prstGeom prst="rect">
+            <a:avLst/>
+          </a:prstGeom>
+          <a:noFill/>
+          <a:ln/>
+        </p:spPr>
+        <p:txBody>
+          <a:bodyPr wrap="square" rtlCol="0" anchor="ctr"/>
+          <a:lstStyle/>
+          <a:p>
+            <a:pPr indent="0" marL="0">
+              <a:buNone/>
+            </a:pPr>
+            <a:r>
+              <a:rPr lang="en-US" sz="800" dirty="0">
+                <a:solidFill>
+                  <a:srgbClr val="CCCCCC"/>
+                </a:solidFill>
+              </a:rPr>
+              <a:t>→ walkthrough-pixi ブランチ</a:t>
+            </a:r>
+            <a:endParaRPr lang="en-US" sz="800" dirty="0"/>
+          </a:p>
+        </p:txBody>
+      </p:sp>
+      <p:sp>
+        <p:nvSpPr>
+          <p:cNvPr id="25" name="Text 23"/>
+          <p:cNvSpPr/>
+          <p:nvPr/>
+        </p:nvSpPr>
+        <p:spPr>
+          <a:xfrm>
+            <a:off x="4754880" y="2788920"/>
+            <a:ext cx="3931920" cy="274320"/>
+          </a:xfrm>
+          <a:prstGeom prst="rect">
+            <a:avLst/>
+          </a:prstGeom>
+          <a:noFill/>
+          <a:ln/>
+        </p:spPr>
+        <p:txBody>
+          <a:bodyPr wrap="square" rtlCol="0" anchor="ctr"/>
+          <a:lstStyle/>
+          <a:p>
+            <a:pPr indent="0" marL="0">
+              <a:buNone/>
+            </a:pPr>
+            <a:r>
+              <a:rPr lang="en-US" sz="800" dirty="0">
+                <a:solidFill>
+                  <a:srgbClr val="CCCCCC"/>
+                </a:solidFill>
+              </a:rPr>
+              <a:t>高速 2D WebGL レンダリングエンジン</a:t>
+            </a:r>
+            <a:endParaRPr lang="en-US" sz="800" dirty="0"/>
+          </a:p>
+        </p:txBody>
+      </p:sp>
+      <p:sp>
+        <p:nvSpPr>
+          <p:cNvPr id="26" name="Text 24"/>
+          <p:cNvSpPr/>
+          <p:nvPr/>
+        </p:nvSpPr>
+        <p:spPr>
+          <a:xfrm>
+            <a:off x="365760" y="3291840"/>
+            <a:ext cx="8412480" cy="274320"/>
+          </a:xfrm>
+          <a:prstGeom prst="rect">
+            <a:avLst/>
+          </a:prstGeom>
+          <a:noFill/>
+          <a:ln/>
+        </p:spPr>
+        <p:txBody>
+          <a:bodyPr wrap="square" rtlCol="0" anchor="ctr"/>
+          <a:lstStyle/>
+          <a:p>
+            <a:pPr indent="0" marL="0">
+              <a:buNone/>
+            </a:pPr>
+            <a:r>
+              <a:rPr lang="en-US" sz="1200" b="1" dirty="0">
+                <a:solidFill>
+                  <a:srgbClr val="9B59B6"/>
+                </a:solidFill>
+              </a:rPr>
+              <a:t>📦 公式スキル・プラグイン</a:t>
+            </a:r>
+            <a:endParaRPr lang="en-US" sz="1200" dirty="0"/>
+          </a:p>
+        </p:txBody>
+      </p:sp>
+      <p:sp>
+        <p:nvSpPr>
+          <p:cNvPr id="27" name="Shape 25"/>
+          <p:cNvSpPr/>
+          <p:nvPr/>
+        </p:nvSpPr>
+        <p:spPr>
+          <a:xfrm>
+            <a:off x="365760" y="3566160"/>
+            <a:ext cx="4114800" cy="548640"/>
+          </a:xfrm>
+          <a:prstGeom prst="roundRect">
+            <a:avLst>
+              <a:gd name="adj" fmla="val 9091"/>
+            </a:avLst>
+          </a:prstGeom>
+          <a:solidFill>
+            <a:srgbClr val="252540"/>
+          </a:solidFill>
+          <a:ln/>
+        </p:spPr>
+      </p:sp>
+      <p:sp>
+        <p:nvSpPr>
+          <p:cNvPr id="28" name="Text 26"/>
+          <p:cNvSpPr/>
+          <p:nvPr/>
+        </p:nvSpPr>
+        <p:spPr>
+          <a:xfrm>
+            <a:off x="457200" y="3611880"/>
+            <a:ext cx="3931920" cy="182880"/>
+          </a:xfrm>
+          <a:prstGeom prst="rect">
+            <a:avLst/>
+          </a:prstGeom>
+          <a:noFill/>
+          <a:ln/>
+        </p:spPr>
+        <p:txBody>
+          <a:bodyPr wrap="square" rtlCol="0" anchor="ctr"/>
+          <a:lstStyle/>
+          <a:p>
+            <a:pPr indent="0" marL="0">
+              <a:buNone/>
+            </a:pPr>
+            <a:r>
+              <a:rPr lang="en-US" sz="900" b="1" dirty="0">
+                <a:solidFill>
+                  <a:srgbClr val="9B59B6"/>
+                </a:solidFill>
+              </a:rPr>
+              <a:t>Anthropic 公式 Claude Code Plugins</a:t>
+            </a:r>
+            <a:endParaRPr lang="en-US" sz="900" dirty="0"/>
+          </a:p>
+        </p:txBody>
+      </p:sp>
+      <p:sp>
+        <p:nvSpPr>
+          <p:cNvPr id="29" name="Text 27"/>
+          <p:cNvSpPr/>
+          <p:nvPr/>
+        </p:nvSpPr>
+        <p:spPr>
+          <a:xfrm>
+            <a:off x="457200" y="3794760"/>
+            <a:ext cx="3931920" cy="274320"/>
+          </a:xfrm>
+          <a:prstGeom prst="rect">
+            <a:avLst/>
+          </a:prstGeom>
+          <a:noFill/>
+          <a:ln/>
+        </p:spPr>
+        <p:txBody>
+          <a:bodyPr wrap="square" rtlCol="0" anchor="ctr"/>
+          <a:lstStyle/>
+          <a:p>
+            <a:pPr indent="0" marL="0">
+              <a:buNone/>
+            </a:pPr>
+            <a:r>
+              <a:rPr lang="en-US" sz="800" dirty="0">
+                <a:solidFill>
+                  <a:srgbClr val="CCCCCC"/>
+                </a:solidFill>
+              </a:rPr>
+              <a:t>github.com/anthropics/claude-code/tree/main/plugins</a:t>
+            </a:r>
+            <a:endParaRPr lang="en-US" sz="800" dirty="0"/>
+          </a:p>
+        </p:txBody>
+      </p:sp>
+      <p:sp>
+        <p:nvSpPr>
+          <p:cNvPr id="30" name="Shape 28"/>
+          <p:cNvSpPr/>
+          <p:nvPr/>
+        </p:nvSpPr>
+        <p:spPr>
+          <a:xfrm>
+            <a:off x="4663440" y="3566160"/>
+            <a:ext cx="4114800" cy="548640"/>
+          </a:xfrm>
+          <a:prstGeom prst="roundRect">
+            <a:avLst>
+              <a:gd name="adj" fmla="val 9091"/>
+            </a:avLst>
+          </a:prstGeom>
+          <a:solidFill>
+            <a:srgbClr val="252540"/>
+          </a:solidFill>
+          <a:ln/>
+        </p:spPr>
+      </p:sp>
+      <p:sp>
+        <p:nvSpPr>
+          <p:cNvPr id="31" name="Text 29"/>
+          <p:cNvSpPr/>
+          <p:nvPr/>
+        </p:nvSpPr>
+        <p:spPr>
+          <a:xfrm>
+            <a:off x="4754880" y="3611880"/>
+            <a:ext cx="3931920" cy="182880"/>
+          </a:xfrm>
+          <a:prstGeom prst="rect">
+            <a:avLst/>
+          </a:prstGeom>
+          <a:noFill/>
+          <a:ln/>
+        </p:spPr>
+        <p:txBody>
+          <a:bodyPr wrap="square" rtlCol="0" anchor="ctr"/>
+          <a:lstStyle/>
+          <a:p>
+            <a:pPr indent="0" marL="0">
+              <a:buNone/>
+            </a:pPr>
+            <a:r>
+              <a:rPr lang="en-US" sz="900" b="1" dirty="0">
+                <a:solidFill>
+                  <a:srgbClr val="9B59B6"/>
+                </a:solidFill>
+              </a:rPr>
+              <a:t>Cursor Directory</a:t>
+            </a:r>
+            <a:endParaRPr lang="en-US" sz="900" dirty="0"/>
+          </a:p>
+        </p:txBody>
+      </p:sp>
+      <p:sp>
+        <p:nvSpPr>
+          <p:cNvPr id="32" name="Text 30"/>
+          <p:cNvSpPr/>
+          <p:nvPr/>
+        </p:nvSpPr>
+        <p:spPr>
+          <a:xfrm>
+            <a:off x="4754880" y="3794760"/>
+            <a:ext cx="3931920" cy="274320"/>
+          </a:xfrm>
+          <a:prstGeom prst="rect">
+            <a:avLst/>
+          </a:prstGeom>
+          <a:noFill/>
+          <a:ln/>
+        </p:spPr>
+        <p:txBody>
+          <a:bodyPr wrap="square" rtlCol="0" anchor="ctr"/>
+          <a:lstStyle/>
+          <a:p>
+            <a:pPr indent="0" marL="0">
+              <a:buNone/>
+            </a:pPr>
+            <a:r>
+              <a:rPr lang="en-US" sz="800" dirty="0">
+                <a:solidFill>
+                  <a:srgbClr val="CCCCCC"/>
+                </a:solidFill>
+              </a:rPr>
+              <a:t>cursor.directory/ (Solidity, React 等のベストプラクティス)</a:t>
+            </a:r>
+            <a:endParaRPr lang="en-US" sz="800" dirty="0"/>
+          </a:p>
+        </p:txBody>
+      </p:sp>
+      <p:sp>
+        <p:nvSpPr>
+          <p:cNvPr id="33" name="Text 31"/>
+          <p:cNvSpPr/>
+          <p:nvPr/>
+        </p:nvSpPr>
+        <p:spPr>
+          <a:xfrm>
+            <a:off x="365760" y="4297680"/>
+            <a:ext cx="8412480" cy="548640"/>
+          </a:xfrm>
+          <a:prstGeom prst="roundRect">
+            <a:avLst>
+              <a:gd name="adj" fmla="val 9091"/>
+            </a:avLst>
+          </a:prstGeom>
+          <a:solidFill>
+            <a:srgbClr val="1E3A5F"/>
+          </a:solidFill>
+          <a:ln/>
+        </p:spPr>
+      </p:sp>
+      <p:sp>
+        <p:nvSpPr>
+          <p:cNvPr id="34" name="Text 32"/>
+          <p:cNvSpPr/>
+          <p:nvPr/>
+        </p:nvSpPr>
+        <p:spPr>
+          <a:xfrm>
+            <a:off x="457200" y="4389120"/>
+            <a:ext cx="8229600" cy="365760"/>
+          </a:xfrm>
+          <a:prstGeom prst="rect">
+            <a:avLst/>
+          </a:prstGeom>
+          <a:noFill/>
+          <a:ln/>
+        </p:spPr>
+        <p:txBody>
+          <a:bodyPr wrap="square" rtlCol="0" anchor="ctr"/>
+          <a:lstStyle/>
+          <a:p>
+            <a:pPr algn="ctr" indent="0" marL="0">
+              <a:buNone/>
+            </a:pPr>
+            <a:r>
+              <a:rPr lang="en-US" sz="1000" dirty="0">
+                <a:solidFill>
+                  <a:srgbClr val="FFFFFF"/>
+                </a:solidFill>
+              </a:rPr>
+              <a:t>💡 Gemini CLI と Claude Code のスキルは相互変換可能 → Skill-Creator / /skill-create</a:t>
             </a:r>
             <a:endParaRPr lang="en-US" sz="1000" dirty="0"/>
-          </a:p>
-        </p:txBody>
-      </p:sp>
-      <p:sp>
-        <p:nvSpPr>
-          <p:cNvPr id="19" name="Text 17"/>
-          <p:cNvSpPr/>
-          <p:nvPr/>
-        </p:nvSpPr>
-        <p:spPr>
-          <a:xfrm>
-            <a:off x="457200" y="4434840"/>
-            <a:ext cx="8229600" cy="228600"/>
-          </a:xfrm>
-          <a:prstGeom prst="rect">
-            <a:avLst/>
-          </a:prstGeom>
-          <a:noFill/>
-          <a:ln/>
-        </p:spPr>
-        <p:txBody>
-          <a:bodyPr wrap="square" rtlCol="0" anchor="ctr"/>
-          <a:lstStyle/>
-          <a:p>
-            <a:pPr indent="0" marL="0">
-              <a:buNone/>
-            </a:pPr>
-            <a:r>
-              <a:rPr lang="en-US" sz="900" dirty="0">
-                <a:solidFill>
-                  <a:srgbClr val="CCCCCC"/>
-                </a:solidFill>
-              </a:rPr>
-              <a:t>github.com/affaan-m/everything-claude-code</a:t>
-            </a:r>
-            <a:endParaRPr lang="en-US" sz="900" dirty="0"/>
-          </a:p>
-        </p:txBody>
-      </p:sp>
-      <p:sp>
-        <p:nvSpPr>
-          <p:cNvPr id="20" name="Text 18"/>
-          <p:cNvSpPr/>
-          <p:nvPr/>
-        </p:nvSpPr>
-        <p:spPr>
-          <a:xfrm>
-            <a:off x="457200" y="4663440"/>
-            <a:ext cx="8229600" cy="228600"/>
-          </a:xfrm>
-          <a:prstGeom prst="rect">
-            <a:avLst/>
-          </a:prstGeom>
-          <a:noFill/>
-          <a:ln/>
-        </p:spPr>
-        <p:txBody>
-          <a:bodyPr wrap="square" rtlCol="0" anchor="ctr"/>
-          <a:lstStyle/>
-          <a:p>
-            <a:pPr algn="ctr" indent="0" marL="0">
-              <a:buNone/>
-            </a:pPr>
-            <a:r>
-              <a:rPr lang="en-US" sz="900" dirty="0">
-                <a:solidFill>
-                  <a:srgbClr val="FFFFFF"/>
-                </a:solidFill>
-              </a:rPr>
-              <a:t>Anthropic x Forum Ventures ハッカソン優勝者が10ヶ月以上実戦で使い込んだベストプラクティス</a:t>
-            </a:r>
-            <a:endParaRPr lang="en-US" sz="900" dirty="0"/>
           </a:p>
         </p:txBody>
       </p:sp>
@@ -22808,78 +24126,6 @@
           </a:p>
         </p:txBody>
       </p:sp>
-      <p:sp>
-        <p:nvSpPr>
-          <p:cNvPr id="9" name="Text 7"/>
-          <p:cNvSpPr/>
-          <p:nvPr/>
-        </p:nvSpPr>
-        <p:spPr>
-          <a:xfrm>
-            <a:off x="1828800" y="3840480"/>
-            <a:ext cx="5486400" cy="182880"/>
-          </a:xfrm>
-          <a:prstGeom prst="rect">
-            <a:avLst/>
-          </a:prstGeom>
-          <a:noFill/>
-          <a:ln/>
-        </p:spPr>
-        <p:txBody>
-          <a:bodyPr wrap="square" rtlCol="0" anchor="ctr"/>
-          <a:lstStyle/>
-          <a:p>
-            <a:pPr algn="ctr" indent="0" marL="0">
-              <a:buNone/>
-            </a:pPr>
-            <a:r>
-              <a:rPr lang="en-US" sz="900" dirty="0">
-                <a:solidFill>
-                  <a:srgbClr val="DA7756"/>
-                </a:solidFill>
-              </a:rPr>
-              <a:t>Claude Code を使いたい方 → PR #1 をチェック！</a:t>
-            </a:r>
-            <a:endParaRPr lang="en-US" sz="900" dirty="0"/>
-          </a:p>
-        </p:txBody>
-      </p:sp>
-      <p:sp>
-        <p:nvSpPr>
-          <p:cNvPr id="10" name="Text 8"/>
-          <p:cNvSpPr/>
-          <p:nvPr/>
-        </p:nvSpPr>
-        <p:spPr>
-          <a:xfrm>
-            <a:off x="1828800" y="4023360"/>
-            <a:ext cx="5486400" cy="228600"/>
-          </a:xfrm>
-          <a:prstGeom prst="rect">
-            <a:avLst/>
-          </a:prstGeom>
-          <a:noFill/>
-          <a:ln/>
-        </p:spPr>
-        <p:txBody>
-          <a:bodyPr wrap="square" rtlCol="0" anchor="ctr"/>
-          <a:lstStyle/>
-          <a:p>
-            <a:pPr algn="ctr" indent="0" marL="0">
-              <a:buNone/>
-            </a:pPr>
-            <a:r>
-              <a:rPr lang="en-US" sz="800" dirty="0">
-                <a:solidFill>
-                  <a:srgbClr val="3498DB"/>
-                </a:solidFill>
-              </a:rPr>
-              <a:t>github.com/CobaltSato/avalanche-build-games-tool-kit/pull/1</a:t>
-            </a:r>
-            <a:endParaRPr lang="en-US" sz="800" dirty="0"/>
-          </a:p>
-        </p:txBody>
-      </p:sp>
     </p:spTree>
   </p:cSld>
   <p:clrMapOvr>
@@ -24033,7 +25279,7 @@
                 </a:solidFill>
                 <a:latin typeface="Courier New"/>
               </a:rPr>
-              <a:t>  github.com/ankitchiplunkar/frontend-design</a:t>
+              <a:t>  https://github.com/ankitchiplunkar/frontend-design</a:t>
             </a:r>
             <a:endParaRPr lang="en-US" sz="900" dirty="0"/>
           </a:p>
@@ -29348,7 +30594,7 @@
                   <a:srgbClr val="FFFFFF"/>
                 </a:solidFill>
               </a:rPr>
-              <a:t>Gemini CLI 起動オプション</a:t>
+              <a:t>Gemini CLI 基本操作</a:t>
             </a:r>
             <a:endParaRPr lang="en-US" sz="2400" dirty="0"/>
           </a:p>
@@ -29356,18 +30602,54 @@
       </p:sp>
       <p:sp>
         <p:nvSpPr>
-          <p:cNvPr id="4" name="Shape 2"/>
+          <p:cNvPr id="4" name="Text 2"/>
           <p:cNvSpPr/>
           <p:nvPr/>
         </p:nvSpPr>
         <p:spPr>
           <a:xfrm>
             <a:off x="365760" y="914400"/>
-            <a:ext cx="8412480" cy="502920"/>
+            <a:ext cx="8229600" cy="320040"/>
+          </a:xfrm>
+          <a:prstGeom prst="rect">
+            <a:avLst/>
+          </a:prstGeom>
+          <a:noFill/>
+          <a:ln/>
+        </p:spPr>
+        <p:txBody>
+          <a:bodyPr wrap="square" rtlCol="0" anchor="ctr"/>
+          <a:lstStyle/>
+          <a:p>
+            <a:pPr indent="0" marL="0">
+              <a:buNone/>
+            </a:pPr>
+            <a:r>
+              <a:rPr lang="en-US" sz="1600" b="1" dirty="0">
+                <a:solidFill>
+                  <a:srgbClr val="16A085"/>
+                </a:solidFill>
+              </a:rPr>
+              <a:t>起動</a:t>
+            </a:r>
+            <a:endParaRPr lang="en-US" sz="1600" dirty="0"/>
+          </a:p>
+        </p:txBody>
+      </p:sp>
+      <p:sp>
+        <p:nvSpPr>
+          <p:cNvPr id="5" name="Shape 3"/>
+          <p:cNvSpPr/>
+          <p:nvPr/>
+        </p:nvSpPr>
+        <p:spPr>
+          <a:xfrm>
+            <a:off x="365760" y="1234440"/>
+            <a:ext cx="4023360" cy="640080"/>
           </a:xfrm>
           <a:prstGeom prst="roundRect">
             <a:avLst>
-              <a:gd name="adj" fmla="val 14545"/>
+              <a:gd name="adj" fmla="val 11111"/>
             </a:avLst>
           </a:prstGeom>
           <a:solidFill>
@@ -29378,30 +30660,30 @@
       </p:sp>
       <p:sp>
         <p:nvSpPr>
-          <p:cNvPr id="5" name="Text 3"/>
-          <p:cNvSpPr/>
-          <p:nvPr/>
-        </p:nvSpPr>
-        <p:spPr>
-          <a:xfrm>
-            <a:off x="457200" y="932688"/>
-            <a:ext cx="4572000" cy="228600"/>
-          </a:xfrm>
-          <a:prstGeom prst="rect">
-            <a:avLst/>
-          </a:prstGeom>
-          <a:noFill/>
-          <a:ln/>
-        </p:spPr>
-        <p:txBody>
-          <a:bodyPr wrap="square" rtlCol="0" anchor="ctr"/>
-          <a:lstStyle/>
-          <a:p>
-            <a:pPr indent="0" marL="0">
-              <a:buNone/>
-            </a:pPr>
-            <a:r>
-              <a:rPr lang="en-US" sz="1000" dirty="0">
+          <p:cNvPr id="6" name="Text 4"/>
+          <p:cNvSpPr/>
+          <p:nvPr/>
+        </p:nvSpPr>
+        <p:spPr>
+          <a:xfrm>
+            <a:off x="457200" y="1280160"/>
+            <a:ext cx="3840480" cy="274320"/>
+          </a:xfrm>
+          <a:prstGeom prst="rect">
+            <a:avLst/>
+          </a:prstGeom>
+          <a:noFill/>
+          <a:ln/>
+        </p:spPr>
+        <p:txBody>
+          <a:bodyPr wrap="square" rtlCol="0" anchor="ctr"/>
+          <a:lstStyle/>
+          <a:p>
+            <a:pPr indent="0" marL="0">
+              <a:buNone/>
+            </a:pPr>
+            <a:r>
+              <a:rPr lang="en-US" sz="1400" dirty="0">
                 <a:solidFill>
                   <a:srgbClr val="88FF88"/>
                 </a:solidFill>
@@ -29411,96 +30693,60 @@
               </a:rPr>
               <a:t>gemini</a:t>
             </a:r>
+            <a:endParaRPr lang="en-US" sz="1400" dirty="0"/>
+          </a:p>
+        </p:txBody>
+      </p:sp>
+      <p:sp>
+        <p:nvSpPr>
+          <p:cNvPr id="7" name="Text 5"/>
+          <p:cNvSpPr/>
+          <p:nvPr/>
+        </p:nvSpPr>
+        <p:spPr>
+          <a:xfrm>
+            <a:off x="457200" y="1554480"/>
+            <a:ext cx="3840480" cy="274320"/>
+          </a:xfrm>
+          <a:prstGeom prst="rect">
+            <a:avLst/>
+          </a:prstGeom>
+          <a:noFill/>
+          <a:ln/>
+        </p:spPr>
+        <p:txBody>
+          <a:bodyPr wrap="square" rtlCol="0" anchor="ctr"/>
+          <a:lstStyle/>
+          <a:p>
+            <a:pPr indent="0" marL="0">
+              <a:buNone/>
+            </a:pPr>
+            <a:r>
+              <a:rPr lang="en-US" sz="1000" dirty="0">
+                <a:solidFill>
+                  <a:srgbClr val="CCCCCC"/>
+                </a:solidFill>
+              </a:rPr>
+              <a:t>対話モードで起動（初回は認証が必要）</a:t>
+            </a:r>
             <a:endParaRPr lang="en-US" sz="1000" dirty="0"/>
           </a:p>
         </p:txBody>
       </p:sp>
       <p:sp>
         <p:nvSpPr>
-          <p:cNvPr id="6" name="Text 4"/>
-          <p:cNvSpPr/>
-          <p:nvPr/>
-        </p:nvSpPr>
-        <p:spPr>
-          <a:xfrm>
-            <a:off x="5120640" y="932688"/>
-            <a:ext cx="2011680" cy="228600"/>
-          </a:xfrm>
-          <a:prstGeom prst="rect">
-            <a:avLst/>
-          </a:prstGeom>
-          <a:noFill/>
-          <a:ln/>
-        </p:spPr>
-        <p:txBody>
-          <a:bodyPr wrap="square" rtlCol="0" anchor="ctr"/>
-          <a:lstStyle/>
-          <a:p>
-            <a:pPr indent="0" marL="0">
-              <a:buNone/>
-            </a:pPr>
-            <a:r>
-              <a:rPr lang="en-US" sz="1000" b="1" dirty="0">
-                <a:solidFill>
-                  <a:srgbClr val="16A085"/>
-                </a:solidFill>
-              </a:rPr>
-              <a:t>対話モードで起動</a:t>
-            </a:r>
-            <a:endParaRPr lang="en-US" sz="1000" dirty="0"/>
-          </a:p>
-        </p:txBody>
-      </p:sp>
-      <p:sp>
-        <p:nvSpPr>
-          <p:cNvPr id="7" name="Text 5"/>
-          <p:cNvSpPr/>
-          <p:nvPr/>
-        </p:nvSpPr>
-        <p:spPr>
-          <a:xfrm>
-            <a:off x="457200" y="1170432"/>
-            <a:ext cx="7772400" cy="201168"/>
-          </a:xfrm>
-          <a:prstGeom prst="rect">
-            <a:avLst/>
-          </a:prstGeom>
-          <a:noFill/>
-          <a:ln/>
-        </p:spPr>
-        <p:txBody>
-          <a:bodyPr wrap="square" rtlCol="0" anchor="ctr"/>
-          <a:lstStyle/>
-          <a:p>
-            <a:pPr indent="0" marL="0">
-              <a:buNone/>
-            </a:pPr>
-            <a:r>
-              <a:rPr lang="en-US" sz="900" dirty="0">
-                <a:solidFill>
-                  <a:srgbClr val="CCCCCC"/>
-                </a:solidFill>
-              </a:rPr>
-              <a:t>基本の起動方法</a:t>
-            </a:r>
-            <a:endParaRPr lang="en-US" sz="900" dirty="0"/>
-          </a:p>
-        </p:txBody>
-      </p:sp>
-      <p:sp>
-        <p:nvSpPr>
           <p:cNvPr id="8" name="Shape 6"/>
           <p:cNvSpPr/>
           <p:nvPr/>
         </p:nvSpPr>
         <p:spPr>
           <a:xfrm>
-            <a:off x="365760" y="1481328"/>
-            <a:ext cx="8412480" cy="502920"/>
+            <a:off x="4571999" y="1234440"/>
+            <a:ext cx="4206240" cy="640080"/>
           </a:xfrm>
           <a:prstGeom prst="roundRect">
             <a:avLst>
-              <a:gd name="adj" fmla="val 14545"/>
+              <a:gd name="adj" fmla="val 11111"/>
             </a:avLst>
           </a:prstGeom>
           <a:solidFill>
@@ -29517,24 +30763,24 @@
         </p:nvSpPr>
         <p:spPr>
           <a:xfrm>
-            <a:off x="457200" y="1499616"/>
-            <a:ext cx="4572000" cy="228600"/>
-          </a:xfrm>
-          <a:prstGeom prst="rect">
-            <a:avLst/>
-          </a:prstGeom>
-          <a:noFill/>
-          <a:ln/>
-        </p:spPr>
-        <p:txBody>
-          <a:bodyPr wrap="square" rtlCol="0" anchor="ctr"/>
-          <a:lstStyle/>
-          <a:p>
-            <a:pPr indent="0" marL="0">
-              <a:buNone/>
-            </a:pPr>
-            <a:r>
-              <a:rPr lang="en-US" sz="1000" dirty="0">
+            <a:off x="4663439" y="1280160"/>
+            <a:ext cx="4023360" cy="274320"/>
+          </a:xfrm>
+          <a:prstGeom prst="rect">
+            <a:avLst/>
+          </a:prstGeom>
+          <a:noFill/>
+          <a:ln/>
+        </p:spPr>
+        <p:txBody>
+          <a:bodyPr wrap="square" rtlCol="0" anchor="ctr"/>
+          <a:lstStyle/>
+          <a:p>
+            <a:pPr indent="0" marL="0">
+              <a:buNone/>
+            </a:pPr>
+            <a:r>
+              <a:rPr lang="en-US" sz="1400" dirty="0">
                 <a:solidFill>
                   <a:srgbClr val="88FF88"/>
                 </a:solidFill>
@@ -29542,7 +30788,43 @@
                 <a:ea typeface="Courier New" pitchFamily="34" charset="-122"/>
                 <a:cs typeface="Courier New" pitchFamily="34" charset="-120"/>
               </a:rPr>
-              <a:t>gemini -m gemini-2.5-flash</a:t>
+              <a:t>gemini --resume latest</a:t>
+            </a:r>
+            <a:endParaRPr lang="en-US" sz="1400" dirty="0"/>
+          </a:p>
+        </p:txBody>
+      </p:sp>
+      <p:sp>
+        <p:nvSpPr>
+          <p:cNvPr id="10" name="Text 8"/>
+          <p:cNvSpPr/>
+          <p:nvPr/>
+        </p:nvSpPr>
+        <p:spPr>
+          <a:xfrm>
+            <a:off x="4663439" y="1554480"/>
+            <a:ext cx="4023360" cy="274320"/>
+          </a:xfrm>
+          <a:prstGeom prst="rect">
+            <a:avLst/>
+          </a:prstGeom>
+          <a:noFill/>
+          <a:ln/>
+        </p:spPr>
+        <p:txBody>
+          <a:bodyPr wrap="square" rtlCol="0" anchor="ctr"/>
+          <a:lstStyle/>
+          <a:p>
+            <a:pPr indent="0" marL="0">
+              <a:buNone/>
+            </a:pPr>
+            <a:r>
+              <a:rPr lang="en-US" sz="1000" dirty="0">
+                <a:solidFill>
+                  <a:srgbClr val="CCCCCC"/>
+                </a:solidFill>
+              </a:rPr>
+              <a:t>前回のセッションを再開</a:t>
             </a:r>
             <a:endParaRPr lang="en-US" sz="1000" dirty="0"/>
           </a:p>
@@ -29550,73 +30832,37 @@
       </p:sp>
       <p:sp>
         <p:nvSpPr>
-          <p:cNvPr id="10" name="Text 8"/>
-          <p:cNvSpPr/>
-          <p:nvPr/>
-        </p:nvSpPr>
-        <p:spPr>
-          <a:xfrm>
-            <a:off x="5120640" y="1499616"/>
-            <a:ext cx="2011680" cy="228600"/>
-          </a:xfrm>
-          <a:prstGeom prst="rect">
-            <a:avLst/>
-          </a:prstGeom>
-          <a:noFill/>
-          <a:ln/>
-        </p:spPr>
-        <p:txBody>
-          <a:bodyPr wrap="square" rtlCol="0" anchor="ctr"/>
-          <a:lstStyle/>
-          <a:p>
-            <a:pPr indent="0" marL="0">
-              <a:buNone/>
-            </a:pPr>
-            <a:r>
-              <a:rPr lang="en-US" sz="1000" b="1" dirty="0">
-                <a:solidFill>
-                  <a:srgbClr val="16A085"/>
-                </a:solidFill>
-              </a:rPr>
-              <a:t>モデル指定</a:t>
-            </a:r>
-            <a:endParaRPr lang="en-US" sz="1000" dirty="0"/>
-          </a:p>
-        </p:txBody>
-      </p:sp>
-      <p:sp>
-        <p:nvSpPr>
           <p:cNvPr id="11" name="Text 9"/>
           <p:cNvSpPr/>
           <p:nvPr/>
         </p:nvSpPr>
         <p:spPr>
           <a:xfrm>
-            <a:off x="457200" y="1737360"/>
-            <a:ext cx="7772400" cy="201168"/>
-          </a:xfrm>
-          <a:prstGeom prst="rect">
-            <a:avLst/>
-          </a:prstGeom>
-          <a:noFill/>
-          <a:ln/>
-        </p:spPr>
-        <p:txBody>
-          <a:bodyPr wrap="square" rtlCol="0" anchor="ctr"/>
-          <a:lstStyle/>
-          <a:p>
-            <a:pPr indent="0" marL="0">
-              <a:buNone/>
-            </a:pPr>
-            <a:r>
-              <a:rPr lang="en-US" sz="900" dirty="0">
-                <a:solidFill>
-                  <a:srgbClr val="CCCCCC"/>
-                </a:solidFill>
-              </a:rPr>
-              <a:t>高速モデルを使用</a:t>
-            </a:r>
-            <a:endParaRPr lang="en-US" sz="900" dirty="0"/>
+            <a:off x="365760" y="2011680"/>
+            <a:ext cx="8229600" cy="320040"/>
+          </a:xfrm>
+          <a:prstGeom prst="rect">
+            <a:avLst/>
+          </a:prstGeom>
+          <a:noFill/>
+          <a:ln/>
+        </p:spPr>
+        <p:txBody>
+          <a:bodyPr wrap="square" rtlCol="0" anchor="ctr"/>
+          <a:lstStyle/>
+          <a:p>
+            <a:pPr indent="0" marL="0">
+              <a:buNone/>
+            </a:pPr>
+            <a:r>
+              <a:rPr lang="en-US" sz="1600" b="1" dirty="0">
+                <a:solidFill>
+                  <a:srgbClr val="DA7756"/>
+                </a:solidFill>
+              </a:rPr>
+              <a:t>基本操作</a:t>
+            </a:r>
+            <a:endParaRPr lang="en-US" sz="1600" dirty="0"/>
           </a:p>
         </p:txBody>
       </p:sp>
@@ -29628,12 +30874,12 @@
         </p:nvSpPr>
         <p:spPr>
           <a:xfrm>
-            <a:off x="365760" y="2048256"/>
-            <a:ext cx="8412480" cy="502920"/>
+            <a:off x="365760" y="2331720"/>
+            <a:ext cx="2651760" cy="822960"/>
           </a:xfrm>
           <a:prstGeom prst="roundRect">
             <a:avLst>
-              <a:gd name="adj" fmla="val 14545"/>
+              <a:gd name="adj" fmla="val 9091"/>
             </a:avLst>
           </a:prstGeom>
           <a:solidFill>
@@ -29644,187 +30890,90 @@
       </p:sp>
       <p:sp>
         <p:nvSpPr>
-          <p:cNvPr id="13" name="Shape 11"/>
-          <p:cNvSpPr/>
-          <p:nvPr/>
-        </p:nvSpPr>
-        <p:spPr>
-          <a:xfrm>
-            <a:off x="411480" y="2157984"/>
-            <a:ext cx="457200" cy="274320"/>
+          <p:cNvPr id="13" name="Text 11"/>
+          <p:cNvSpPr/>
+          <p:nvPr/>
+        </p:nvSpPr>
+        <p:spPr>
+          <a:xfrm>
+            <a:off x="365760" y="2377440"/>
+            <a:ext cx="2651760" cy="365760"/>
+          </a:xfrm>
+          <a:prstGeom prst="rect">
+            <a:avLst/>
+          </a:prstGeom>
+          <a:noFill/>
+          <a:ln/>
+        </p:spPr>
+        <p:txBody>
+          <a:bodyPr wrap="square" rtlCol="0" anchor="ctr"/>
+          <a:lstStyle/>
+          <a:p>
+            <a:pPr algn="ctr" indent="0" marL="0">
+              <a:buNone/>
+            </a:pPr>
+            <a:r>
+              <a:rPr lang="en-US" sz="2400" dirty="0">
+                <a:solidFill>
+                  <a:srgbClr val="E84142"/>
+                </a:solidFill>
+              </a:rPr>
+              <a:t>Ctrl + C</a:t>
+            </a:r>
+            <a:endParaRPr lang="en-US" sz="2400" dirty="0"/>
+          </a:p>
+        </p:txBody>
+      </p:sp>
+      <p:sp>
+        <p:nvSpPr>
+          <p:cNvPr id="14" name="Text 12"/>
+          <p:cNvSpPr/>
+          <p:nvPr/>
+        </p:nvSpPr>
+        <p:spPr>
+          <a:xfrm>
+            <a:off x="365760" y="2743200"/>
+            <a:ext cx="2651760" cy="365760"/>
+          </a:xfrm>
+          <a:prstGeom prst="rect">
+            <a:avLst/>
+          </a:prstGeom>
+          <a:noFill/>
+          <a:ln/>
+        </p:spPr>
+        <p:txBody>
+          <a:bodyPr wrap="square" rtlCol="0" anchor="ctr"/>
+          <a:lstStyle/>
+          <a:p>
+            <a:pPr algn="ctr" indent="0" marL="0">
+              <a:buNone/>
+            </a:pPr>
+            <a:r>
+              <a:rPr lang="en-US" sz="1200" dirty="0">
+                <a:solidFill>
+                  <a:srgbClr val="FFFFFF"/>
+                </a:solidFill>
+              </a:rPr>
+              <a:t>セッションを終了</a:t>
+            </a:r>
+            <a:endParaRPr lang="en-US" sz="1200" dirty="0"/>
+          </a:p>
+        </p:txBody>
+      </p:sp>
+      <p:sp>
+        <p:nvSpPr>
+          <p:cNvPr id="15" name="Shape 13"/>
+          <p:cNvSpPr/>
+          <p:nvPr/>
+        </p:nvSpPr>
+        <p:spPr>
+          <a:xfrm>
+            <a:off x="3200400" y="2331720"/>
+            <a:ext cx="2651760" cy="822960"/>
           </a:xfrm>
           <a:prstGeom prst="roundRect">
             <a:avLst>
-              <a:gd name="adj" fmla="val 50000"/>
-            </a:avLst>
-          </a:prstGeom>
-          <a:solidFill>
-            <a:srgbClr val="9B59B6"/>
-          </a:solidFill>
-          <a:ln/>
-        </p:spPr>
-      </p:sp>
-      <p:sp>
-        <p:nvSpPr>
-          <p:cNvPr id="14" name="Text 12"/>
-          <p:cNvSpPr/>
-          <p:nvPr/>
-        </p:nvSpPr>
-        <p:spPr>
-          <a:xfrm>
-            <a:off x="411480" y="2157984"/>
-            <a:ext cx="457200" cy="274320"/>
-          </a:xfrm>
-          <a:prstGeom prst="rect">
-            <a:avLst/>
-          </a:prstGeom>
-          <a:noFill/>
-          <a:ln/>
-        </p:spPr>
-        <p:txBody>
-          <a:bodyPr wrap="square" rtlCol="0" anchor="ctr"/>
-          <a:lstStyle/>
-          <a:p>
-            <a:pPr algn="ctr" indent="0" marL="0">
-              <a:buNone/>
-            </a:pPr>
-            <a:r>
-              <a:rPr lang="en-US" sz="700" b="1" dirty="0">
-                <a:solidFill>
-                  <a:srgbClr val="FFFFFF"/>
-                </a:solidFill>
-              </a:rPr>
-              <a:t>NEW</a:t>
-            </a:r>
-            <a:endParaRPr lang="en-US" sz="700" dirty="0"/>
-          </a:p>
-        </p:txBody>
-      </p:sp>
-      <p:sp>
-        <p:nvSpPr>
-          <p:cNvPr id="15" name="Text 13"/>
-          <p:cNvSpPr/>
-          <p:nvPr/>
-        </p:nvSpPr>
-        <p:spPr>
-          <a:xfrm>
-            <a:off x="914400" y="2066544"/>
-            <a:ext cx="4572000" cy="228600"/>
-          </a:xfrm>
-          <a:prstGeom prst="rect">
-            <a:avLst/>
-          </a:prstGeom>
-          <a:noFill/>
-          <a:ln/>
-        </p:spPr>
-        <p:txBody>
-          <a:bodyPr wrap="square" rtlCol="0" anchor="ctr"/>
-          <a:lstStyle/>
-          <a:p>
-            <a:pPr indent="0" marL="0">
-              <a:buNone/>
-            </a:pPr>
-            <a:r>
-              <a:rPr lang="en-US" sz="1000" dirty="0">
-                <a:solidFill>
-                  <a:srgbClr val="88FF88"/>
-                </a:solidFill>
-                <a:latin typeface="Courier New" pitchFamily="34" charset="0"/>
-                <a:ea typeface="Courier New" pitchFamily="34" charset="-122"/>
-                <a:cs typeface="Courier New" pitchFamily="34" charset="-120"/>
-              </a:rPr>
-              <a:t>gemini --resume [index/UUID]</a:t>
-            </a:r>
-            <a:endParaRPr lang="en-US" sz="1000" dirty="0"/>
-          </a:p>
-        </p:txBody>
-      </p:sp>
-      <p:sp>
-        <p:nvSpPr>
-          <p:cNvPr id="16" name="Text 14"/>
-          <p:cNvSpPr/>
-          <p:nvPr/>
-        </p:nvSpPr>
-        <p:spPr>
-          <a:xfrm>
-            <a:off x="5120640" y="2066544"/>
-            <a:ext cx="2011680" cy="228600"/>
-          </a:xfrm>
-          <a:prstGeom prst="rect">
-            <a:avLst/>
-          </a:prstGeom>
-          <a:noFill/>
-          <a:ln/>
-        </p:spPr>
-        <p:txBody>
-          <a:bodyPr wrap="square" rtlCol="0" anchor="ctr"/>
-          <a:lstStyle/>
-          <a:p>
-            <a:pPr indent="0" marL="0">
-              <a:buNone/>
-            </a:pPr>
-            <a:r>
-              <a:rPr lang="en-US" sz="1000" b="1" dirty="0">
-                <a:solidFill>
-                  <a:srgbClr val="16A085"/>
-                </a:solidFill>
-              </a:rPr>
-              <a:t>セッション再開</a:t>
-            </a:r>
-            <a:endParaRPr lang="en-US" sz="1000" dirty="0"/>
-          </a:p>
-        </p:txBody>
-      </p:sp>
-      <p:sp>
-        <p:nvSpPr>
-          <p:cNvPr id="17" name="Text 15"/>
-          <p:cNvSpPr/>
-          <p:nvPr/>
-        </p:nvSpPr>
-        <p:spPr>
-          <a:xfrm>
-            <a:off x="914400" y="2304288"/>
-            <a:ext cx="7772400" cy="201168"/>
-          </a:xfrm>
-          <a:prstGeom prst="rect">
-            <a:avLst/>
-          </a:prstGeom>
-          <a:noFill/>
-          <a:ln/>
-        </p:spPr>
-        <p:txBody>
-          <a:bodyPr wrap="square" rtlCol="0" anchor="ctr"/>
-          <a:lstStyle/>
-          <a:p>
-            <a:pPr indent="0" marL="0">
-              <a:buNone/>
-            </a:pPr>
-            <a:r>
-              <a:rPr lang="en-US" sz="900" dirty="0">
-                <a:solidFill>
-                  <a:srgbClr val="CCCCCC"/>
-                </a:solidFill>
-              </a:rPr>
-              <a:t>前回の続きから</a:t>
-            </a:r>
-            <a:endParaRPr lang="en-US" sz="900" dirty="0"/>
-          </a:p>
-        </p:txBody>
-      </p:sp>
-      <p:sp>
-        <p:nvSpPr>
-          <p:cNvPr id="18" name="Shape 16"/>
-          <p:cNvSpPr/>
-          <p:nvPr/>
-        </p:nvSpPr>
-        <p:spPr>
-          <a:xfrm>
-            <a:off x="365760" y="2615184"/>
-            <a:ext cx="8412480" cy="502920"/>
-          </a:xfrm>
-          <a:prstGeom prst="roundRect">
-            <a:avLst>
-              <a:gd name="adj" fmla="val 14545"/>
+              <a:gd name="adj" fmla="val 9091"/>
             </a:avLst>
           </a:prstGeom>
           <a:solidFill>
@@ -29835,187 +30984,91 @@
       </p:sp>
       <p:sp>
         <p:nvSpPr>
-          <p:cNvPr id="19" name="Shape 17"/>
-          <p:cNvSpPr/>
-          <p:nvPr/>
-        </p:nvSpPr>
-        <p:spPr>
-          <a:xfrm>
-            <a:off x="411480" y="2724912"/>
-            <a:ext cx="457200" cy="274320"/>
+          <p:cNvPr id="16" name="Text 14"/>
+          <p:cNvSpPr/>
+          <p:nvPr/>
+        </p:nvSpPr>
+        <p:spPr>
+          <a:xfrm>
+            <a:off x="3200400" y="2377440"/>
+            <a:ext cx="2651760" cy="365760"/>
+          </a:xfrm>
+          <a:prstGeom prst="rect">
+            <a:avLst/>
+          </a:prstGeom>
+          <a:noFill/>
+          <a:ln/>
+        </p:spPr>
+        <p:txBody>
+          <a:bodyPr wrap="square" rtlCol="0" anchor="ctr"/>
+          <a:lstStyle/>
+          <a:p>
+            <a:pPr algn="ctr" indent="0" marL="0">
+              <a:buNone/>
+            </a:pPr>
+            <a:r>
+              <a:rPr lang="en-US" sz="2400" dirty="0">
+                <a:solidFill>
+                  <a:srgbClr val="88FF88"/>
+                </a:solidFill>
+                <a:latin typeface="Courier New" pitchFamily="34" charset="0"/>
+              </a:rPr>
+              <a:t>/help</a:t>
+            </a:r>
+            <a:endParaRPr lang="en-US" sz="2400" dirty="0"/>
+          </a:p>
+        </p:txBody>
+      </p:sp>
+      <p:sp>
+        <p:nvSpPr>
+          <p:cNvPr id="17" name="Text 15"/>
+          <p:cNvSpPr/>
+          <p:nvPr/>
+        </p:nvSpPr>
+        <p:spPr>
+          <a:xfrm>
+            <a:off x="3200400" y="2743200"/>
+            <a:ext cx="2651760" cy="365760"/>
+          </a:xfrm>
+          <a:prstGeom prst="rect">
+            <a:avLst/>
+          </a:prstGeom>
+          <a:noFill/>
+          <a:ln/>
+        </p:spPr>
+        <p:txBody>
+          <a:bodyPr wrap="square" rtlCol="0" anchor="ctr"/>
+          <a:lstStyle/>
+          <a:p>
+            <a:pPr algn="ctr" indent="0" marL="0">
+              <a:buNone/>
+            </a:pPr>
+            <a:r>
+              <a:rPr lang="en-US" sz="1200" dirty="0">
+                <a:solidFill>
+                  <a:srgbClr val="FFFFFF"/>
+                </a:solidFill>
+              </a:rPr>
+              <a:t>ヘルプを表示</a:t>
+            </a:r>
+            <a:endParaRPr lang="en-US" sz="1200" dirty="0"/>
+          </a:p>
+        </p:txBody>
+      </p:sp>
+      <p:sp>
+        <p:nvSpPr>
+          <p:cNvPr id="18" name="Shape 16"/>
+          <p:cNvSpPr/>
+          <p:nvPr/>
+        </p:nvSpPr>
+        <p:spPr>
+          <a:xfrm>
+            <a:off x="6035040" y="2331720"/>
+            <a:ext cx="2651760" cy="822960"/>
           </a:xfrm>
           <a:prstGeom prst="roundRect">
             <a:avLst>
-              <a:gd name="adj" fmla="val 50000"/>
-            </a:avLst>
-          </a:prstGeom>
-          <a:solidFill>
-            <a:srgbClr val="9B59B6"/>
-          </a:solidFill>
-          <a:ln/>
-        </p:spPr>
-      </p:sp>
-      <p:sp>
-        <p:nvSpPr>
-          <p:cNvPr id="20" name="Text 18"/>
-          <p:cNvSpPr/>
-          <p:nvPr/>
-        </p:nvSpPr>
-        <p:spPr>
-          <a:xfrm>
-            <a:off x="411480" y="2724912"/>
-            <a:ext cx="457200" cy="274320"/>
-          </a:xfrm>
-          <a:prstGeom prst="rect">
-            <a:avLst/>
-          </a:prstGeom>
-          <a:noFill/>
-          <a:ln/>
-        </p:spPr>
-        <p:txBody>
-          <a:bodyPr wrap="square" rtlCol="0" anchor="ctr"/>
-          <a:lstStyle/>
-          <a:p>
-            <a:pPr algn="ctr" indent="0" marL="0">
-              <a:buNone/>
-            </a:pPr>
-            <a:r>
-              <a:rPr lang="en-US" sz="700" b="1" dirty="0">
-                <a:solidFill>
-                  <a:srgbClr val="FFFFFF"/>
-                </a:solidFill>
-              </a:rPr>
-              <a:t>NEW</a:t>
-            </a:r>
-            <a:endParaRPr lang="en-US" sz="700" dirty="0"/>
-          </a:p>
-        </p:txBody>
-      </p:sp>
-      <p:sp>
-        <p:nvSpPr>
-          <p:cNvPr id="21" name="Text 19"/>
-          <p:cNvSpPr/>
-          <p:nvPr/>
-        </p:nvSpPr>
-        <p:spPr>
-          <a:xfrm>
-            <a:off x="914400" y="2633472"/>
-            <a:ext cx="4572000" cy="228600"/>
-          </a:xfrm>
-          <a:prstGeom prst="rect">
-            <a:avLst/>
-          </a:prstGeom>
-          <a:noFill/>
-          <a:ln/>
-        </p:spPr>
-        <p:txBody>
-          <a:bodyPr wrap="square" rtlCol="0" anchor="ctr"/>
-          <a:lstStyle/>
-          <a:p>
-            <a:pPr indent="0" marL="0">
-              <a:buNone/>
-            </a:pPr>
-            <a:r>
-              <a:rPr lang="en-US" sz="1000" dirty="0">
-                <a:solidFill>
-                  <a:srgbClr val="88FF88"/>
-                </a:solidFill>
-                <a:latin typeface="Courier New" pitchFamily="34" charset="0"/>
-                <a:ea typeface="Courier New" pitchFamily="34" charset="-122"/>
-                <a:cs typeface="Courier New" pitchFamily="34" charset="-120"/>
-              </a:rPr>
-              <a:t>gemini --sandbox / -s</a:t>
-            </a:r>
-            <a:endParaRPr lang="en-US" sz="1000" dirty="0"/>
-          </a:p>
-        </p:txBody>
-      </p:sp>
-      <p:sp>
-        <p:nvSpPr>
-          <p:cNvPr id="22" name="Text 20"/>
-          <p:cNvSpPr/>
-          <p:nvPr/>
-        </p:nvSpPr>
-        <p:spPr>
-          <a:xfrm>
-            <a:off x="5120640" y="2633472"/>
-            <a:ext cx="2011680" cy="228600"/>
-          </a:xfrm>
-          <a:prstGeom prst="rect">
-            <a:avLst/>
-          </a:prstGeom>
-          <a:noFill/>
-          <a:ln/>
-        </p:spPr>
-        <p:txBody>
-          <a:bodyPr wrap="square" rtlCol="0" anchor="ctr"/>
-          <a:lstStyle/>
-          <a:p>
-            <a:pPr indent="0" marL="0">
-              <a:buNone/>
-            </a:pPr>
-            <a:r>
-              <a:rPr lang="en-US" sz="1000" b="1" dirty="0">
-                <a:solidFill>
-                  <a:srgbClr val="16A085"/>
-                </a:solidFill>
-              </a:rPr>
-              <a:t>サンドボックス</a:t>
-            </a:r>
-            <a:endParaRPr lang="en-US" sz="1000" dirty="0"/>
-          </a:p>
-        </p:txBody>
-      </p:sp>
-      <p:sp>
-        <p:nvSpPr>
-          <p:cNvPr id="23" name="Text 21"/>
-          <p:cNvSpPr/>
-          <p:nvPr/>
-        </p:nvSpPr>
-        <p:spPr>
-          <a:xfrm>
-            <a:off x="914400" y="2871216"/>
-            <a:ext cx="7772400" cy="201168"/>
-          </a:xfrm>
-          <a:prstGeom prst="rect">
-            <a:avLst/>
-          </a:prstGeom>
-          <a:noFill/>
-          <a:ln/>
-        </p:spPr>
-        <p:txBody>
-          <a:bodyPr wrap="square" rtlCol="0" anchor="ctr"/>
-          <a:lstStyle/>
-          <a:p>
-            <a:pPr indent="0" marL="0">
-              <a:buNone/>
-            </a:pPr>
-            <a:r>
-              <a:rPr lang="en-US" sz="900" dirty="0">
-                <a:solidFill>
-                  <a:srgbClr val="CCCCCC"/>
-                </a:solidFill>
-              </a:rPr>
-              <a:t>Docker で安全に実行</a:t>
-            </a:r>
-            <a:endParaRPr lang="en-US" sz="900" dirty="0"/>
-          </a:p>
-        </p:txBody>
-      </p:sp>
-      <p:sp>
-        <p:nvSpPr>
-          <p:cNvPr id="24" name="Shape 22"/>
-          <p:cNvSpPr/>
-          <p:nvPr/>
-        </p:nvSpPr>
-        <p:spPr>
-          <a:xfrm>
-            <a:off x="365760" y="3182112"/>
-            <a:ext cx="8412480" cy="502920"/>
-          </a:xfrm>
-          <a:prstGeom prst="roundRect">
-            <a:avLst>
-              <a:gd name="adj" fmla="val 14545"/>
+              <a:gd name="adj" fmla="val 9091"/>
             </a:avLst>
           </a:prstGeom>
           <a:solidFill>
@@ -30026,129 +31079,127 @@
       </p:sp>
       <p:sp>
         <p:nvSpPr>
-          <p:cNvPr id="25" name="Text 23"/>
-          <p:cNvSpPr/>
-          <p:nvPr/>
-        </p:nvSpPr>
-        <p:spPr>
-          <a:xfrm>
-            <a:off x="457200" y="3200400"/>
-            <a:ext cx="4572000" cy="228600"/>
-          </a:xfrm>
-          <a:prstGeom prst="rect">
-            <a:avLst/>
-          </a:prstGeom>
-          <a:noFill/>
-          <a:ln/>
-        </p:spPr>
-        <p:txBody>
-          <a:bodyPr wrap="square" rtlCol="0" anchor="ctr"/>
-          <a:lstStyle/>
-          <a:p>
-            <a:pPr indent="0" marL="0">
-              <a:buNone/>
-            </a:pPr>
-            <a:r>
-              <a:rPr lang="en-US" sz="1000" dirty="0">
+          <p:cNvPr id="19" name="Text 17"/>
+          <p:cNvSpPr/>
+          <p:nvPr/>
+        </p:nvSpPr>
+        <p:spPr>
+          <a:xfrm>
+            <a:off x="6035040" y="2377440"/>
+            <a:ext cx="2651760" cy="365760"/>
+          </a:xfrm>
+          <a:prstGeom prst="rect">
+            <a:avLst/>
+          </a:prstGeom>
+          <a:noFill/>
+          <a:ln/>
+        </p:spPr>
+        <p:txBody>
+          <a:bodyPr wrap="square" rtlCol="0" anchor="ctr"/>
+          <a:lstStyle/>
+          <a:p>
+            <a:pPr algn="ctr" indent="0" marL="0">
+              <a:buNone/>
+            </a:pPr>
+            <a:r>
+              <a:rPr lang="en-US" sz="2400" dirty="0">
                 <a:solidFill>
                   <a:srgbClr val="88FF88"/>
                 </a:solidFill>
                 <a:latin typeface="Courier New" pitchFamily="34" charset="0"/>
-                <a:ea typeface="Courier New" pitchFamily="34" charset="-122"/>
-                <a:cs typeface="Courier New" pitchFamily="34" charset="-120"/>
-              </a:rPr>
-              <a:t>gemini --yolo</a:t>
-            </a:r>
-            <a:endParaRPr lang="en-US" sz="1000" dirty="0"/>
-          </a:p>
-        </p:txBody>
-      </p:sp>
-      <p:sp>
-        <p:nvSpPr>
-          <p:cNvPr id="26" name="Text 24"/>
-          <p:cNvSpPr/>
-          <p:nvPr/>
-        </p:nvSpPr>
-        <p:spPr>
-          <a:xfrm>
-            <a:off x="5120640" y="3200400"/>
-            <a:ext cx="2011680" cy="228600"/>
-          </a:xfrm>
-          <a:prstGeom prst="rect">
-            <a:avLst/>
-          </a:prstGeom>
-          <a:noFill/>
-          <a:ln/>
-        </p:spPr>
-        <p:txBody>
-          <a:bodyPr wrap="square" rtlCol="0" anchor="ctr"/>
-          <a:lstStyle/>
-          <a:p>
-            <a:pPr indent="0" marL="0">
-              <a:buNone/>
-            </a:pPr>
-            <a:r>
-              <a:rPr lang="en-US" sz="1000" b="1" dirty="0">
-                <a:solidFill>
-                  <a:srgbClr val="16A085"/>
-                </a:solidFill>
-              </a:rPr>
-              <a:t>全ツール自動承認</a:t>
-            </a:r>
-            <a:endParaRPr lang="en-US" sz="1000" dirty="0"/>
-          </a:p>
-        </p:txBody>
-      </p:sp>
-      <p:sp>
-        <p:nvSpPr>
-          <p:cNvPr id="27" name="Text 25"/>
-          <p:cNvSpPr/>
-          <p:nvPr/>
-        </p:nvSpPr>
-        <p:spPr>
-          <a:xfrm>
-            <a:off x="457200" y="3438144"/>
-            <a:ext cx="7772400" cy="201168"/>
-          </a:xfrm>
-          <a:prstGeom prst="rect">
-            <a:avLst/>
-          </a:prstGeom>
-          <a:noFill/>
-          <a:ln/>
-        </p:spPr>
-        <p:txBody>
-          <a:bodyPr wrap="square" rtlCol="0" anchor="ctr"/>
-          <a:lstStyle/>
-          <a:p>
-            <a:pPr indent="0" marL="0">
-              <a:buNone/>
-            </a:pPr>
-            <a:r>
-              <a:rPr lang="en-US" sz="900" dirty="0">
-                <a:solidFill>
-                  <a:srgbClr val="CCCCCC"/>
-                </a:solidFill>
-              </a:rPr>
-              <a:t>確認なしで実行</a:t>
-            </a:r>
-            <a:endParaRPr lang="en-US" sz="900" dirty="0"/>
-          </a:p>
-        </p:txBody>
-      </p:sp>
-      <p:sp>
-        <p:nvSpPr>
-          <p:cNvPr id="28" name="Shape 26"/>
-          <p:cNvSpPr/>
-          <p:nvPr/>
-        </p:nvSpPr>
-        <p:spPr>
-          <a:xfrm>
-            <a:off x="365760" y="3749040"/>
-            <a:ext cx="8412480" cy="502920"/>
+              </a:rPr>
+              <a:t>Enter</a:t>
+            </a:r>
+            <a:endParaRPr lang="en-US" sz="2400" dirty="0"/>
+          </a:p>
+        </p:txBody>
+      </p:sp>
+      <p:sp>
+        <p:nvSpPr>
+          <p:cNvPr id="20" name="Text 18"/>
+          <p:cNvSpPr/>
+          <p:nvPr/>
+        </p:nvSpPr>
+        <p:spPr>
+          <a:xfrm>
+            <a:off x="6035040" y="2743200"/>
+            <a:ext cx="2651760" cy="365760"/>
+          </a:xfrm>
+          <a:prstGeom prst="rect">
+            <a:avLst/>
+          </a:prstGeom>
+          <a:noFill/>
+          <a:ln/>
+        </p:spPr>
+        <p:txBody>
+          <a:bodyPr wrap="square" rtlCol="0" anchor="ctr"/>
+          <a:lstStyle/>
+          <a:p>
+            <a:pPr algn="ctr" indent="0" marL="0">
+              <a:buNone/>
+            </a:pPr>
+            <a:r>
+              <a:rPr lang="en-US" sz="1200" dirty="0">
+                <a:solidFill>
+                  <a:srgbClr val="FFFFFF"/>
+                </a:solidFill>
+              </a:rPr>
+              <a:t>メッセージを送信</a:t>
+            </a:r>
+            <a:endParaRPr lang="en-US" sz="1200" dirty="0"/>
+          </a:p>
+        </p:txBody>
+      </p:sp>
+      <p:sp>
+        <p:nvSpPr>
+          <p:cNvPr id="21" name="Text 19"/>
+          <p:cNvSpPr/>
+          <p:nvPr/>
+        </p:nvSpPr>
+        <p:spPr>
+          <a:xfrm>
+            <a:off x="365760" y="3291840"/>
+            <a:ext cx="8229600" cy="320040"/>
+          </a:xfrm>
+          <a:prstGeom prst="rect">
+            <a:avLst/>
+          </a:prstGeom>
+          <a:noFill/>
+          <a:ln/>
+        </p:spPr>
+        <p:txBody>
+          <a:bodyPr wrap="square" rtlCol="0" anchor="ctr"/>
+          <a:lstStyle/>
+          <a:p>
+            <a:pPr indent="0" marL="0">
+              <a:buNone/>
+            </a:pPr>
+            <a:r>
+              <a:rPr lang="en-US" sz="1600" b="1" dirty="0">
+                <a:solidFill>
+                  <a:srgbClr val="9B59B6"/>
+                </a:solidFill>
+              </a:rPr>
+              <a:t>ツール実行の確認</a:t>
+            </a:r>
+            <a:endParaRPr lang="en-US" sz="1600" dirty="0"/>
+          </a:p>
+        </p:txBody>
+      </p:sp>
+      <p:sp>
+        <p:nvSpPr>
+          <p:cNvPr id="22" name="Shape 20"/>
+          <p:cNvSpPr/>
+          <p:nvPr/>
+        </p:nvSpPr>
+        <p:spPr>
+          <a:xfrm>
+            <a:off x="365760" y="3611880"/>
+            <a:ext cx="8412480" cy="914400"/>
           </a:xfrm>
           <a:prstGeom prst="roundRect">
             <a:avLst>
-              <a:gd name="adj" fmla="val 14545"/>
+              <a:gd name="adj" fmla="val 8000"/>
             </a:avLst>
           </a:prstGeom>
           <a:solidFill>
@@ -30159,36 +31210,204 @@
       </p:sp>
       <p:sp>
         <p:nvSpPr>
-          <p:cNvPr id="29" name="Shape 27"/>
-          <p:cNvSpPr/>
-          <p:nvPr/>
-        </p:nvSpPr>
-        <p:spPr>
-          <a:xfrm>
-            <a:off x="411480" y="3858768"/>
-            <a:ext cx="457200" cy="274320"/>
+          <p:cNvPr id="23" name="Text 21"/>
+          <p:cNvSpPr/>
+          <p:nvPr/>
+        </p:nvSpPr>
+        <p:spPr>
+          <a:xfrm>
+            <a:off x="457200" y="3703320"/>
+            <a:ext cx="8229600" cy="365760"/>
+          </a:xfrm>
+          <a:prstGeom prst="rect">
+            <a:avLst/>
+          </a:prstGeom>
+          <a:noFill/>
+          <a:ln/>
+        </p:spPr>
+        <p:txBody>
+          <a:bodyPr wrap="square" rtlCol="0" anchor="ctr"/>
+          <a:lstStyle/>
+          <a:p>
+            <a:pPr indent="0" marL="0">
+              <a:buNone/>
+            </a:pPr>
+            <a:r>
+              <a:rPr lang="en-US" sz="1100" dirty="0">
+                <a:solidFill>
+                  <a:srgbClr val="FFFFFF"/>
+                </a:solidFill>
+              </a:rPr>
+              <a:t>Gemini がファイル編集やコマンド実行をする前に確認が表示されます:</a:t>
+            </a:r>
+            <a:endParaRPr lang="en-US" sz="1100" dirty="0"/>
+          </a:p>
+        </p:txBody>
+      </p:sp>
+      <p:sp>
+        <p:nvSpPr>
+          <p:cNvPr id="24" name="Text 22"/>
+          <p:cNvSpPr/>
+          <p:nvPr/>
+        </p:nvSpPr>
+        <p:spPr>
+          <a:xfrm>
+            <a:off x="457200" y="4023360"/>
+            <a:ext cx="2651760" cy="365760"/>
+          </a:xfrm>
+          <a:prstGeom prst="rect">
+            <a:avLst/>
+          </a:prstGeom>
+          <a:noFill/>
+          <a:ln/>
+        </p:spPr>
+        <p:txBody>
+          <a:bodyPr wrap="square" rtlCol="0" anchor="ctr"/>
+          <a:lstStyle/>
+          <a:p>
+            <a:pPr indent="0" marL="0">
+              <a:buNone/>
+            </a:pPr>
+            <a:r>
+              <a:rPr lang="en-US" sz="1400" b="1" dirty="0">
+                <a:solidFill>
+                  <a:srgbClr val="16A085"/>
+                </a:solidFill>
+              </a:rPr>
+              <a:t>y</a:t>
+            </a:r>
+            <a:r>
+              <a:rPr lang="en-US" sz="1100" dirty="0">
+                <a:solidFill>
+                  <a:srgbClr val="CCCCCC"/>
+                </a:solidFill>
+              </a:rPr>
+              <a:t> = 許可</a:t>
+            </a:r>
+            <a:endParaRPr lang="en-US" sz="1100" dirty="0"/>
+          </a:p>
+        </p:txBody>
+      </p:sp>
+      <p:sp>
+        <p:nvSpPr>
+          <p:cNvPr id="25" name="Text 23"/>
+          <p:cNvSpPr/>
+          <p:nvPr/>
+        </p:nvSpPr>
+        <p:spPr>
+          <a:xfrm>
+            <a:off x="3200400" y="4023360"/>
+            <a:ext cx="2651760" cy="365760"/>
+          </a:xfrm>
+          <a:prstGeom prst="rect">
+            <a:avLst/>
+          </a:prstGeom>
+          <a:noFill/>
+          <a:ln/>
+        </p:spPr>
+        <p:txBody>
+          <a:bodyPr wrap="square" rtlCol="0" anchor="ctr"/>
+          <a:lstStyle/>
+          <a:p>
+            <a:pPr indent="0" marL="0">
+              <a:buNone/>
+            </a:pPr>
+            <a:r>
+              <a:rPr lang="en-US" sz="1400" b="1" dirty="0">
+                <a:solidFill>
+                  <a:srgbClr val="E84142"/>
+                </a:solidFill>
+              </a:rPr>
+              <a:t>n</a:t>
+            </a:r>
+            <a:r>
+              <a:rPr lang="en-US" sz="1100" dirty="0">
+                <a:solidFill>
+                  <a:srgbClr val="CCCCCC"/>
+                </a:solidFill>
+              </a:rPr>
+              <a:t> = 拒否</a:t>
+            </a:r>
+            <a:endParaRPr lang="en-US" sz="1100" dirty="0"/>
+          </a:p>
+        </p:txBody>
+      </p:sp>
+      <p:sp>
+        <p:nvSpPr>
+          <p:cNvPr id="26" name="Text 24"/>
+          <p:cNvSpPr/>
+          <p:nvPr/>
+        </p:nvSpPr>
+        <p:spPr>
+          <a:xfrm>
+            <a:off x="5943600" y="4023360"/>
+            <a:ext cx="2651760" cy="365760"/>
+          </a:xfrm>
+          <a:prstGeom prst="rect">
+            <a:avLst/>
+          </a:prstGeom>
+          <a:noFill/>
+          <a:ln/>
+        </p:spPr>
+        <p:txBody>
+          <a:bodyPr wrap="square" rtlCol="0" anchor="ctr"/>
+          <a:lstStyle/>
+          <a:p>
+            <a:pPr indent="0" marL="0">
+              <a:buNone/>
+            </a:pPr>
+            <a:r>
+              <a:rPr lang="en-US" sz="1400" b="1" dirty="0">
+                <a:solidFill>
+                  <a:srgbClr val="F1C40F"/>
+                </a:solidFill>
+              </a:rPr>
+              <a:t>a</a:t>
+            </a:r>
+            <a:r>
+              <a:rPr lang="en-US" sz="1100" dirty="0">
+                <a:solidFill>
+                  <a:srgbClr val="CCCCCC"/>
+                </a:solidFill>
+              </a:rPr>
+              <a:t> = 今後すべて許可</a:t>
+            </a:r>
+            <a:endParaRPr lang="en-US" sz="1100" dirty="0"/>
+          </a:p>
+        </p:txBody>
+      </p:sp>
+      <p:sp>
+        <p:nvSpPr>
+          <p:cNvPr id="27" name="Shape 25"/>
+          <p:cNvSpPr/>
+          <p:nvPr/>
+        </p:nvSpPr>
+        <p:spPr>
+          <a:xfrm>
+            <a:off x="365760" y="4663440"/>
+            <a:ext cx="8412480" cy="365760"/>
           </a:xfrm>
           <a:prstGeom prst="roundRect">
             <a:avLst>
-              <a:gd name="adj" fmla="val 50000"/>
+              <a:gd name="adj" fmla="val 25000"/>
             </a:avLst>
           </a:prstGeom>
           <a:solidFill>
-            <a:srgbClr val="9B59B6"/>
+            <a:srgbClr val="2D4A3E"/>
           </a:solidFill>
           <a:ln/>
         </p:spPr>
       </p:sp>
       <p:sp>
         <p:nvSpPr>
-          <p:cNvPr id="30" name="Text 28"/>
-          <p:cNvSpPr/>
-          <p:nvPr/>
-        </p:nvSpPr>
-        <p:spPr>
-          <a:xfrm>
-            <a:off x="411480" y="3858768"/>
-            <a:ext cx="457200" cy="274320"/>
+          <p:cNvPr id="28" name="Text 26"/>
+          <p:cNvSpPr/>
+          <p:nvPr/>
+        </p:nvSpPr>
+        <p:spPr>
+          <a:xfrm>
+            <a:off x="457200" y="4709160"/>
+            <a:ext cx="8229600" cy="274320"/>
           </a:xfrm>
           <a:prstGeom prst="rect">
             <a:avLst/>
@@ -30204,183 +31423,14 @@
               <a:buNone/>
             </a:pPr>
             <a:r>
-              <a:rPr lang="en-US" sz="700" b="1" dirty="0">
+              <a:rPr lang="en-US" sz="1100" dirty="0">
                 <a:solidFill>
                   <a:srgbClr val="FFFFFF"/>
                 </a:solidFill>
               </a:rPr>
-              <a:t>NEW</a:t>
-            </a:r>
-            <a:endParaRPr lang="en-US" sz="700" dirty="0"/>
-          </a:p>
-        </p:txBody>
-      </p:sp>
-      <p:sp>
-        <p:nvSpPr>
-          <p:cNvPr id="31" name="Text 29"/>
-          <p:cNvSpPr/>
-          <p:nvPr/>
-        </p:nvSpPr>
-        <p:spPr>
-          <a:xfrm>
-            <a:off x="914400" y="3767328"/>
-            <a:ext cx="4572000" cy="228600"/>
-          </a:xfrm>
-          <a:prstGeom prst="rect">
-            <a:avLst/>
-          </a:prstGeom>
-          <a:noFill/>
-          <a:ln/>
-        </p:spPr>
-        <p:txBody>
-          <a:bodyPr wrap="square" rtlCol="0" anchor="ctr"/>
-          <a:lstStyle/>
-          <a:p>
-            <a:pPr indent="0" marL="0">
-              <a:buNone/>
-            </a:pPr>
-            <a:r>
-              <a:rPr lang="en-US" sz="1000" dirty="0">
-                <a:solidFill>
-                  <a:srgbClr val="88FF88"/>
-                </a:solidFill>
-                <a:latin typeface="Courier New" pitchFamily="34" charset="0"/>
-                <a:ea typeface="Courier New" pitchFamily="34" charset="-122"/>
-                <a:cs typeface="Courier New" pitchFamily="34" charset="-120"/>
-              </a:rPr>
-              <a:t>gemini --allowed-tools "ShellTool(git)"</a:t>
-            </a:r>
-            <a:endParaRPr lang="en-US" sz="1000" dirty="0"/>
-          </a:p>
-        </p:txBody>
-      </p:sp>
-      <p:sp>
-        <p:nvSpPr>
-          <p:cNvPr id="32" name="Text 30"/>
-          <p:cNvSpPr/>
-          <p:nvPr/>
-        </p:nvSpPr>
-        <p:spPr>
-          <a:xfrm>
-            <a:off x="5120640" y="3767328"/>
-            <a:ext cx="2011680" cy="228600"/>
-          </a:xfrm>
-          <a:prstGeom prst="rect">
-            <a:avLst/>
-          </a:prstGeom>
-          <a:noFill/>
-          <a:ln/>
-        </p:spPr>
-        <p:txBody>
-          <a:bodyPr wrap="square" rtlCol="0" anchor="ctr"/>
-          <a:lstStyle/>
-          <a:p>
-            <a:pPr indent="0" marL="0">
-              <a:buNone/>
-            </a:pPr>
-            <a:r>
-              <a:rPr lang="en-US" sz="1000" b="1" dirty="0">
-                <a:solidFill>
-                  <a:srgbClr val="16A085"/>
-                </a:solidFill>
-              </a:rPr>
-              <a:t>特定ツールのみ許可</a:t>
-            </a:r>
-            <a:endParaRPr lang="en-US" sz="1000" dirty="0"/>
-          </a:p>
-        </p:txBody>
-      </p:sp>
-      <p:sp>
-        <p:nvSpPr>
-          <p:cNvPr id="33" name="Text 31"/>
-          <p:cNvSpPr/>
-          <p:nvPr/>
-        </p:nvSpPr>
-        <p:spPr>
-          <a:xfrm>
-            <a:off x="914400" y="4005072"/>
-            <a:ext cx="7772400" cy="201168"/>
-          </a:xfrm>
-          <a:prstGeom prst="rect">
-            <a:avLst/>
-          </a:prstGeom>
-          <a:noFill/>
-          <a:ln/>
-        </p:spPr>
-        <p:txBody>
-          <a:bodyPr wrap="square" rtlCol="0" anchor="ctr"/>
-          <a:lstStyle/>
-          <a:p>
-            <a:pPr indent="0" marL="0">
-              <a:buNone/>
-            </a:pPr>
-            <a:r>
-              <a:rPr lang="en-US" sz="900" dirty="0">
-                <a:solidFill>
-                  <a:srgbClr val="CCCCCC"/>
-                </a:solidFill>
-              </a:rPr>
-              <a:t>指定したツールの確認をスキップ</a:t>
-            </a:r>
-            <a:endParaRPr lang="en-US" sz="900" dirty="0"/>
-          </a:p>
-        </p:txBody>
-      </p:sp>
-      <p:sp>
-        <p:nvSpPr>
-          <p:cNvPr id="34" name="Shape 32"/>
-          <p:cNvSpPr/>
-          <p:nvPr/>
-        </p:nvSpPr>
-        <p:spPr>
-          <a:xfrm>
-            <a:off x="365760" y="4389120"/>
-            <a:ext cx="8412480" cy="502920"/>
-          </a:xfrm>
-          <a:prstGeom prst="roundRect">
-            <a:avLst>
-              <a:gd name="adj" fmla="val 14545"/>
-            </a:avLst>
-          </a:prstGeom>
-          <a:solidFill>
-            <a:srgbClr val="4A2D2D"/>
-          </a:solidFill>
-          <a:ln/>
-        </p:spPr>
-      </p:sp>
-      <p:sp>
-        <p:nvSpPr>
-          <p:cNvPr id="35" name="Text 33"/>
-          <p:cNvSpPr/>
-          <p:nvPr/>
-        </p:nvSpPr>
-        <p:spPr>
-          <a:xfrm>
-            <a:off x="457200" y="4434840"/>
-            <a:ext cx="8229600" cy="411480"/>
-          </a:xfrm>
-          <a:prstGeom prst="rect">
-            <a:avLst/>
-          </a:prstGeom>
-          <a:noFill/>
-          <a:ln/>
-        </p:spPr>
-        <p:txBody>
-          <a:bodyPr wrap="square" rtlCol="0" anchor="ctr"/>
-          <a:lstStyle/>
-          <a:p>
-            <a:pPr algn="ctr" indent="0" marL="0">
-              <a:buNone/>
-            </a:pPr>
-            <a:r>
-              <a:rPr lang="en-US" sz="1000" dirty="0">
-                <a:solidFill>
-                  <a:srgbClr val="F1C40F"/>
-                </a:solidFill>
-              </a:rPr>
-              <a:t>⚠️ --yolo は自動でサンドボックスが有効になります。意図しないファイル変更に注意</a:t>
-            </a:r>
-            <a:endParaRPr lang="en-US" sz="1000" dirty="0"/>
+              <a:t>💡 困ったら日本語で質問するだけ！ Gemini が適切なツールを選んで実行します</a:t>
+            </a:r>
+            <a:endParaRPr lang="en-US" sz="1100" dirty="0"/>
           </a:p>
         </p:txBody>
       </p:sp>

--- a/docs/hands-on/avalanche-ai-handson-demo.pptx
+++ b/docs/hands-on/avalanche-ai-handson-demo.pptx
@@ -7505,7 +7505,7 @@
                   <a:srgbClr val="DA7756"/>
                 </a:solidFill>
               </a:rPr>
-              <a:t>geminicli.com/extensions/</a:t>
+              <a:t>https://geminicli.com/extensions/</a:t>
             </a:r>
             <a:endParaRPr lang="en-US" sz="1000" dirty="0"/>
           </a:p>
@@ -9760,7 +9760,7 @@
                   <a:srgbClr val="CCCCCC"/>
                 </a:solidFill>
               </a:rPr>
-              <a:t>build.avax.network/</a:t>
+              <a:t>https://build.avax.network/</a:t>
             </a:r>
             <a:endParaRPr lang="en-US" sz="900" dirty="0"/>
           </a:p>
@@ -9924,7 +9924,7 @@
                   <a:srgbClr val="CCCCCC"/>
                 </a:solidFill>
               </a:rPr>
-              <a:t>remix.ethereum.org</a:t>
+              <a:t>https://remix.ethereum.org</a:t>
             </a:r>
             <a:endParaRPr lang="en-US" sz="900" dirty="0"/>
           </a:p>
@@ -14316,7 +14316,7 @@
                   <a:srgbClr val="CCCCCC"/>
                 </a:solidFill>
               </a:rPr>
-              <a:t>core.app/download</a:t>
+              <a:t>https://core.app/download</a:t>
             </a:r>
             <a:endParaRPr lang="en-US" sz="700" dirty="0"/>
           </a:p>
@@ -14388,7 +14388,7 @@
                   <a:srgbClr val="CCCCCC"/>
                 </a:solidFill>
               </a:rPr>
-              <a:t>build.avax.network/console/primary-network/faucet</a:t>
+              <a:t>https://build.avax.network/console/primary-network/faucet</a:t>
             </a:r>
             <a:endParaRPr lang="en-US" sz="700" dirty="0"/>
           </a:p>
@@ -14460,7 +14460,7 @@
                   <a:srgbClr val="CCCCCC"/>
                 </a:solidFill>
               </a:rPr>
-              <a:t>remix.ethereum.org</a:t>
+              <a:t>https://remix.ethereum.org</a:t>
             </a:r>
             <a:endParaRPr lang="en-US" sz="700" dirty="0"/>
           </a:p>
@@ -14532,7 +14532,7 @@
                   <a:srgbClr val="CCCCCC"/>
                 </a:solidFill>
               </a:rPr>
-              <a:t>github.com/google-gemini/gemini-cli</a:t>
+              <a:t>https://github.com/google-gemini/gemini-cli</a:t>
             </a:r>
             <a:endParaRPr lang="en-US" sz="700" dirty="0"/>
           </a:p>
@@ -14604,7 +14604,7 @@
                   <a:srgbClr val="CCCCCC"/>
                 </a:solidFill>
               </a:rPr>
-              <a:t>github.com/CobaltSato/react-grid-game-rendering-skill</a:t>
+              <a:t>https://github.com/CobaltSato/react-grid-game-rendering-skill</a:t>
             </a:r>
             <a:endParaRPr lang="en-US" sz="700" dirty="0"/>
           </a:p>
@@ -14676,7 +14676,7 @@
                   <a:srgbClr val="CCCCCC"/>
                 </a:solidFill>
               </a:rPr>
-              <a:t>cursor.directory (AI プロンプト・ルール集)</a:t>
+              <a:t>https://cursor.directory (AI プロンプト・ルール集)</a:t>
             </a:r>
             <a:endParaRPr lang="en-US" sz="700" dirty="0"/>
           </a:p>
@@ -23014,7 +23014,7 @@
                   <a:srgbClr val="E84142"/>
                 </a:solidFill>
               </a:rPr>
-              <a:t>📎 geminicli.com/extensions/</a:t>
+              <a:t>📎 https://geminicli.com/extensions/</a:t>
             </a:r>
             <a:endParaRPr lang="en-US" sz="900" dirty="0"/>
           </a:p>
@@ -23180,7 +23180,7 @@
                   <a:srgbClr val="E84142"/>
                 </a:solidFill>
               </a:rPr>
-              <a:t>📁 github.com/affaan-m/everything-claude-code</a:t>
+              <a:t>📁 https://github.com/affaan-m/everything-claude-code</a:t>
             </a:r>
             <a:endParaRPr lang="en-US" sz="900" dirty="0"/>
           </a:p>
@@ -23216,7 +23216,7 @@
                   <a:srgbClr val="3498DB"/>
                 </a:solidFill>
               </a:rPr>
-              <a:t>📝 zenn.dev/ttks/articles/a54c7520f827be</a:t>
+              <a:t>📝 https://zenn.dev/ttks/articles/a54c7520f827be</a:t>
             </a:r>
             <a:endParaRPr lang="en-US" sz="900" dirty="0"/>
           </a:p>
@@ -23346,7 +23346,7 @@
                   <a:srgbClr val="E84142"/>
                 </a:solidFill>
               </a:rPr>
-              <a:t>📺 youtube.com/watch?v=QPZCMd5REP8</a:t>
+              <a:t>📺 https://youtube.com/watch?v=QPZCMd5REP8</a:t>
             </a:r>
             <a:endParaRPr lang="en-US" sz="900" dirty="0"/>
           </a:p>
@@ -23382,7 +23382,7 @@
                   <a:srgbClr val="E84142"/>
                 </a:solidFill>
               </a:rPr>
-              <a:t>📁 github.com/chongdashu/phaserjs-oakwoods</a:t>
+              <a:t>📁 https://github.com/chongdashu/phaserjs-oakwoods</a:t>
             </a:r>
             <a:endParaRPr lang="en-US" sz="900" dirty="0"/>
           </a:p>
@@ -23714,7 +23714,7 @@
                   <a:srgbClr val="CCCCCC"/>
                 </a:solidFill>
               </a:rPr>
-              <a:t>github.com/anthropics/claude-code/tree/main/plugins</a:t>
+              <a:t>https://github.com/anthropics/claude-code/tree/main/plugins</a:t>
             </a:r>
             <a:endParaRPr lang="en-US" sz="800" dirty="0"/>
           </a:p>
@@ -23808,7 +23808,7 @@
                   <a:srgbClr val="CCCCCC"/>
                 </a:solidFill>
               </a:rPr>
-              <a:t>cursor.directory/ (Solidity, React 等のベストプラクティス)</a:t>
+              <a:t>https://cursor.directory/ (Solidity, React 等のベストプラクティス)</a:t>
             </a:r>
             <a:endParaRPr lang="en-US" sz="800" dirty="0"/>
           </a:p>
@@ -28617,7 +28617,7 @@
                   <a:srgbClr val="16A085"/>
                 </a:solidFill>
               </a:rPr>
-              <a:t>🔗 github.com/CobaltSato/avalanche-build-games-tool-kit</a:t>
+              <a:t>🔗 https://github.com/CobaltSato/avalanche-build-games-tool-kit</a:t>
             </a:r>
             <a:endParaRPr lang="en-US" sz="1100" dirty="0"/>
           </a:p>
